--- a/Java in a slide - 1.pptx
+++ b/Java in a slide - 1.pptx
@@ -5,7 +5,7 @@
     <p:sldMasterId id="2147483659" r:id="rId1"/>
   </p:sldMasterIdLst>
   <p:notesMasterIdLst>
-    <p:notesMasterId r:id="rId54"/>
+    <p:notesMasterId r:id="rId56"/>
   </p:notesMasterIdLst>
   <p:sldIdLst>
     <p:sldId id="256" r:id="rId2"/>
@@ -59,31 +59,33 @@
     <p:sldId id="317" r:id="rId50"/>
     <p:sldId id="318" r:id="rId51"/>
     <p:sldId id="319" r:id="rId52"/>
-    <p:sldId id="270" r:id="rId53"/>
+    <p:sldId id="320" r:id="rId53"/>
+    <p:sldId id="321" r:id="rId54"/>
+    <p:sldId id="270" r:id="rId55"/>
   </p:sldIdLst>
   <p:sldSz cx="9144000" cy="5143500" type="screen16x9"/>
   <p:notesSz cx="6858000" cy="9144000"/>
   <p:embeddedFontLst>
     <p:embeddedFont>
       <p:font typeface="Raleway" charset="0"/>
-      <p:regular r:id="rId55"/>
-      <p:bold r:id="rId56"/>
-      <p:italic r:id="rId57"/>
-      <p:boldItalic r:id="rId58"/>
+      <p:regular r:id="rId57"/>
+      <p:bold r:id="rId58"/>
+      <p:italic r:id="rId59"/>
+      <p:boldItalic r:id="rId60"/>
     </p:embeddedFont>
     <p:embeddedFont>
       <p:font typeface="Lato" charset="0"/>
-      <p:regular r:id="rId59"/>
-      <p:bold r:id="rId60"/>
-      <p:italic r:id="rId61"/>
-      <p:boldItalic r:id="rId62"/>
+      <p:regular r:id="rId61"/>
+      <p:bold r:id="rId62"/>
+      <p:italic r:id="rId63"/>
+      <p:boldItalic r:id="rId64"/>
     </p:embeddedFont>
     <p:embeddedFont>
       <p:font typeface="verdana" pitchFamily="34" charset="0"/>
-      <p:regular r:id="rId63"/>
-      <p:bold r:id="rId64"/>
-      <p:italic r:id="rId65"/>
-      <p:boldItalic r:id="rId66"/>
+      <p:regular r:id="rId65"/>
+      <p:bold r:id="rId66"/>
+      <p:italic r:id="rId67"/>
+      <p:boldItalic r:id="rId68"/>
     </p:embeddedFont>
   </p:embeddedFontLst>
   <p:defaultTextStyle>
@@ -317,7 +319,7 @@
   </p:defaultTextStyle>
   <p:extLst>
     <p:ext uri="{EFAFB233-063F-42B5-8137-9DF3F51BA10A}">
-      <p15:sldGuideLst xmlns="" xmlns:mc="http://schemas.openxmlformats.org/markup-compatibility/2006" xmlns:mv="urn:schemas-microsoft-com:mac:vml" xmlns:c="http://schemas.openxmlformats.org/drawingml/2006/chart" xmlns:dgm="http://schemas.openxmlformats.org/drawingml/2006/diagram" xmlns:o="urn:schemas-microsoft-com:office:office" xmlns:v="urn:schemas-microsoft-com:vml" xmlns:pvml="urn:schemas-microsoft-com:office:powerpoint" xmlns:com="http://schemas.openxmlformats.org/drawingml/2006/compatibility" xmlns:p14="http://schemas.microsoft.com/office/powerpoint/2010/main" xmlns:p15="http://schemas.microsoft.com/office/powerpoint/2012/main">
+      <p15:sldGuideLst xmlns:p15="http://schemas.microsoft.com/office/powerpoint/2012/main" xmlns:p14="http://schemas.microsoft.com/office/powerpoint/2010/main" xmlns:com="http://schemas.openxmlformats.org/drawingml/2006/compatibility" xmlns:pvml="urn:schemas-microsoft-com:office:powerpoint" xmlns:v="urn:schemas-microsoft-com:vml" xmlns:o="urn:schemas-microsoft-com:office:office" xmlns:dgm="http://schemas.openxmlformats.org/drawingml/2006/diagram" xmlns:c="http://schemas.openxmlformats.org/drawingml/2006/chart" xmlns:mv="urn:schemas-microsoft-com:mac:vml" xmlns:mc="http://schemas.openxmlformats.org/markup-compatibility/2006" xmlns="">
         <p15:guide id="1" orient="horz" pos="1620">
           <p15:clr>
             <a:srgbClr val="A4A3A4"/>
@@ -15265,15 +15267,7 @@
           <a:p>
             <a:r>
               <a:rPr lang="en-US" dirty="0" smtClean="0"/>
-              <a:t>Every </a:t>
-            </a:r>
-            <a:r>
-              <a:rPr lang="en-US" dirty="0" smtClean="0"/>
-              <a:t>component has its unique methods &amp; members that form the component &amp; its behavior</a:t>
-            </a:r>
-            <a:r>
-              <a:rPr lang="en-US" dirty="0" smtClean="0"/>
-              <a:t>.</a:t>
+              <a:t>Every component has its unique methods &amp; members that form the component &amp; its behavior.</a:t>
             </a:r>
           </a:p>
           <a:p>
@@ -15579,6 +15573,483 @@
 </file>
 
 <file path=ppt/slides/slide52.xml><?xml version="1.0" encoding="utf-8"?>
+<p:sld xmlns:a="http://schemas.openxmlformats.org/drawingml/2006/main" xmlns:r="http://schemas.openxmlformats.org/officeDocument/2006/relationships" xmlns:p="http://schemas.openxmlformats.org/presentationml/2006/main">
+  <p:cSld>
+    <p:spTree>
+      <p:nvGrpSpPr>
+        <p:cNvPr id="1" name=""/>
+        <p:cNvGrpSpPr/>
+        <p:nvPr/>
+      </p:nvGrpSpPr>
+      <p:grpSpPr>
+        <a:xfrm>
+          <a:off x="0" y="0"/>
+          <a:ext cx="0" cy="0"/>
+          <a:chOff x="0" y="0"/>
+          <a:chExt cx="0" cy="0"/>
+        </a:xfrm>
+      </p:grpSpPr>
+      <p:sp>
+        <p:nvSpPr>
+          <p:cNvPr id="2" name="Title 1"/>
+          <p:cNvSpPr>
+            <a:spLocks noGrp="1"/>
+          </p:cNvSpPr>
+          <p:nvPr>
+            <p:ph type="title"/>
+          </p:nvPr>
+        </p:nvSpPr>
+        <p:spPr/>
+        <p:txBody>
+          <a:bodyPr/>
+          <a:lstStyle/>
+          <a:p>
+            <a:r>
+              <a:rPr lang="en-US" dirty="0" smtClean="0"/>
+              <a:t>Java Date, Time &amp; Calendar</a:t>
+            </a:r>
+            <a:endParaRPr lang="en-US" dirty="0"/>
+          </a:p>
+        </p:txBody>
+      </p:sp>
+      <p:sp>
+        <p:nvSpPr>
+          <p:cNvPr id="3" name="Text Placeholder 2"/>
+          <p:cNvSpPr>
+            <a:spLocks noGrp="1"/>
+          </p:cNvSpPr>
+          <p:nvPr>
+            <p:ph type="body" idx="1"/>
+          </p:nvPr>
+        </p:nvSpPr>
+        <p:spPr>
+          <a:xfrm>
+            <a:off x="729449" y="2078875"/>
+            <a:ext cx="7839197" cy="2261100"/>
+          </a:xfrm>
+        </p:spPr>
+        <p:txBody>
+          <a:bodyPr/>
+          <a:lstStyle/>
+          <a:p>
+            <a:r>
+              <a:rPr lang="en-US" dirty="0" smtClean="0"/>
+              <a:t>Date – represents date &amp; time in java. Provides constructor &amp; methods like Date(long ms), after(), before(), equals(), </a:t>
+            </a:r>
+            <a:r>
+              <a:rPr lang="en-US" dirty="0" err="1" smtClean="0"/>
+              <a:t>getTime</a:t>
+            </a:r>
+            <a:r>
+              <a:rPr lang="en-US" dirty="0" smtClean="0"/>
+              <a:t>(), </a:t>
+            </a:r>
+            <a:r>
+              <a:rPr lang="en-US" dirty="0" err="1" smtClean="0"/>
+              <a:t>setTime</a:t>
+            </a:r>
+            <a:r>
+              <a:rPr lang="en-US" dirty="0" smtClean="0"/>
+              <a:t>(), </a:t>
+            </a:r>
+            <a:r>
+              <a:rPr lang="en-US" dirty="0" err="1" smtClean="0"/>
+              <a:t>compareTo</a:t>
+            </a:r>
+            <a:r>
+              <a:rPr lang="en-US" dirty="0" smtClean="0"/>
+              <a:t>(), etc.</a:t>
+            </a:r>
+          </a:p>
+          <a:p>
+            <a:r>
+              <a:rPr lang="en-US" dirty="0" smtClean="0"/>
+              <a:t>Calendar - </a:t>
+            </a:r>
+            <a:r>
+              <a:rPr lang="en-US" dirty="0" smtClean="0"/>
+              <a:t>an abstract class that provides methods for </a:t>
+            </a:r>
+            <a:r>
+              <a:rPr lang="en-US" dirty="0" smtClean="0"/>
+              <a:t>manipulating date and </a:t>
+            </a:r>
+            <a:r>
+              <a:rPr lang="en-US" dirty="0" smtClean="0"/>
+              <a:t>a set of calendar fields such as MONTH, YEAR, HOUR, etc</a:t>
+            </a:r>
+            <a:r>
+              <a:rPr lang="en-US" dirty="0" smtClean="0"/>
+              <a:t>.</a:t>
+            </a:r>
+          </a:p>
+          <a:p>
+            <a:r>
+              <a:rPr lang="en-US" dirty="0" smtClean="0"/>
+              <a:t>There are various packages like </a:t>
+            </a:r>
+            <a:r>
+              <a:rPr lang="en-US" dirty="0" err="1" smtClean="0"/>
+              <a:t>java.time</a:t>
+            </a:r>
+            <a:r>
+              <a:rPr lang="en-US" dirty="0" smtClean="0"/>
+              <a:t>, </a:t>
+            </a:r>
+            <a:r>
+              <a:rPr lang="en-US" dirty="0" err="1" smtClean="0"/>
+              <a:t>java.util</a:t>
+            </a:r>
+            <a:r>
+              <a:rPr lang="en-US" dirty="0" smtClean="0"/>
+              <a:t>, java.sql, </a:t>
+            </a:r>
+            <a:r>
+              <a:rPr lang="en-US" dirty="0" err="1" smtClean="0"/>
+              <a:t>java.text</a:t>
+            </a:r>
+            <a:r>
+              <a:rPr lang="en-US" dirty="0" smtClean="0"/>
+              <a:t> that provide classes for date manipulation. </a:t>
+            </a:r>
+            <a:r>
+              <a:rPr lang="en-US" dirty="0" err="1" smtClean="0"/>
+              <a:t>j</a:t>
+            </a:r>
+            <a:r>
+              <a:rPr lang="en-US" dirty="0" err="1" smtClean="0"/>
+              <a:t>ava.time</a:t>
+            </a:r>
+            <a:r>
+              <a:rPr lang="en-US" dirty="0" smtClean="0"/>
+              <a:t> is introduced with Java 8. It provides wide range of date related classes like </a:t>
+            </a:r>
+            <a:r>
+              <a:rPr lang="en-US" dirty="0" err="1" smtClean="0"/>
+              <a:t>LocalTIme</a:t>
+            </a:r>
+            <a:r>
+              <a:rPr lang="en-US" dirty="0" smtClean="0"/>
+              <a:t>, </a:t>
+            </a:r>
+            <a:r>
+              <a:rPr lang="en-US" dirty="0" err="1" smtClean="0"/>
+              <a:t>LocalDate</a:t>
+            </a:r>
+            <a:r>
+              <a:rPr lang="en-US" dirty="0" smtClean="0"/>
+              <a:t>, Year, </a:t>
+            </a:r>
+            <a:r>
+              <a:rPr lang="en-US" dirty="0" err="1" smtClean="0"/>
+              <a:t>MonthDay</a:t>
+            </a:r>
+            <a:r>
+              <a:rPr lang="en-US" dirty="0" smtClean="0"/>
+              <a:t>, Clock, Period, Duration, Instant, etc.</a:t>
+            </a:r>
+          </a:p>
+          <a:p>
+            <a:r>
+              <a:rPr lang="en-US" dirty="0" smtClean="0"/>
+              <a:t>Date formatting – </a:t>
+            </a:r>
+            <a:r>
+              <a:rPr lang="en-US" dirty="0" err="1" smtClean="0"/>
+              <a:t>DateFormat</a:t>
+            </a:r>
+            <a:r>
+              <a:rPr lang="en-US" dirty="0" smtClean="0"/>
+              <a:t> &amp; </a:t>
+            </a:r>
+            <a:r>
+              <a:rPr lang="en-US" dirty="0" err="1" smtClean="0"/>
+              <a:t>SimpleDateFormat</a:t>
+            </a:r>
+            <a:r>
+              <a:rPr lang="en-US" dirty="0" smtClean="0"/>
+              <a:t> provide methods to format date in java. It converts(date to string) &amp; parses(string to date) date.</a:t>
+            </a:r>
+          </a:p>
+        </p:txBody>
+      </p:sp>
+    </p:spTree>
+  </p:cSld>
+  <p:clrMapOvr>
+    <a:masterClrMapping/>
+  </p:clrMapOvr>
+</p:sld>
+</file>
+
+<file path=ppt/slides/slide53.xml><?xml version="1.0" encoding="utf-8"?>
+<p:sld xmlns:a="http://schemas.openxmlformats.org/drawingml/2006/main" xmlns:r="http://schemas.openxmlformats.org/officeDocument/2006/relationships" xmlns:p="http://schemas.openxmlformats.org/presentationml/2006/main">
+  <p:cSld>
+    <p:spTree>
+      <p:nvGrpSpPr>
+        <p:cNvPr id="1" name=""/>
+        <p:cNvGrpSpPr/>
+        <p:nvPr/>
+      </p:nvGrpSpPr>
+      <p:grpSpPr>
+        <a:xfrm>
+          <a:off x="0" y="0"/>
+          <a:ext cx="0" cy="0"/>
+          <a:chOff x="0" y="0"/>
+          <a:chExt cx="0" cy="0"/>
+        </a:xfrm>
+      </p:grpSpPr>
+      <p:sp>
+        <p:nvSpPr>
+          <p:cNvPr id="2" name="Title 1"/>
+          <p:cNvSpPr>
+            <a:spLocks noGrp="1"/>
+          </p:cNvSpPr>
+          <p:nvPr>
+            <p:ph type="title"/>
+          </p:nvPr>
+        </p:nvSpPr>
+        <p:spPr/>
+        <p:txBody>
+          <a:bodyPr/>
+          <a:lstStyle/>
+          <a:p>
+            <a:r>
+              <a:rPr lang="en-US" dirty="0" smtClean="0"/>
+              <a:t>Java Conversions</a:t>
+            </a:r>
+            <a:endParaRPr lang="en-US" dirty="0"/>
+          </a:p>
+        </p:txBody>
+      </p:sp>
+      <p:sp>
+        <p:nvSpPr>
+          <p:cNvPr id="3" name="Text Placeholder 2"/>
+          <p:cNvSpPr>
+            <a:spLocks noGrp="1"/>
+          </p:cNvSpPr>
+          <p:nvPr>
+            <p:ph type="body" idx="1"/>
+          </p:nvPr>
+        </p:nvSpPr>
+        <p:spPr/>
+        <p:txBody>
+          <a:bodyPr/>
+          <a:lstStyle/>
+          <a:p>
+            <a:r>
+              <a:rPr lang="en-US" dirty="0" smtClean="0"/>
+              <a:t>Primary to Primary (upward) – direct assignment. E.g. </a:t>
+            </a:r>
+            <a:r>
+              <a:rPr lang="en-US" dirty="0" err="1" smtClean="0"/>
+              <a:t>int</a:t>
+            </a:r>
+            <a:r>
+              <a:rPr lang="en-US" dirty="0" smtClean="0"/>
+              <a:t> to float.</a:t>
+            </a:r>
+          </a:p>
+          <a:p>
+            <a:r>
+              <a:rPr lang="en-US" dirty="0" smtClean="0"/>
+              <a:t>Primary to Primary (downward) – typecasting. E.g. float to int.</a:t>
+            </a:r>
+          </a:p>
+          <a:p>
+            <a:r>
+              <a:rPr lang="en-US" dirty="0" smtClean="0"/>
+              <a:t>Primary to String – </a:t>
+            </a:r>
+            <a:r>
+              <a:rPr lang="en-US" dirty="0" err="1" smtClean="0"/>
+              <a:t>String.valueOf</a:t>
+            </a:r>
+            <a:r>
+              <a:rPr lang="en-US" dirty="0" smtClean="0"/>
+              <a:t>(value), </a:t>
+            </a:r>
+            <a:r>
+              <a:rPr lang="en-US" dirty="0" err="1" smtClean="0"/>
+              <a:t>WrapperClass.toString</a:t>
+            </a:r>
+            <a:r>
+              <a:rPr lang="en-US" dirty="0" smtClean="0"/>
+              <a:t>(value).</a:t>
+            </a:r>
+          </a:p>
+          <a:p>
+            <a:r>
+              <a:rPr lang="en-US" dirty="0" smtClean="0"/>
+              <a:t>String to Primary – </a:t>
+            </a:r>
+            <a:r>
+              <a:rPr lang="en-US" dirty="0" err="1" smtClean="0"/>
+              <a:t>WrapperClass.parseType</a:t>
+            </a:r>
+            <a:r>
+              <a:rPr lang="en-US" dirty="0" smtClean="0"/>
+              <a:t>(String).</a:t>
+            </a:r>
+          </a:p>
+          <a:p>
+            <a:r>
+              <a:rPr lang="en-US" dirty="0" smtClean="0"/>
+              <a:t>String to Date &amp; vice-versa – </a:t>
+            </a:r>
+            <a:r>
+              <a:rPr lang="en-US" dirty="0" err="1" smtClean="0"/>
+              <a:t>SimpleDateFormat</a:t>
+            </a:r>
+            <a:r>
+              <a:rPr lang="en-US" dirty="0" smtClean="0"/>
+              <a:t> methods - parse() &amp; format().</a:t>
+            </a:r>
+          </a:p>
+          <a:p>
+            <a:r>
+              <a:rPr lang="en-US" dirty="0" smtClean="0"/>
+              <a:t>String to Object &amp; vice-versa – direct assignment &amp; </a:t>
+            </a:r>
+            <a:r>
+              <a:rPr lang="en-US" dirty="0" err="1" smtClean="0"/>
+              <a:t>Object.toString</a:t>
+            </a:r>
+            <a:r>
+              <a:rPr lang="en-US" dirty="0" smtClean="0"/>
+              <a:t>().</a:t>
+            </a:r>
+          </a:p>
+          <a:p>
+            <a:r>
+              <a:rPr lang="en-US" dirty="0" smtClean="0"/>
+              <a:t>Binary to Decimal &amp; vice-versa – </a:t>
+            </a:r>
+            <a:r>
+              <a:rPr lang="en-US" dirty="0" err="1" smtClean="0"/>
+              <a:t>Integer.parseInt</a:t>
+            </a:r>
+            <a:r>
+              <a:rPr lang="en-US" dirty="0" smtClean="0"/>
+              <a:t>(</a:t>
+            </a:r>
+            <a:r>
+              <a:rPr lang="en-US" dirty="0" err="1" smtClean="0"/>
+              <a:t>str</a:t>
+            </a:r>
+            <a:r>
+              <a:rPr lang="en-US" dirty="0" smtClean="0"/>
+              <a:t>, 2) &amp; </a:t>
+            </a:r>
+            <a:r>
+              <a:rPr lang="en-US" dirty="0" err="1" smtClean="0"/>
+              <a:t>Integer.toBinaryString</a:t>
+            </a:r>
+            <a:r>
+              <a:rPr lang="en-US" dirty="0" smtClean="0"/>
+              <a:t>().</a:t>
+            </a:r>
+          </a:p>
+          <a:p>
+            <a:r>
+              <a:rPr lang="en-US" dirty="0" smtClean="0"/>
+              <a:t>Hex to </a:t>
+            </a:r>
+            <a:r>
+              <a:rPr lang="en-US" dirty="0" smtClean="0"/>
+              <a:t>Decimal &amp; vice-versa – </a:t>
+            </a:r>
+            <a:r>
+              <a:rPr lang="en-US" dirty="0" err="1" smtClean="0"/>
+              <a:t>Integer.parseInt</a:t>
+            </a:r>
+            <a:r>
+              <a:rPr lang="en-US" dirty="0" smtClean="0"/>
+              <a:t>(</a:t>
+            </a:r>
+            <a:r>
+              <a:rPr lang="en-US" dirty="0" err="1" smtClean="0"/>
+              <a:t>str</a:t>
+            </a:r>
+            <a:r>
+              <a:rPr lang="en-US" dirty="0" smtClean="0"/>
+              <a:t>, </a:t>
+            </a:r>
+            <a:r>
+              <a:rPr lang="en-US" dirty="0" smtClean="0"/>
+              <a:t>16) </a:t>
+            </a:r>
+            <a:r>
+              <a:rPr lang="en-US" dirty="0" smtClean="0"/>
+              <a:t>&amp; </a:t>
+            </a:r>
+            <a:r>
+              <a:rPr lang="en-US" dirty="0" err="1" smtClean="0"/>
+              <a:t>Integer.toHexString</a:t>
+            </a:r>
+            <a:r>
+              <a:rPr lang="en-US" dirty="0" smtClean="0"/>
+              <a:t>().</a:t>
+            </a:r>
+          </a:p>
+          <a:p>
+            <a:r>
+              <a:rPr lang="en-US" dirty="0" smtClean="0"/>
+              <a:t>Octal </a:t>
+            </a:r>
+            <a:r>
+              <a:rPr lang="en-US" dirty="0" smtClean="0"/>
+              <a:t>to Decimal &amp; vice-versa – </a:t>
+            </a:r>
+            <a:r>
+              <a:rPr lang="en-US" dirty="0" err="1" smtClean="0"/>
+              <a:t>Integer.parseInt</a:t>
+            </a:r>
+            <a:r>
+              <a:rPr lang="en-US" dirty="0" smtClean="0"/>
+              <a:t>(</a:t>
+            </a:r>
+            <a:r>
+              <a:rPr lang="en-US" dirty="0" err="1" smtClean="0"/>
+              <a:t>str</a:t>
+            </a:r>
+            <a:r>
+              <a:rPr lang="en-US" dirty="0" smtClean="0"/>
+              <a:t>, </a:t>
+            </a:r>
+            <a:r>
+              <a:rPr lang="en-US" dirty="0" smtClean="0"/>
+              <a:t>8) </a:t>
+            </a:r>
+            <a:r>
+              <a:rPr lang="en-US" dirty="0" smtClean="0"/>
+              <a:t>&amp; </a:t>
+            </a:r>
+            <a:r>
+              <a:rPr lang="en-US" dirty="0" err="1" smtClean="0"/>
+              <a:t>Integer.toOctalString</a:t>
+            </a:r>
+            <a:r>
+              <a:rPr lang="en-US" dirty="0" smtClean="0"/>
+              <a:t>().</a:t>
+            </a:r>
+          </a:p>
+          <a:p>
+            <a:pPr>
+              <a:buNone/>
+            </a:pPr>
+            <a:endParaRPr lang="en-US" dirty="0" smtClean="0"/>
+          </a:p>
+        </p:txBody>
+      </p:sp>
+    </p:spTree>
+  </p:cSld>
+  <p:clrMapOvr>
+    <a:masterClrMapping/>
+  </p:clrMapOvr>
+</p:sld>
+</file>
+
+<file path=ppt/slides/slide54.xml><?xml version="1.0" encoding="utf-8"?>
 <p:sld xmlns:a="http://schemas.openxmlformats.org/drawingml/2006/main" xmlns:r="http://schemas.openxmlformats.org/officeDocument/2006/relationships" xmlns:p="http://schemas.openxmlformats.org/presentationml/2006/main">
   <p:cSld>
     <p:spTree>

--- a/Java in a slide - 1.pptx
+++ b/Java in a slide - 1.pptx
@@ -5,7 +5,7 @@
     <p:sldMasterId id="2147483659" r:id="rId1"/>
   </p:sldMasterIdLst>
   <p:notesMasterIdLst>
-    <p:notesMasterId r:id="rId56"/>
+    <p:notesMasterId r:id="rId51"/>
   </p:notesMasterIdLst>
   <p:sldIdLst>
     <p:sldId id="256" r:id="rId2"/>
@@ -44,48 +44,43 @@
     <p:sldId id="301" r:id="rId35"/>
     <p:sldId id="302" r:id="rId36"/>
     <p:sldId id="303" r:id="rId37"/>
-    <p:sldId id="305" r:id="rId38"/>
-    <p:sldId id="306" r:id="rId39"/>
-    <p:sldId id="307" r:id="rId40"/>
-    <p:sldId id="308" r:id="rId41"/>
-    <p:sldId id="309" r:id="rId42"/>
-    <p:sldId id="310" r:id="rId43"/>
-    <p:sldId id="311" r:id="rId44"/>
-    <p:sldId id="312" r:id="rId45"/>
-    <p:sldId id="313" r:id="rId46"/>
-    <p:sldId id="314" r:id="rId47"/>
-    <p:sldId id="315" r:id="rId48"/>
-    <p:sldId id="316" r:id="rId49"/>
-    <p:sldId id="317" r:id="rId50"/>
-    <p:sldId id="318" r:id="rId51"/>
-    <p:sldId id="319" r:id="rId52"/>
-    <p:sldId id="320" r:id="rId53"/>
-    <p:sldId id="321" r:id="rId54"/>
-    <p:sldId id="270" r:id="rId55"/>
+    <p:sldId id="310" r:id="rId38"/>
+    <p:sldId id="311" r:id="rId39"/>
+    <p:sldId id="312" r:id="rId40"/>
+    <p:sldId id="313" r:id="rId41"/>
+    <p:sldId id="314" r:id="rId42"/>
+    <p:sldId id="315" r:id="rId43"/>
+    <p:sldId id="316" r:id="rId44"/>
+    <p:sldId id="317" r:id="rId45"/>
+    <p:sldId id="318" r:id="rId46"/>
+    <p:sldId id="319" r:id="rId47"/>
+    <p:sldId id="320" r:id="rId48"/>
+    <p:sldId id="321" r:id="rId49"/>
+    <p:sldId id="270" r:id="rId50"/>
   </p:sldIdLst>
   <p:sldSz cx="9144000" cy="5143500" type="screen16x9"/>
   <p:notesSz cx="6858000" cy="9144000"/>
   <p:embeddedFontLst>
     <p:embeddedFont>
       <p:font typeface="Raleway" charset="0"/>
-      <p:regular r:id="rId57"/>
-      <p:bold r:id="rId58"/>
-      <p:italic r:id="rId59"/>
-      <p:boldItalic r:id="rId60"/>
+      <p:regular r:id="rId52"/>
+      <p:bold r:id="rId53"/>
+      <p:italic r:id="rId54"/>
+      <p:boldItalic r:id="rId55"/>
     </p:embeddedFont>
     <p:embeddedFont>
       <p:font typeface="Lato" charset="0"/>
-      <p:regular r:id="rId61"/>
-      <p:bold r:id="rId62"/>
-      <p:italic r:id="rId63"/>
-      <p:boldItalic r:id="rId64"/>
+      <p:regular r:id="rId56"/>
+      <p:bold r:id="rId57"/>
+      <p:italic r:id="rId58"/>
+      <p:boldItalic r:id="rId59"/>
     </p:embeddedFont>
     <p:embeddedFont>
       <p:font typeface="verdana" pitchFamily="34" charset="0"/>
-      <p:regular r:id="rId65"/>
-      <p:bold r:id="rId66"/>
-      <p:italic r:id="rId67"/>
-      <p:boldItalic r:id="rId68"/>
+      <p:regular r:id="rId60"/>
+      <p:bold r:id="rId61"/>
+      <p:italic r:id="rId62"/>
+      <p:boldItalic r:id="rId63"/>
     </p:embeddedFont>
   </p:embeddedFontLst>
   <p:defaultTextStyle>
@@ -319,7 +314,7 @@
   </p:defaultTextStyle>
   <p:extLst>
     <p:ext uri="{EFAFB233-063F-42B5-8137-9DF3F51BA10A}">
-      <p15:sldGuideLst xmlns:p15="http://schemas.microsoft.com/office/powerpoint/2012/main" xmlns:p14="http://schemas.microsoft.com/office/powerpoint/2010/main" xmlns:com="http://schemas.openxmlformats.org/drawingml/2006/compatibility" xmlns:pvml="urn:schemas-microsoft-com:office:powerpoint" xmlns:v="urn:schemas-microsoft-com:vml" xmlns:o="urn:schemas-microsoft-com:office:office" xmlns:dgm="http://schemas.openxmlformats.org/drawingml/2006/diagram" xmlns:c="http://schemas.openxmlformats.org/drawingml/2006/chart" xmlns:mv="urn:schemas-microsoft-com:mac:vml" xmlns:mc="http://schemas.openxmlformats.org/markup-compatibility/2006" xmlns="">
+      <p15:sldGuideLst xmlns="" xmlns:mc="http://schemas.openxmlformats.org/markup-compatibility/2006" xmlns:mv="urn:schemas-microsoft-com:mac:vml" xmlns:c="http://schemas.openxmlformats.org/drawingml/2006/chart" xmlns:dgm="http://schemas.openxmlformats.org/drawingml/2006/diagram" xmlns:o="urn:schemas-microsoft-com:office:office" xmlns:v="urn:schemas-microsoft-com:vml" xmlns:pvml="urn:schemas-microsoft-com:office:powerpoint" xmlns:com="http://schemas.openxmlformats.org/drawingml/2006/compatibility" xmlns:p14="http://schemas.microsoft.com/office/powerpoint/2010/main" xmlns:p15="http://schemas.microsoft.com/office/powerpoint/2012/main">
         <p15:guide id="1" orient="horz" pos="1620">
           <p15:clr>
             <a:srgbClr val="A4A3A4"/>
@@ -12016,7 +12011,7 @@
         </p:nvSpPr>
         <p:spPr>
           <a:xfrm>
-            <a:off x="729450" y="1185086"/>
+            <a:off x="729450" y="1236457"/>
             <a:ext cx="7688700" cy="535200"/>
           </a:xfrm>
         </p:spPr>
@@ -12026,7 +12021,7 @@
           <a:p>
             <a:r>
               <a:rPr lang="en-US" dirty="0" smtClean="0"/>
-              <a:t>Multithreading</a:t>
+              <a:t>Java I/O</a:t>
             </a:r>
             <a:endParaRPr lang="en-US" dirty="0"/>
           </a:p>
@@ -12044,8 +12039,8 @@
         </p:nvSpPr>
         <p:spPr>
           <a:xfrm>
-            <a:off x="729449" y="1667909"/>
-            <a:ext cx="7798101" cy="3342027"/>
+            <a:off x="708902" y="1719278"/>
+            <a:ext cx="7952213" cy="3424222"/>
           </a:xfrm>
         </p:spPr>
         <p:txBody>
@@ -12054,136 +12049,126 @@
           <a:p>
             <a:r>
               <a:rPr lang="en-US" dirty="0" smtClean="0"/>
-              <a:t>Multithreading: It is mechanism in which multiple threads can be executed simultaneously. It saves time by performing multiple operations at same time. It is mostly used in games, animation.</a:t>
-            </a:r>
-          </a:p>
-          <a:p>
-            <a:r>
-              <a:rPr lang="en-US" dirty="0" smtClean="0"/>
-              <a:t>Multitasking: It is process of executing multiple tasks simultaneously. It boosts CPU utilization. It is achieved with multithreading or multiprocessing – </a:t>
-            </a:r>
-          </a:p>
-          <a:p>
-            <a:pPr lvl="1">
-              <a:spcBef>
-                <a:spcPts val="0"/>
-              </a:spcBef>
-              <a:buFont typeface="+mj-lt"/>
-              <a:buAutoNum type="arabicPeriod"/>
-            </a:pPr>
-            <a:r>
-              <a:rPr lang="en-US" dirty="0" smtClean="0"/>
-              <a:t>Multiprocessing – Process is heavyweight and has separate memory area. Switching &amp; communication between processes can be costly.</a:t>
-            </a:r>
-          </a:p>
-          <a:p>
-            <a:pPr lvl="1">
-              <a:spcBef>
-                <a:spcPts val="0"/>
-              </a:spcBef>
-              <a:buFont typeface="+mj-lt"/>
-              <a:buAutoNum type="arabicPeriod"/>
-            </a:pPr>
-            <a:r>
-              <a:rPr lang="en-US" dirty="0" smtClean="0"/>
-              <a:t>Multithreading – Thread is lightweight &amp; multiple threads share same memory space. So, cost of communication is low. Thread is basically smallest execution unit, lightweight sub-process. Threads are independent, failure of one doesn’t affect others. But only one thread is executed at a time.</a:t>
-            </a:r>
-          </a:p>
-          <a:p>
-            <a:r>
-              <a:rPr lang="en-US" dirty="0" smtClean="0"/>
-              <a:t>Thread life-cycle – Thread lifecycle has 5 states. Thread can be in any one of them at a time</a:t>
-            </a:r>
-          </a:p>
-          <a:p>
-            <a:pPr lvl="1">
-              <a:spcBef>
-                <a:spcPts val="0"/>
-              </a:spcBef>
-              <a:buFont typeface="+mj-lt"/>
-              <a:buAutoNum type="arabicPeriod"/>
-            </a:pPr>
-            <a:r>
-              <a:rPr lang="en-US" dirty="0" smtClean="0"/>
-              <a:t>New – Thread is created(instance of thread class). Before start().</a:t>
-            </a:r>
-          </a:p>
-          <a:p>
-            <a:pPr lvl="1">
-              <a:spcBef>
-                <a:spcPts val="0"/>
-              </a:spcBef>
-              <a:buFont typeface="+mj-lt"/>
-              <a:buAutoNum type="arabicPeriod"/>
-            </a:pPr>
-            <a:r>
-              <a:rPr lang="en-US" dirty="0" err="1" smtClean="0"/>
-              <a:t>Runnable</a:t>
-            </a:r>
-            <a:r>
-              <a:rPr lang="en-US" dirty="0" smtClean="0"/>
-              <a:t> – Thread is ready for execution(waiting to get executed). Invocation of start().</a:t>
-            </a:r>
-          </a:p>
-          <a:p>
-            <a:pPr lvl="1">
-              <a:spcBef>
-                <a:spcPts val="0"/>
-              </a:spcBef>
-              <a:buFont typeface="+mj-lt"/>
-              <a:buAutoNum type="arabicPeriod"/>
-            </a:pPr>
-            <a:r>
-              <a:rPr lang="en-US" dirty="0" smtClean="0"/>
-              <a:t>Running -  Thread is running (scheduler has selected thread for execution).</a:t>
-            </a:r>
-          </a:p>
-          <a:p>
-            <a:pPr lvl="1">
-              <a:spcBef>
-                <a:spcPts val="0"/>
-              </a:spcBef>
-              <a:buFont typeface="+mj-lt"/>
-              <a:buAutoNum type="arabicPeriod"/>
-            </a:pPr>
-            <a:r>
-              <a:rPr lang="en-US" dirty="0" smtClean="0"/>
-              <a:t>Non-</a:t>
-            </a:r>
-            <a:r>
-              <a:rPr lang="en-US" dirty="0" err="1" smtClean="0"/>
-              <a:t>Runnable</a:t>
-            </a:r>
-            <a:r>
-              <a:rPr lang="en-US" dirty="0" smtClean="0"/>
-              <a:t> (Blocked) – Thread is alive but not able to run due to suspend(), wait(), sleep(), etc.</a:t>
-            </a:r>
-          </a:p>
-          <a:p>
-            <a:pPr lvl="1">
-              <a:spcBef>
-                <a:spcPts val="0"/>
-              </a:spcBef>
-              <a:buFont typeface="+mj-lt"/>
-              <a:buAutoNum type="arabicPeriod"/>
-            </a:pPr>
-            <a:r>
-              <a:rPr lang="en-US" dirty="0" smtClean="0"/>
-              <a:t>Terminated – Thread terminates/exits when its run() method execution is complete.</a:t>
-            </a:r>
-          </a:p>
-          <a:p>
-            <a:r>
-              <a:rPr lang="en-US" dirty="0" smtClean="0"/>
-              <a:t>Big Picture - </a:t>
+              <a:t>Java I/O is used to process input &amp; produce output. Java uses concept of stream to make I/O operations fast. java.io package contains classes for I/O operations. Stream is sequence of data (byte). There are 3 main streams i.e. </a:t>
+            </a:r>
+            <a:r>
+              <a:rPr lang="en-US" dirty="0" err="1" smtClean="0"/>
+              <a:t>System.out</a:t>
+            </a:r>
+            <a:r>
+              <a:rPr lang="en-US" dirty="0" smtClean="0"/>
+              <a:t> (standard output stream), </a:t>
+            </a:r>
+            <a:r>
+              <a:rPr lang="en-US" dirty="0" err="1" smtClean="0"/>
+              <a:t>System.in</a:t>
+            </a:r>
+            <a:r>
+              <a:rPr lang="en-US" dirty="0" smtClean="0"/>
+              <a:t> (standard input stream), System.err (standard error stream). </a:t>
+            </a:r>
+          </a:p>
+          <a:p>
+            <a:r>
+              <a:rPr lang="en-US" dirty="0" err="1" smtClean="0"/>
+              <a:t>OutputStream</a:t>
+            </a:r>
+            <a:r>
+              <a:rPr lang="en-US" dirty="0" smtClean="0"/>
+              <a:t> is used to write byte stream data to destination (file, console, socket) from program. It’s an abstract class that works as </a:t>
+            </a:r>
+            <a:r>
+              <a:rPr lang="en-US" dirty="0" err="1" smtClean="0"/>
+              <a:t>superclass</a:t>
+            </a:r>
+            <a:r>
+              <a:rPr lang="en-US" dirty="0" smtClean="0"/>
+              <a:t> for all classes representing output stream of bytes. It has methods like write(), flush(), close(). Hierarchy - </a:t>
             </a:r>
             <a:r>
               <a:rPr lang="en-US" dirty="0" smtClean="0">
                 <a:hlinkClick r:id="rId2"/>
               </a:rPr>
-              <a:t>Thread Life Cycle</a:t>
-            </a:r>
-            <a:endParaRPr lang="en-US" dirty="0"/>
+              <a:t>Java </a:t>
+            </a:r>
+            <a:r>
+              <a:rPr lang="en-US" dirty="0" err="1" smtClean="0">
+                <a:hlinkClick r:id="rId2"/>
+              </a:rPr>
+              <a:t>OutputStream</a:t>
+            </a:r>
+            <a:r>
+              <a:rPr lang="en-US" dirty="0" smtClean="0">
+                <a:hlinkClick r:id="rId2"/>
+              </a:rPr>
+              <a:t> Hierarchy</a:t>
+            </a:r>
+            <a:endParaRPr lang="en-US" dirty="0" smtClean="0"/>
+          </a:p>
+          <a:p>
+            <a:r>
+              <a:rPr lang="en-US" dirty="0" err="1" smtClean="0"/>
+              <a:t>InputStream</a:t>
+            </a:r>
+            <a:r>
+              <a:rPr lang="en-US" dirty="0" smtClean="0"/>
+              <a:t> is used to read byte stream data from source (source, console, socket) to the program. It’s an abstract class that works as </a:t>
+            </a:r>
+            <a:r>
+              <a:rPr lang="en-US" dirty="0" err="1" smtClean="0"/>
+              <a:t>superclass</a:t>
+            </a:r>
+            <a:r>
+              <a:rPr lang="en-US" dirty="0" smtClean="0"/>
+              <a:t> for all classes representing input stream of bytes. It has methods like read(), available(), close(). Hierarchy - </a:t>
+            </a:r>
+            <a:r>
+              <a:rPr lang="en-US" dirty="0" smtClean="0">
+                <a:hlinkClick r:id="rId3"/>
+              </a:rPr>
+              <a:t>Java </a:t>
+            </a:r>
+            <a:r>
+              <a:rPr lang="en-US" dirty="0" err="1" smtClean="0">
+                <a:hlinkClick r:id="rId3"/>
+              </a:rPr>
+              <a:t>InputStream</a:t>
+            </a:r>
+            <a:r>
+              <a:rPr lang="en-US" dirty="0" smtClean="0">
+                <a:hlinkClick r:id="rId3"/>
+              </a:rPr>
+              <a:t> Hierarchy</a:t>
+            </a:r>
+            <a:endParaRPr lang="en-US" dirty="0" smtClean="0"/>
+          </a:p>
+          <a:p>
+            <a:r>
+              <a:rPr lang="en-US" dirty="0" smtClean="0"/>
+              <a:t>Writer is used to write character data to char streams. It’s abstract class that works as </a:t>
+            </a:r>
+            <a:r>
+              <a:rPr lang="en-US" dirty="0" err="1" smtClean="0"/>
+              <a:t>superclass</a:t>
+            </a:r>
+            <a:r>
+              <a:rPr lang="en-US" dirty="0" smtClean="0"/>
+              <a:t> for various writer classes. It has methods like write(), append(), flush(), close(), etc. </a:t>
+            </a:r>
+          </a:p>
+          <a:p>
+            <a:r>
+              <a:rPr lang="en-US" dirty="0" smtClean="0"/>
+              <a:t>Reader is used to read character data from char streams. It’s abstract class that works as </a:t>
+            </a:r>
+            <a:r>
+              <a:rPr lang="en-US" dirty="0" err="1" smtClean="0"/>
+              <a:t>superclass</a:t>
+            </a:r>
+            <a:r>
+              <a:rPr lang="en-US" dirty="0" smtClean="0"/>
+              <a:t> for various reader classes. It has methods like read(), close(), mark(), skip(), etc.</a:t>
+            </a:r>
           </a:p>
         </p:txBody>
       </p:sp>
@@ -12236,7 +12221,15 @@
           <a:p>
             <a:r>
               <a:rPr lang="en-US" dirty="0" smtClean="0"/>
-              <a:t>Multithreading (Cont.)</a:t>
+              <a:t>Java I/O – </a:t>
+            </a:r>
+            <a:r>
+              <a:rPr lang="en-US" dirty="0" err="1" smtClean="0"/>
+              <a:t>OutputStream</a:t>
+            </a:r>
+            <a:r>
+              <a:rPr lang="en-US" dirty="0" smtClean="0"/>
+              <a:t> Hierarchy</a:t>
             </a:r>
             <a:endParaRPr lang="en-US" dirty="0"/>
           </a:p>
@@ -12254,7 +12247,7 @@
         </p:nvSpPr>
         <p:spPr>
           <a:xfrm>
-            <a:off x="719176" y="1904213"/>
+            <a:off x="729450" y="2078874"/>
             <a:ext cx="7688700" cy="3064625"/>
           </a:xfrm>
         </p:spPr>
@@ -12264,57 +12257,83 @@
           <a:p>
             <a:r>
               <a:rPr lang="en-US" dirty="0" smtClean="0"/>
-              <a:t>Creating Thread – Threads can be created with by extending Thread class or implementing </a:t>
-            </a:r>
-            <a:r>
-              <a:rPr lang="en-US" dirty="0" err="1" smtClean="0"/>
-              <a:t>Runnable</a:t>
-            </a:r>
-            <a:r>
-              <a:rPr lang="en-US" dirty="0" smtClean="0"/>
-              <a:t> interface.</a:t>
-            </a:r>
-          </a:p>
-          <a:p>
-            <a:r>
-              <a:rPr lang="en-US" dirty="0" smtClean="0"/>
-              <a:t>Thread class – Thread class allows us to create &amp; perform operations of thread by providing various methods &amp; constructors. This class itself implements </a:t>
-            </a:r>
-            <a:r>
-              <a:rPr lang="en-US" dirty="0" err="1" smtClean="0"/>
-              <a:t>Runnable</a:t>
-            </a:r>
-            <a:r>
-              <a:rPr lang="en-US" dirty="0" smtClean="0"/>
-              <a:t> interface. The constructors are Thread(), Thread(String), Thread(</a:t>
-            </a:r>
-            <a:r>
-              <a:rPr lang="en-US" dirty="0" err="1" smtClean="0"/>
-              <a:t>Runnable</a:t>
-            </a:r>
-            <a:r>
-              <a:rPr lang="en-US" dirty="0" smtClean="0"/>
-              <a:t>), Thread (</a:t>
-            </a:r>
-            <a:r>
-              <a:rPr lang="en-US" dirty="0" err="1" smtClean="0"/>
-              <a:t>Runnable</a:t>
-            </a:r>
-            <a:r>
-              <a:rPr lang="en-US" dirty="0" smtClean="0"/>
-              <a:t>, String). The methods are start(), run(), </a:t>
-            </a:r>
-            <a:r>
-              <a:rPr lang="en-US" dirty="0" err="1" smtClean="0"/>
-              <a:t>yeild</a:t>
-            </a:r>
-            <a:r>
-              <a:rPr lang="en-US" dirty="0" smtClean="0"/>
-              <a:t>(), join(), stop(), resume(), suspend(), </a:t>
-            </a:r>
-            <a:r>
-              <a:rPr lang="en-US" dirty="0" err="1" smtClean="0"/>
-              <a:t>getName</a:t>
+              <a:t>All subclasses have methods from </a:t>
+            </a:r>
+            <a:r>
+              <a:rPr lang="en-US" dirty="0" err="1" smtClean="0"/>
+              <a:t>OutputStream</a:t>
+            </a:r>
+            <a:r>
+              <a:rPr lang="en-US" dirty="0" smtClean="0"/>
+              <a:t> class, as its parent abstract class. Methods - write(), flush(), close().</a:t>
+            </a:r>
+          </a:p>
+          <a:p>
+            <a:r>
+              <a:rPr lang="en-US" dirty="0" err="1" smtClean="0"/>
+              <a:t>FileOutputStream</a:t>
+            </a:r>
+            <a:r>
+              <a:rPr lang="en-US" dirty="0" smtClean="0"/>
+              <a:t> – output stream used to write to files (byte data). It provides methods like finalize(), </a:t>
+            </a:r>
+            <a:r>
+              <a:rPr lang="en-US" dirty="0" err="1" smtClean="0"/>
+              <a:t>getFD</a:t>
+            </a:r>
+            <a:r>
+              <a:rPr lang="en-US" dirty="0" smtClean="0"/>
+              <a:t>, etc. The constructor takes filename(with path) as parameter.</a:t>
+            </a:r>
+          </a:p>
+          <a:p>
+            <a:r>
+              <a:rPr lang="en-US" dirty="0" err="1" smtClean="0"/>
+              <a:t>BufferedOutputStream</a:t>
+            </a:r>
+            <a:r>
+              <a:rPr lang="en-US" dirty="0" smtClean="0"/>
+              <a:t> – provides buffering facility for output stream. It uses buffers &amp; so performance is fast. Its constructor takes relevant </a:t>
+            </a:r>
+            <a:r>
+              <a:rPr lang="en-US" dirty="0" err="1" smtClean="0"/>
+              <a:t>OutputStream</a:t>
+            </a:r>
+            <a:r>
+              <a:rPr lang="en-US" dirty="0" smtClean="0"/>
+              <a:t> object as parameter.</a:t>
+            </a:r>
+          </a:p>
+          <a:p>
+            <a:r>
+              <a:rPr lang="en-US" dirty="0" err="1" smtClean="0"/>
+              <a:t>ByteArrayOutputStream</a:t>
+            </a:r>
+            <a:r>
+              <a:rPr lang="en-US" dirty="0" smtClean="0"/>
+              <a:t> – used to write common data to multiple files. It holds copy of byte array data with write() &amp; passes it to various output streams with </a:t>
+            </a:r>
+            <a:r>
+              <a:rPr lang="en-US" dirty="0" err="1" smtClean="0"/>
+              <a:t>writeTo</a:t>
+            </a:r>
+            <a:r>
+              <a:rPr lang="en-US" dirty="0" smtClean="0"/>
+              <a:t>().It also uses buffer.</a:t>
+            </a:r>
+          </a:p>
+          <a:p>
+            <a:r>
+              <a:rPr lang="en-US" dirty="0" err="1" smtClean="0"/>
+              <a:t>DataOutputStream</a:t>
+            </a:r>
+            <a:r>
+              <a:rPr lang="en-US" dirty="0" smtClean="0"/>
+              <a:t> – writes primitive java types to output stream. It has methods like </a:t>
+            </a:r>
+            <a:r>
+              <a:rPr lang="en-US" dirty="0" err="1" smtClean="0"/>
+              <a:t>writeChar</a:t>
             </a:r>
             <a:r>
               <a:rPr lang="en-US" dirty="0" smtClean="0"/>
@@ -12322,49 +12341,53 @@
             </a:r>
             <a:r>
               <a:rPr lang="en-US" dirty="0" err="1" smtClean="0"/>
-              <a:t>getId</a:t>
-            </a:r>
-            <a:r>
-              <a:rPr lang="en-US" dirty="0" smtClean="0"/>
-              <a:t>()etc.</a:t>
-            </a:r>
-          </a:p>
-          <a:p>
-            <a:r>
-              <a:rPr lang="en-US" dirty="0" err="1" smtClean="0"/>
-              <a:t>Runnable</a:t>
-            </a:r>
-            <a:r>
-              <a:rPr lang="en-US" dirty="0" smtClean="0"/>
-              <a:t> interface – Every class which is need to be used as thread must implement this interface, it has only one method </a:t>
-            </a:r>
-            <a:r>
-              <a:rPr lang="en-US" dirty="0" err="1" smtClean="0"/>
-              <a:t>i.e</a:t>
-            </a:r>
-            <a:r>
-              <a:rPr lang="en-US" dirty="0" smtClean="0"/>
-              <a:t> run(). When we implement this interface, our class won’t be treated as thread, instead we need pass it to Thread class object and use that object.</a:t>
-            </a:r>
-          </a:p>
-          <a:p>
-            <a:r>
-              <a:rPr lang="en-US" dirty="0" smtClean="0"/>
-              <a:t>start() method starts the thread &amp; moves it from new state to </a:t>
-            </a:r>
-            <a:r>
-              <a:rPr lang="en-US" dirty="0" err="1" smtClean="0"/>
-              <a:t>runnable</a:t>
-            </a:r>
-            <a:r>
-              <a:rPr lang="en-US" dirty="0" smtClean="0"/>
-              <a:t> &amp; when scheduled, it calls run() method internally. start() can be called only once, calling again will throw exception.</a:t>
-            </a:r>
-          </a:p>
-          <a:p>
-            <a:r>
-              <a:rPr lang="en-US" dirty="0" smtClean="0"/>
-              <a:t>Scheduler – It is part of JVM that schedules thread for execution. The choosing operation isn’t fixed. It either uses preemptive(priority based) scheduling or time-slicing scheduling.</a:t>
+              <a:t>writeInt</a:t>
+            </a:r>
+            <a:r>
+              <a:rPr lang="en-US" dirty="0" smtClean="0"/>
+              <a:t>(), </a:t>
+            </a:r>
+            <a:r>
+              <a:rPr lang="en-US" dirty="0" err="1" smtClean="0"/>
+              <a:t>writeLong</a:t>
+            </a:r>
+            <a:r>
+              <a:rPr lang="en-US" dirty="0" smtClean="0"/>
+              <a:t>(), etc for every primitive type. </a:t>
+            </a:r>
+          </a:p>
+          <a:p>
+            <a:r>
+              <a:rPr lang="en-US" dirty="0" err="1" smtClean="0"/>
+              <a:t>FilterOutputStream</a:t>
+            </a:r>
+            <a:r>
+              <a:rPr lang="en-US" dirty="0" smtClean="0"/>
+              <a:t> – same as </a:t>
+            </a:r>
+            <a:r>
+              <a:rPr lang="en-US" dirty="0" err="1" smtClean="0"/>
+              <a:t>OutputStream</a:t>
+            </a:r>
+            <a:r>
+              <a:rPr lang="en-US" dirty="0" smtClean="0"/>
+              <a:t> only difference is that its not abstract &amp; works as parent for </a:t>
+            </a:r>
+            <a:r>
+              <a:rPr lang="en-US" dirty="0" err="1" smtClean="0"/>
+              <a:t>BufferedOutputStream</a:t>
+            </a:r>
+            <a:r>
+              <a:rPr lang="en-US" dirty="0" smtClean="0"/>
+              <a:t> &amp; </a:t>
+            </a:r>
+            <a:r>
+              <a:rPr lang="en-US" dirty="0" err="1" smtClean="0"/>
+              <a:t>DataOutputStream</a:t>
+            </a:r>
+            <a:r>
+              <a:rPr lang="en-US" dirty="0" smtClean="0"/>
+              <a:t>. Less used individually.</a:t>
             </a:r>
             <a:endParaRPr lang="en-US" dirty="0"/>
           </a:p>
@@ -12412,19 +12435,22 @@
             <p:ph type="title"/>
           </p:nvPr>
         </p:nvSpPr>
-        <p:spPr>
-          <a:xfrm>
-            <a:off x="729450" y="1246731"/>
-            <a:ext cx="7688700" cy="535200"/>
-          </a:xfrm>
-        </p:spPr>
+        <p:spPr/>
         <p:txBody>
           <a:bodyPr/>
           <a:lstStyle/>
           <a:p>
             <a:r>
               <a:rPr lang="en-US" dirty="0" smtClean="0"/>
-              <a:t>Multithreading (Cont.)</a:t>
+              <a:t>Java I/O – </a:t>
+            </a:r>
+            <a:r>
+              <a:rPr lang="en-US" dirty="0" err="1" smtClean="0"/>
+              <a:t>InputStream</a:t>
+            </a:r>
+            <a:r>
+              <a:rPr lang="en-US" dirty="0" smtClean="0"/>
+              <a:t> Hierarchy</a:t>
             </a:r>
             <a:endParaRPr lang="en-US" dirty="0"/>
           </a:p>
@@ -12442,8 +12468,8 @@
         </p:nvSpPr>
         <p:spPr>
           <a:xfrm>
-            <a:off x="544513" y="1924761"/>
-            <a:ext cx="8414551" cy="3064625"/>
+            <a:off x="729450" y="2078874"/>
+            <a:ext cx="7688700" cy="3064625"/>
           </a:xfrm>
         </p:spPr>
         <p:txBody>
@@ -12452,212 +12478,122 @@
           <a:p>
             <a:r>
               <a:rPr lang="en-US" dirty="0" smtClean="0"/>
-              <a:t>sleep() – This method is used to sleep the thread for specified time (in ms).</a:t>
-            </a:r>
-          </a:p>
-          <a:p>
-            <a:r>
-              <a:rPr lang="en-US" dirty="0" smtClean="0"/>
-              <a:t>If we call run() method directly, it is treated as normal object &amp; not as thread. So it is executed normally.</a:t>
-            </a:r>
-          </a:p>
-          <a:p>
-            <a:r>
-              <a:rPr lang="en-US" dirty="0" smtClean="0"/>
-              <a:t>join() – This method waits for the thread to die(to execute it completely). It stops currently executing threads until joined thread executes completely. join(), join(long ms).</a:t>
-            </a:r>
-          </a:p>
-          <a:p>
-            <a:r>
-              <a:rPr lang="en-US" dirty="0" err="1" smtClean="0"/>
-              <a:t>getName</a:t>
-            </a:r>
-            <a:r>
-              <a:rPr lang="en-US" dirty="0" smtClean="0"/>
-              <a:t>() returns a string containing name of calling thread. </a:t>
-            </a:r>
-            <a:r>
-              <a:rPr lang="en-US" dirty="0" err="1" smtClean="0"/>
-              <a:t>setName</a:t>
-            </a:r>
-            <a:r>
-              <a:rPr lang="en-US" dirty="0" smtClean="0"/>
-              <a:t>(String) sets name for calling thread. </a:t>
-            </a:r>
-            <a:r>
-              <a:rPr lang="en-US" dirty="0" err="1" smtClean="0"/>
-              <a:t>getId</a:t>
-            </a:r>
-            <a:r>
-              <a:rPr lang="en-US" dirty="0" smtClean="0"/>
-              <a:t>() return id for calling thread. </a:t>
-            </a:r>
-            <a:r>
-              <a:rPr lang="en-US" dirty="0" err="1" smtClean="0"/>
-              <a:t>Thread.currentThread</a:t>
-            </a:r>
-            <a:r>
-              <a:rPr lang="en-US" dirty="0" smtClean="0"/>
-              <a:t>() returns instance of currently executing thread. We can get priority if current thread with </a:t>
-            </a:r>
-            <a:r>
-              <a:rPr lang="en-US" dirty="0" err="1" smtClean="0"/>
-              <a:t>getPriority</a:t>
-            </a:r>
-            <a:r>
-              <a:rPr lang="en-US" dirty="0" smtClean="0"/>
-              <a:t>(). We can set priority for threads with </a:t>
-            </a:r>
-            <a:r>
-              <a:rPr lang="en-US" dirty="0" err="1" smtClean="0"/>
-              <a:t>setPriority</a:t>
-            </a:r>
-            <a:r>
-              <a:rPr lang="en-US" dirty="0" smtClean="0"/>
-              <a:t>(</a:t>
-            </a:r>
-            <a:r>
-              <a:rPr lang="en-US" dirty="0" err="1" smtClean="0"/>
-              <a:t>int</a:t>
-            </a:r>
-            <a:r>
-              <a:rPr lang="en-US" dirty="0" smtClean="0"/>
-              <a:t>). It takes integer as parameter in range of 1-10. We have constants in Thread class like </a:t>
-            </a:r>
-            <a:r>
-              <a:rPr lang="en-US" dirty="0" smtClean="0">
-                <a:solidFill>
-                  <a:srgbClr val="595959"/>
-                </a:solidFill>
-              </a:rPr>
-              <a:t>MIN</a:t>
-            </a:r>
-            <a:r>
-              <a:rPr lang="en-US" dirty="0" smtClean="0">
-                <a:solidFill>
-                  <a:srgbClr val="595959"/>
-                </a:solidFill>
-                <a:latin typeface="Arial"/>
-              </a:rPr>
-              <a:t>_</a:t>
-            </a:r>
-            <a:r>
-              <a:rPr lang="en-US" dirty="0" smtClean="0">
-                <a:solidFill>
-                  <a:srgbClr val="595959"/>
-                </a:solidFill>
-              </a:rPr>
-              <a:t>PRIORITY(1), NORM</a:t>
-            </a:r>
-            <a:r>
-              <a:rPr lang="en-US" dirty="0" smtClean="0">
-                <a:solidFill>
-                  <a:srgbClr val="595959"/>
-                </a:solidFill>
-                <a:latin typeface="Arial"/>
-              </a:rPr>
-              <a:t>_</a:t>
-            </a:r>
-            <a:r>
-              <a:rPr lang="en-US" dirty="0" smtClean="0">
-                <a:solidFill>
-                  <a:srgbClr val="595959"/>
-                </a:solidFill>
-              </a:rPr>
-              <a:t>PRIORITY(5), MAX</a:t>
-            </a:r>
-            <a:r>
-              <a:rPr lang="en-US" dirty="0" smtClean="0">
-                <a:solidFill>
-                  <a:srgbClr val="595959"/>
-                </a:solidFill>
-                <a:latin typeface="Arial"/>
-              </a:rPr>
-              <a:t>_</a:t>
-            </a:r>
-            <a:r>
-              <a:rPr lang="en-US" dirty="0" smtClean="0">
-                <a:solidFill>
-                  <a:srgbClr val="595959"/>
-                </a:solidFill>
-              </a:rPr>
-              <a:t>PRIORITY(10).</a:t>
-            </a:r>
-          </a:p>
-          <a:p>
-            <a:r>
-              <a:rPr lang="en-US" dirty="0" smtClean="0">
-                <a:solidFill>
-                  <a:srgbClr val="595959"/>
-                </a:solidFill>
-              </a:rPr>
-              <a:t>Daemon Thread – It is service provider thread that provides service to user thread. Once all user threads are finished, daemon thread also exits. Methods regarding daemon thread are </a:t>
-            </a:r>
-            <a:r>
-              <a:rPr lang="en-US" dirty="0" err="1" smtClean="0">
-                <a:solidFill>
-                  <a:srgbClr val="595959"/>
-                </a:solidFill>
-              </a:rPr>
-              <a:t>setDaemon</a:t>
-            </a:r>
-            <a:r>
-              <a:rPr lang="en-US" dirty="0" smtClean="0">
-                <a:solidFill>
-                  <a:srgbClr val="595959"/>
-                </a:solidFill>
-              </a:rPr>
-              <a:t>() &amp; </a:t>
-            </a:r>
-            <a:r>
-              <a:rPr lang="en-US" dirty="0" err="1" smtClean="0">
-                <a:solidFill>
-                  <a:srgbClr val="595959"/>
-                </a:solidFill>
-              </a:rPr>
-              <a:t>isDaemon</a:t>
-            </a:r>
-            <a:r>
-              <a:rPr lang="en-US" dirty="0" smtClean="0">
-                <a:solidFill>
-                  <a:srgbClr val="595959"/>
-                </a:solidFill>
-              </a:rPr>
-              <a:t>(). There are also inbuilt daemon threads like </a:t>
-            </a:r>
-            <a:r>
-              <a:rPr lang="en-US" dirty="0" err="1" smtClean="0">
-                <a:solidFill>
-                  <a:srgbClr val="595959"/>
-                </a:solidFill>
-              </a:rPr>
-              <a:t>gc</a:t>
-            </a:r>
-            <a:r>
-              <a:rPr lang="en-US" dirty="0" smtClean="0">
-                <a:solidFill>
-                  <a:srgbClr val="595959"/>
-                </a:solidFill>
-              </a:rPr>
-              <a:t>, </a:t>
-            </a:r>
-            <a:r>
-              <a:rPr lang="en-US" dirty="0" err="1" smtClean="0">
-                <a:solidFill>
-                  <a:srgbClr val="595959"/>
-                </a:solidFill>
-              </a:rPr>
-              <a:t>finalizer</a:t>
-            </a:r>
-            <a:r>
-              <a:rPr lang="en-US" dirty="0" smtClean="0">
-                <a:solidFill>
-                  <a:srgbClr val="595959"/>
-                </a:solidFill>
-              </a:rPr>
-              <a:t>. The method must be set to daemon before starting.</a:t>
-            </a:r>
-            <a:endParaRPr lang="en-US" dirty="0" smtClean="0"/>
+              <a:t>All subclasses have methods from </a:t>
+            </a:r>
+            <a:r>
+              <a:rPr lang="en-US" dirty="0" err="1" smtClean="0"/>
+              <a:t>InputStream</a:t>
+            </a:r>
+            <a:r>
+              <a:rPr lang="en-US" dirty="0" smtClean="0"/>
+              <a:t> class, as it’s parent abstract class. Methods - read(), available(), close().</a:t>
+            </a:r>
+          </a:p>
+          <a:p>
+            <a:r>
+              <a:rPr lang="en-US" dirty="0" err="1" smtClean="0"/>
+              <a:t>FileInputStream</a:t>
+            </a:r>
+            <a:r>
+              <a:rPr lang="en-US" dirty="0" smtClean="0"/>
+              <a:t> – input stream used to read from files (byte data). It provides methods like finalize(), </a:t>
+            </a:r>
+            <a:r>
+              <a:rPr lang="en-US" dirty="0" err="1" smtClean="0"/>
+              <a:t>getFD</a:t>
+            </a:r>
+            <a:r>
+              <a:rPr lang="en-US" dirty="0" smtClean="0"/>
+              <a:t>, etc. The constructor takes filename(with path) as parameter.</a:t>
+            </a:r>
+          </a:p>
+          <a:p>
+            <a:r>
+              <a:rPr lang="en-US" dirty="0" err="1" smtClean="0"/>
+              <a:t>BufferedInputStream</a:t>
+            </a:r>
+            <a:r>
+              <a:rPr lang="en-US" dirty="0" smtClean="0"/>
+              <a:t> – provides buffering facility for input stream. It uses buffers &amp; so performance is fast. Its constructor takes relevant </a:t>
+            </a:r>
+            <a:r>
+              <a:rPr lang="en-US" dirty="0" err="1" smtClean="0"/>
+              <a:t>InputStream</a:t>
+            </a:r>
+            <a:r>
+              <a:rPr lang="en-US" dirty="0" smtClean="0"/>
+              <a:t> object as parameter.</a:t>
+            </a:r>
+          </a:p>
+          <a:p>
+            <a:r>
+              <a:rPr lang="en-US" dirty="0" err="1" smtClean="0"/>
+              <a:t>ByteArrayInputStream</a:t>
+            </a:r>
+            <a:r>
+              <a:rPr lang="en-US" dirty="0" smtClean="0"/>
+              <a:t> – reads byte array as input stream. It also uses buffers. Constructor takes a byte array as parameter from which data is read.</a:t>
+            </a:r>
+          </a:p>
+          <a:p>
+            <a:r>
+              <a:rPr lang="en-US" dirty="0" err="1" smtClean="0"/>
+              <a:t>DataInputStream</a:t>
+            </a:r>
+            <a:r>
+              <a:rPr lang="en-US" dirty="0" smtClean="0"/>
+              <a:t> – allows to read primitive data from input stream. Provides methods like </a:t>
+            </a:r>
+            <a:r>
+              <a:rPr lang="en-US" dirty="0" err="1" smtClean="0"/>
+              <a:t>readChar</a:t>
+            </a:r>
+            <a:r>
+              <a:rPr lang="en-US" dirty="0" smtClean="0"/>
+              <a:t>(), </a:t>
+            </a:r>
+            <a:r>
+              <a:rPr lang="en-US" dirty="0" err="1" smtClean="0"/>
+              <a:t>readInt</a:t>
+            </a:r>
+            <a:r>
+              <a:rPr lang="en-US" dirty="0" smtClean="0"/>
+              <a:t>(), etc. for all primitive types.</a:t>
+            </a:r>
+          </a:p>
+          <a:p>
+            <a:r>
+              <a:rPr lang="en-US" dirty="0" err="1" smtClean="0"/>
+              <a:t>FilterInputStream</a:t>
+            </a:r>
+            <a:r>
+              <a:rPr lang="en-US" dirty="0" smtClean="0"/>
+              <a:t> – same as </a:t>
+            </a:r>
+            <a:r>
+              <a:rPr lang="en-US" dirty="0" err="1" smtClean="0"/>
+              <a:t>InputStream</a:t>
+            </a:r>
+            <a:r>
+              <a:rPr lang="en-US" dirty="0" smtClean="0"/>
+              <a:t> only difference is that its not abstract &amp; works as parent for </a:t>
+            </a:r>
+            <a:r>
+              <a:rPr lang="en-US" dirty="0" err="1" smtClean="0"/>
+              <a:t>BufferedInputStream</a:t>
+            </a:r>
+            <a:r>
+              <a:rPr lang="en-US" dirty="0" smtClean="0"/>
+              <a:t> &amp; </a:t>
+            </a:r>
+            <a:r>
+              <a:rPr lang="en-US" dirty="0" err="1" smtClean="0"/>
+              <a:t>DataInputStream</a:t>
+            </a:r>
+            <a:r>
+              <a:rPr lang="en-US" dirty="0" smtClean="0"/>
+              <a:t>. Less used individually.</a:t>
+            </a:r>
           </a:p>
         </p:txBody>
       </p:sp>
@@ -12823,7 +12759,703 @@
           <a:p>
             <a:r>
               <a:rPr lang="en-US" dirty="0" smtClean="0"/>
-              <a:t>Multithreading (Cont.)</a:t>
+              <a:t>Java I/O – Writer Hierarchy</a:t>
+            </a:r>
+            <a:endParaRPr lang="en-US" dirty="0"/>
+          </a:p>
+        </p:txBody>
+      </p:sp>
+      <p:sp>
+        <p:nvSpPr>
+          <p:cNvPr id="3" name="Text Placeholder 2"/>
+          <p:cNvSpPr>
+            <a:spLocks noGrp="1"/>
+          </p:cNvSpPr>
+          <p:nvPr>
+            <p:ph type="body" idx="1"/>
+          </p:nvPr>
+        </p:nvSpPr>
+        <p:spPr>
+          <a:xfrm>
+            <a:off x="708902" y="1822020"/>
+            <a:ext cx="7688700" cy="3064625"/>
+          </a:xfrm>
+        </p:spPr>
+        <p:txBody>
+          <a:bodyPr/>
+          <a:lstStyle/>
+          <a:p>
+            <a:r>
+              <a:rPr lang="en-US" dirty="0" smtClean="0"/>
+              <a:t>All subclasses of Writer hierarchy have method from Writer class. As its parent abstract class. Methods - write(), append(), flush(), close().</a:t>
+            </a:r>
+          </a:p>
+          <a:p>
+            <a:r>
+              <a:rPr lang="en-US" dirty="0" err="1" smtClean="0"/>
+              <a:t>FileWriter</a:t>
+            </a:r>
+            <a:r>
+              <a:rPr lang="en-US" dirty="0" smtClean="0"/>
+              <a:t> – used to write character data to file. A string can be written to file directly. The constructor can take path of file or File object as parameter.</a:t>
+            </a:r>
+          </a:p>
+          <a:p>
+            <a:r>
+              <a:rPr lang="en-US" dirty="0" err="1" smtClean="0"/>
+              <a:t>BufferedWriter</a:t>
+            </a:r>
+            <a:r>
+              <a:rPr lang="en-US" dirty="0" smtClean="0"/>
+              <a:t> – provides buffering functionality to Writer instances &amp; so improves performance. Its constructor takes Writer object as parameter. Method – </a:t>
+            </a:r>
+            <a:r>
+              <a:rPr lang="en-US" dirty="0" err="1" smtClean="0"/>
+              <a:t>newLine</a:t>
+            </a:r>
+            <a:r>
+              <a:rPr lang="en-US" dirty="0" smtClean="0"/>
+              <a:t>().</a:t>
+            </a:r>
+          </a:p>
+          <a:p>
+            <a:r>
+              <a:rPr lang="en-US" dirty="0" err="1" smtClean="0"/>
+              <a:t>CharArrayWriter</a:t>
+            </a:r>
+            <a:r>
+              <a:rPr lang="en-US" dirty="0" smtClean="0"/>
+              <a:t> – writes common data(char array) to multiple files. Its constructor takes char array as parameter. Stores char array with write() &amp; sends it to multiple files with </a:t>
+            </a:r>
+            <a:r>
+              <a:rPr lang="en-US" dirty="0" err="1" smtClean="0"/>
+              <a:t>writeTo</a:t>
+            </a:r>
+            <a:r>
+              <a:rPr lang="en-US" dirty="0" smtClean="0"/>
+              <a:t>(Writer). Method – </a:t>
+            </a:r>
+            <a:r>
+              <a:rPr lang="en-US" dirty="0" err="1" smtClean="0"/>
+              <a:t>toCharArray</a:t>
+            </a:r>
+            <a:r>
+              <a:rPr lang="en-US" dirty="0" smtClean="0"/>
+              <a:t>(), size(), </a:t>
+            </a:r>
+            <a:r>
+              <a:rPr lang="en-US" dirty="0" err="1" smtClean="0"/>
+              <a:t>writeTo</a:t>
+            </a:r>
+            <a:r>
+              <a:rPr lang="en-US" dirty="0" smtClean="0"/>
+              <a:t>().</a:t>
+            </a:r>
+          </a:p>
+          <a:p>
+            <a:r>
+              <a:rPr lang="en-US" dirty="0" err="1" smtClean="0"/>
+              <a:t>OutputStreamWriter</a:t>
+            </a:r>
+            <a:r>
+              <a:rPr lang="en-US" dirty="0" smtClean="0"/>
+              <a:t> – used to convert char stream to byte stream. The char to byte encoding is done using </a:t>
+            </a:r>
+            <a:r>
+              <a:rPr lang="en-US" dirty="0" err="1" smtClean="0"/>
+              <a:t>charset</a:t>
+            </a:r>
+            <a:r>
+              <a:rPr lang="en-US" dirty="0" smtClean="0"/>
+              <a:t>. Constructor takes </a:t>
+            </a:r>
+            <a:r>
+              <a:rPr lang="en-US" dirty="0" err="1" smtClean="0"/>
+              <a:t>OutputStream</a:t>
+            </a:r>
+            <a:r>
+              <a:rPr lang="en-US" dirty="0" smtClean="0"/>
+              <a:t> object &amp; optional </a:t>
+            </a:r>
+            <a:r>
+              <a:rPr lang="en-US" dirty="0" err="1" smtClean="0"/>
+              <a:t>Charset</a:t>
+            </a:r>
+            <a:r>
+              <a:rPr lang="en-US" dirty="0" smtClean="0"/>
+              <a:t> object as parameter. Method – </a:t>
+            </a:r>
+            <a:r>
+              <a:rPr lang="en-US" dirty="0" err="1" smtClean="0"/>
+              <a:t>getEncoding</a:t>
+            </a:r>
+            <a:r>
+              <a:rPr lang="en-US" dirty="0" smtClean="0"/>
+              <a:t>().</a:t>
+            </a:r>
+          </a:p>
+          <a:p>
+            <a:r>
+              <a:rPr lang="en-US" dirty="0" smtClean="0"/>
+              <a:t>Other Writer classes are </a:t>
+            </a:r>
+            <a:r>
+              <a:rPr lang="en-US" dirty="0" err="1" smtClean="0"/>
+              <a:t>StringWriter</a:t>
+            </a:r>
+            <a:r>
+              <a:rPr lang="en-US" dirty="0" smtClean="0"/>
+              <a:t>, </a:t>
+            </a:r>
+            <a:r>
+              <a:rPr lang="en-US" dirty="0" err="1" smtClean="0"/>
+              <a:t>PipedWriter</a:t>
+            </a:r>
+            <a:r>
+              <a:rPr lang="en-US" dirty="0" smtClean="0"/>
+              <a:t>, </a:t>
+            </a:r>
+            <a:r>
+              <a:rPr lang="en-US" dirty="0" err="1" smtClean="0"/>
+              <a:t>FilterWriter</a:t>
+            </a:r>
+            <a:r>
+              <a:rPr lang="en-US" dirty="0" smtClean="0"/>
+              <a:t>, etc.</a:t>
+            </a:r>
+          </a:p>
+        </p:txBody>
+      </p:sp>
+    </p:spTree>
+  </p:cSld>
+  <p:clrMapOvr>
+    <a:masterClrMapping/>
+  </p:clrMapOvr>
+</p:sld>
+</file>
+
+<file path=ppt/slides/slide41.xml><?xml version="1.0" encoding="utf-8"?>
+<p:sld xmlns:a="http://schemas.openxmlformats.org/drawingml/2006/main" xmlns:r="http://schemas.openxmlformats.org/officeDocument/2006/relationships" xmlns:p="http://schemas.openxmlformats.org/presentationml/2006/main">
+  <p:cSld>
+    <p:spTree>
+      <p:nvGrpSpPr>
+        <p:cNvPr id="1" name=""/>
+        <p:cNvGrpSpPr/>
+        <p:nvPr/>
+      </p:nvGrpSpPr>
+      <p:grpSpPr>
+        <a:xfrm>
+          <a:off x="0" y="0"/>
+          <a:ext cx="0" cy="0"/>
+          <a:chOff x="0" y="0"/>
+          <a:chExt cx="0" cy="0"/>
+        </a:xfrm>
+      </p:grpSpPr>
+      <p:sp>
+        <p:nvSpPr>
+          <p:cNvPr id="2" name="Title 1"/>
+          <p:cNvSpPr>
+            <a:spLocks noGrp="1"/>
+          </p:cNvSpPr>
+          <p:nvPr>
+            <p:ph type="title"/>
+          </p:nvPr>
+        </p:nvSpPr>
+        <p:spPr/>
+        <p:txBody>
+          <a:bodyPr/>
+          <a:lstStyle/>
+          <a:p>
+            <a:r>
+              <a:rPr lang="en-US" dirty="0" smtClean="0"/>
+              <a:t>Java I/O – Reader Hierarchy</a:t>
+            </a:r>
+            <a:endParaRPr lang="en-US" dirty="0"/>
+          </a:p>
+        </p:txBody>
+      </p:sp>
+      <p:sp>
+        <p:nvSpPr>
+          <p:cNvPr id="3" name="Text Placeholder 2"/>
+          <p:cNvSpPr>
+            <a:spLocks noGrp="1"/>
+          </p:cNvSpPr>
+          <p:nvPr>
+            <p:ph type="body" idx="1"/>
+          </p:nvPr>
+        </p:nvSpPr>
+        <p:spPr>
+          <a:xfrm>
+            <a:off x="729449" y="2078874"/>
+            <a:ext cx="7808375" cy="3064625"/>
+          </a:xfrm>
+        </p:spPr>
+        <p:txBody>
+          <a:bodyPr/>
+          <a:lstStyle/>
+          <a:p>
+            <a:r>
+              <a:rPr lang="en-US" dirty="0" smtClean="0"/>
+              <a:t>All subclasses of Reader hierarchy have methods from Reader class. As its parent abstract class. Methods - read(), close(), mark(), skip(), reset(), ready(), mark(), </a:t>
+            </a:r>
+            <a:r>
+              <a:rPr lang="en-US" dirty="0" err="1" smtClean="0"/>
+              <a:t>markSupported</a:t>
+            </a:r>
+            <a:r>
+              <a:rPr lang="en-US" dirty="0" smtClean="0"/>
+              <a:t>().</a:t>
+            </a:r>
+          </a:p>
+          <a:p>
+            <a:r>
+              <a:rPr lang="en-US" dirty="0" err="1" smtClean="0"/>
+              <a:t>FileReader</a:t>
+            </a:r>
+            <a:r>
+              <a:rPr lang="en-US" dirty="0" smtClean="0"/>
+              <a:t>– used to read data from file, it returns data in byte format. It is character-oriented class. The constructor can take path of file or File object as parameter.</a:t>
+            </a:r>
+          </a:p>
+          <a:p>
+            <a:r>
+              <a:rPr lang="en-US" dirty="0" err="1" smtClean="0"/>
+              <a:t>BufferedReader</a:t>
+            </a:r>
+            <a:r>
+              <a:rPr lang="en-US" dirty="0" smtClean="0"/>
+              <a:t> – provides buffering functionality to read data from char-based input stream &amp; so improves performance. Its constructor takes Reader object as parameter. Method – </a:t>
+            </a:r>
+            <a:r>
+              <a:rPr lang="en-US" dirty="0" err="1" smtClean="0"/>
+              <a:t>readLine</a:t>
+            </a:r>
+            <a:r>
+              <a:rPr lang="en-US" dirty="0" smtClean="0"/>
+              <a:t>().</a:t>
+            </a:r>
+          </a:p>
+          <a:p>
+            <a:r>
+              <a:rPr lang="en-US" dirty="0" err="1" smtClean="0"/>
+              <a:t>CharArrayReader</a:t>
+            </a:r>
+            <a:r>
+              <a:rPr lang="en-US" dirty="0" smtClean="0"/>
+              <a:t> – reads char array as a reader. Its constructor takes char array as parameter.</a:t>
+            </a:r>
+          </a:p>
+          <a:p>
+            <a:r>
+              <a:rPr lang="en-US" dirty="0" err="1" smtClean="0"/>
+              <a:t>InputStreamReader</a:t>
+            </a:r>
+            <a:r>
+              <a:rPr lang="en-US" dirty="0" smtClean="0"/>
+              <a:t> – converts byte stream into char stream. It reads bytes &amp; decodes them into char using </a:t>
+            </a:r>
+            <a:r>
+              <a:rPr lang="en-US" dirty="0" err="1" smtClean="0"/>
+              <a:t>charset</a:t>
+            </a:r>
+            <a:r>
+              <a:rPr lang="en-US" dirty="0" smtClean="0"/>
+              <a:t>. Its constructor takes </a:t>
+            </a:r>
+            <a:r>
+              <a:rPr lang="en-US" dirty="0" err="1" smtClean="0"/>
+              <a:t>InputStream</a:t>
+            </a:r>
+            <a:r>
+              <a:rPr lang="en-US" dirty="0" smtClean="0"/>
+              <a:t> object &amp; optional </a:t>
+            </a:r>
+            <a:r>
+              <a:rPr lang="en-US" dirty="0" err="1" smtClean="0"/>
+              <a:t>Charset</a:t>
+            </a:r>
+            <a:r>
+              <a:rPr lang="en-US" dirty="0" smtClean="0"/>
+              <a:t> object as parameter. Method – </a:t>
+            </a:r>
+            <a:r>
+              <a:rPr lang="en-US" dirty="0" err="1" smtClean="0"/>
+              <a:t>getEncoding</a:t>
+            </a:r>
+            <a:r>
+              <a:rPr lang="en-US" dirty="0" smtClean="0"/>
+              <a:t>().</a:t>
+            </a:r>
+          </a:p>
+          <a:p>
+            <a:r>
+              <a:rPr lang="en-US" dirty="0" smtClean="0"/>
+              <a:t>Other Reader classes are </a:t>
+            </a:r>
+            <a:r>
+              <a:rPr lang="en-US" dirty="0" err="1" smtClean="0"/>
+              <a:t>StringReader</a:t>
+            </a:r>
+            <a:r>
+              <a:rPr lang="en-US" dirty="0" smtClean="0"/>
+              <a:t>, </a:t>
+            </a:r>
+            <a:r>
+              <a:rPr lang="en-US" dirty="0" err="1" smtClean="0"/>
+              <a:t>PipedReader</a:t>
+            </a:r>
+            <a:r>
+              <a:rPr lang="en-US" dirty="0" smtClean="0"/>
+              <a:t>, </a:t>
+            </a:r>
+            <a:r>
+              <a:rPr lang="en-US" dirty="0" err="1" smtClean="0"/>
+              <a:t>FilterReader</a:t>
+            </a:r>
+            <a:r>
+              <a:rPr lang="en-US" dirty="0" smtClean="0"/>
+              <a:t>, etc.</a:t>
+            </a:r>
+          </a:p>
+        </p:txBody>
+      </p:sp>
+    </p:spTree>
+  </p:cSld>
+  <p:clrMapOvr>
+    <a:masterClrMapping/>
+  </p:clrMapOvr>
+</p:sld>
+</file>
+
+<file path=ppt/slides/slide42.xml><?xml version="1.0" encoding="utf-8"?>
+<p:sld xmlns:a="http://schemas.openxmlformats.org/drawingml/2006/main" xmlns:r="http://schemas.openxmlformats.org/officeDocument/2006/relationships" xmlns:p="http://schemas.openxmlformats.org/presentationml/2006/main">
+  <p:cSld>
+    <p:spTree>
+      <p:nvGrpSpPr>
+        <p:cNvPr id="1" name=""/>
+        <p:cNvGrpSpPr/>
+        <p:nvPr/>
+      </p:nvGrpSpPr>
+      <p:grpSpPr>
+        <a:xfrm>
+          <a:off x="0" y="0"/>
+          <a:ext cx="0" cy="0"/>
+          <a:chOff x="0" y="0"/>
+          <a:chExt cx="0" cy="0"/>
+        </a:xfrm>
+      </p:grpSpPr>
+      <p:sp>
+        <p:nvSpPr>
+          <p:cNvPr id="2" name="Title 1"/>
+          <p:cNvSpPr>
+            <a:spLocks noGrp="1"/>
+          </p:cNvSpPr>
+          <p:nvPr>
+            <p:ph type="title"/>
+          </p:nvPr>
+        </p:nvSpPr>
+        <p:spPr/>
+        <p:txBody>
+          <a:bodyPr/>
+          <a:lstStyle/>
+          <a:p>
+            <a:r>
+              <a:rPr lang="en-US" dirty="0" smtClean="0"/>
+              <a:t>Java I/O Misc.</a:t>
+            </a:r>
+            <a:endParaRPr lang="en-US" dirty="0"/>
+          </a:p>
+        </p:txBody>
+      </p:sp>
+      <p:sp>
+        <p:nvSpPr>
+          <p:cNvPr id="3" name="Text Placeholder 2"/>
+          <p:cNvSpPr>
+            <a:spLocks noGrp="1"/>
+          </p:cNvSpPr>
+          <p:nvPr>
+            <p:ph type="body" idx="1"/>
+          </p:nvPr>
+        </p:nvSpPr>
+        <p:spPr>
+          <a:xfrm>
+            <a:off x="719175" y="1883665"/>
+            <a:ext cx="7911117" cy="3064625"/>
+          </a:xfrm>
+        </p:spPr>
+        <p:txBody>
+          <a:bodyPr/>
+          <a:lstStyle/>
+          <a:p>
+            <a:r>
+              <a:rPr lang="en-US" dirty="0" err="1" smtClean="0"/>
+              <a:t>SequenceInputStream</a:t>
+            </a:r>
+            <a:r>
+              <a:rPr lang="en-US" dirty="0" smtClean="0"/>
+              <a:t> – reads data from multiple streams sequentially. Its constructor takes objects of </a:t>
+            </a:r>
+            <a:r>
+              <a:rPr lang="en-US" dirty="0" err="1" smtClean="0"/>
+              <a:t>InputStream</a:t>
+            </a:r>
+            <a:r>
+              <a:rPr lang="en-US" dirty="0" smtClean="0"/>
+              <a:t> from which data is to be read.</a:t>
+            </a:r>
+          </a:p>
+          <a:p>
+            <a:r>
+              <a:rPr lang="en-US" dirty="0" smtClean="0"/>
+              <a:t>Console – used to get input from console. It can read texts &amp; passwords. Its object is obtained from </a:t>
+            </a:r>
+            <a:r>
+              <a:rPr lang="en-US" dirty="0" err="1" smtClean="0"/>
+              <a:t>System.console</a:t>
+            </a:r>
+            <a:r>
+              <a:rPr lang="en-US" dirty="0" smtClean="0"/>
+              <a:t>(). It has methods like </a:t>
+            </a:r>
+            <a:r>
+              <a:rPr lang="en-US" dirty="0" err="1" smtClean="0"/>
+              <a:t>readLine</a:t>
+            </a:r>
+            <a:r>
+              <a:rPr lang="en-US" dirty="0" smtClean="0"/>
+              <a:t>(), </a:t>
+            </a:r>
+            <a:r>
+              <a:rPr lang="en-US" dirty="0" err="1" smtClean="0"/>
+              <a:t>readPassword</a:t>
+            </a:r>
+            <a:r>
+              <a:rPr lang="en-US" dirty="0" smtClean="0"/>
+              <a:t>(), reader(), writer(), </a:t>
+            </a:r>
+            <a:r>
+              <a:rPr lang="en-US" dirty="0" err="1" smtClean="0"/>
+              <a:t>printf</a:t>
+            </a:r>
+            <a:r>
+              <a:rPr lang="en-US" dirty="0" smtClean="0"/>
+              <a:t>().</a:t>
+            </a:r>
+          </a:p>
+          <a:p>
+            <a:r>
+              <a:rPr lang="en-US" dirty="0" err="1" smtClean="0"/>
+              <a:t>PrintWriter</a:t>
+            </a:r>
+            <a:r>
+              <a:rPr lang="en-US" dirty="0" smtClean="0"/>
+              <a:t> – It comes under Writer hierarchy, used to print formatted objects. It has methods like print(), </a:t>
+            </a:r>
+            <a:r>
+              <a:rPr lang="en-US" dirty="0" err="1" smtClean="0"/>
+              <a:t>println</a:t>
+            </a:r>
+            <a:r>
+              <a:rPr lang="en-US" dirty="0" smtClean="0"/>
+              <a:t>(), </a:t>
+            </a:r>
+            <a:r>
+              <a:rPr lang="en-US" dirty="0" err="1" smtClean="0"/>
+              <a:t>setError</a:t>
+            </a:r>
+            <a:r>
+              <a:rPr lang="en-US" dirty="0" smtClean="0"/>
+              <a:t>(), </a:t>
+            </a:r>
+            <a:r>
+              <a:rPr lang="en-US" dirty="0" err="1" smtClean="0"/>
+              <a:t>checkError</a:t>
+            </a:r>
+            <a:r>
+              <a:rPr lang="en-US" dirty="0" smtClean="0"/>
+              <a:t>(), format(), etc.</a:t>
+            </a:r>
+          </a:p>
+          <a:p>
+            <a:r>
+              <a:rPr lang="en-US" dirty="0" smtClean="0"/>
+              <a:t>File – Abstract representation of file &amp; pathname. Constructor takes pathname as parameter. Methods like </a:t>
+            </a:r>
+            <a:r>
+              <a:rPr lang="en-US" dirty="0" err="1" smtClean="0"/>
+              <a:t>createNewFile</a:t>
+            </a:r>
+            <a:r>
+              <a:rPr lang="en-US" dirty="0" smtClean="0"/>
+              <a:t>(), </a:t>
+            </a:r>
+            <a:r>
+              <a:rPr lang="en-US" dirty="0" err="1" smtClean="0"/>
+              <a:t>isFile</a:t>
+            </a:r>
+            <a:r>
+              <a:rPr lang="en-US" dirty="0" smtClean="0"/>
+              <a:t>(), </a:t>
+            </a:r>
+            <a:r>
+              <a:rPr lang="en-US" dirty="0" err="1" smtClean="0"/>
+              <a:t>mkdir</a:t>
+            </a:r>
+            <a:r>
+              <a:rPr lang="en-US" dirty="0" smtClean="0"/>
+              <a:t>(), </a:t>
+            </a:r>
+            <a:r>
+              <a:rPr lang="en-US" dirty="0" err="1" smtClean="0"/>
+              <a:t>getFreeSpace</a:t>
+            </a:r>
+            <a:r>
+              <a:rPr lang="en-US" dirty="0" smtClean="0"/>
+              <a:t>(), </a:t>
+            </a:r>
+            <a:r>
+              <a:rPr lang="en-US" dirty="0" err="1" smtClean="0"/>
+              <a:t>toPath</a:t>
+            </a:r>
+            <a:r>
+              <a:rPr lang="en-US" dirty="0" smtClean="0"/>
+              <a:t>(), etc.</a:t>
+            </a:r>
+          </a:p>
+          <a:p>
+            <a:r>
+              <a:rPr lang="en-US" dirty="0" err="1" smtClean="0"/>
+              <a:t>RandomAccessFile</a:t>
+            </a:r>
+            <a:r>
+              <a:rPr lang="en-US" dirty="0" smtClean="0"/>
+              <a:t> – used to read/write to random access file. Constructor takes File/path &amp; mode as parameter. It has methods like seek(), </a:t>
+            </a:r>
+            <a:r>
+              <a:rPr lang="en-US" dirty="0" err="1" smtClean="0"/>
+              <a:t>readInt</a:t>
+            </a:r>
+            <a:r>
+              <a:rPr lang="en-US" dirty="0" smtClean="0"/>
+              <a:t>(), </a:t>
+            </a:r>
+            <a:r>
+              <a:rPr lang="en-US" dirty="0" err="1" smtClean="0"/>
+              <a:t>writeInt</a:t>
+            </a:r>
+            <a:r>
+              <a:rPr lang="en-US" dirty="0" smtClean="0"/>
+              <a:t>(), read(), write(), length(), etc.</a:t>
+            </a:r>
+          </a:p>
+          <a:p>
+            <a:r>
+              <a:rPr lang="en-US" dirty="0" smtClean="0"/>
+              <a:t>Scanner – </a:t>
+            </a:r>
+            <a:r>
+              <a:rPr lang="en-US" dirty="0" err="1" smtClean="0"/>
+              <a:t>java.util.Scanner</a:t>
+            </a:r>
+            <a:r>
+              <a:rPr lang="en-US" dirty="0" smtClean="0"/>
+              <a:t> used to read data from console. It extends Object &amp; implement </a:t>
+            </a:r>
+            <a:r>
+              <a:rPr lang="en-US" dirty="0" err="1" smtClean="0"/>
+              <a:t>Iterator</a:t>
+            </a:r>
+            <a:r>
+              <a:rPr lang="en-US" dirty="0" smtClean="0"/>
+              <a:t>, Closeable. Some stream need to be passed to its constructor (E.g. </a:t>
+            </a:r>
+            <a:r>
+              <a:rPr lang="en-US" dirty="0" err="1" smtClean="0"/>
+              <a:t>System.in</a:t>
+            </a:r>
+            <a:r>
+              <a:rPr lang="en-US" dirty="0" smtClean="0"/>
+              <a:t> or some file). It has methods like next(), </a:t>
+            </a:r>
+            <a:r>
+              <a:rPr lang="en-US" dirty="0" err="1" smtClean="0"/>
+              <a:t>nextXXX</a:t>
+            </a:r>
+            <a:r>
+              <a:rPr lang="en-US" dirty="0" smtClean="0"/>
+              <a:t>(), </a:t>
+            </a:r>
+            <a:r>
+              <a:rPr lang="en-US" dirty="0" err="1" smtClean="0"/>
+              <a:t>hasNext</a:t>
+            </a:r>
+            <a:r>
+              <a:rPr lang="en-US" dirty="0" smtClean="0"/>
+              <a:t>(), </a:t>
+            </a:r>
+            <a:r>
+              <a:rPr lang="en-US" dirty="0" err="1" smtClean="0"/>
+              <a:t>hasNextXXX</a:t>
+            </a:r>
+            <a:r>
+              <a:rPr lang="en-US" dirty="0" smtClean="0"/>
+              <a:t>(), match(), skip(), </a:t>
+            </a:r>
+            <a:r>
+              <a:rPr lang="en-US" dirty="0" err="1" smtClean="0"/>
+              <a:t>useDelimiter</a:t>
+            </a:r>
+            <a:r>
+              <a:rPr lang="en-US" dirty="0" smtClean="0"/>
+              <a:t>(), etc.</a:t>
+            </a:r>
+            <a:endParaRPr lang="en-US" dirty="0"/>
+          </a:p>
+        </p:txBody>
+      </p:sp>
+    </p:spTree>
+  </p:cSld>
+  <p:clrMapOvr>
+    <a:masterClrMapping/>
+  </p:clrMapOvr>
+</p:sld>
+</file>
+
+<file path=ppt/slides/slide43.xml><?xml version="1.0" encoding="utf-8"?>
+<p:sld xmlns:a="http://schemas.openxmlformats.org/drawingml/2006/main" xmlns:r="http://schemas.openxmlformats.org/officeDocument/2006/relationships" xmlns:p="http://schemas.openxmlformats.org/presentationml/2006/main">
+  <p:cSld>
+    <p:spTree>
+      <p:nvGrpSpPr>
+        <p:cNvPr id="1" name=""/>
+        <p:cNvGrpSpPr/>
+        <p:nvPr/>
+      </p:nvGrpSpPr>
+      <p:grpSpPr>
+        <a:xfrm>
+          <a:off x="0" y="0"/>
+          <a:ext cx="0" cy="0"/>
+          <a:chOff x="0" y="0"/>
+          <a:chExt cx="0" cy="0"/>
+        </a:xfrm>
+      </p:grpSpPr>
+      <p:sp>
+        <p:nvSpPr>
+          <p:cNvPr id="2" name="Title 1"/>
+          <p:cNvSpPr>
+            <a:spLocks noGrp="1"/>
+          </p:cNvSpPr>
+          <p:nvPr>
+            <p:ph type="title"/>
+          </p:nvPr>
+        </p:nvSpPr>
+        <p:spPr/>
+        <p:txBody>
+          <a:bodyPr/>
+          <a:lstStyle/>
+          <a:p>
+            <a:r>
+              <a:rPr lang="en-US" dirty="0" smtClean="0"/>
+              <a:t>Java I/O - Serialization</a:t>
             </a:r>
             <a:endParaRPr lang="en-US" dirty="0"/>
           </a:p>
@@ -12842,7 +13474,7 @@
         <p:spPr>
           <a:xfrm>
             <a:off x="729450" y="2078874"/>
-            <a:ext cx="7688700" cy="3064625"/>
+            <a:ext cx="8003584" cy="3064625"/>
           </a:xfrm>
         </p:spPr>
         <p:txBody>
@@ -12851,74 +13483,99 @@
           <a:p>
             <a:r>
               <a:rPr lang="en-US" dirty="0" smtClean="0"/>
-              <a:t>Thread pool – a group of worker threads that are waiting for job &amp; can be reused. A pool of threads is created, one thread is assigned to job provided by daemon. After completion, thread is put back into pool. It’s time saving. It is used with JSP &amp; </a:t>
-            </a:r>
-            <a:r>
-              <a:rPr lang="en-US" dirty="0" err="1" smtClean="0"/>
-              <a:t>servlet</a:t>
-            </a:r>
-            <a:r>
-              <a:rPr lang="en-US" dirty="0" smtClean="0"/>
-              <a:t> by </a:t>
-            </a:r>
-            <a:r>
-              <a:rPr lang="en-US" dirty="0" err="1" smtClean="0"/>
-              <a:t>servlet</a:t>
-            </a:r>
-            <a:r>
-              <a:rPr lang="en-US" dirty="0" smtClean="0"/>
-              <a:t> container to serve requests. Each request is assigned to a thread to process it.</a:t>
-            </a:r>
-          </a:p>
-          <a:p>
-            <a:r>
-              <a:rPr lang="en-US" dirty="0" smtClean="0"/>
-              <a:t>Thread group – Multiple threads can be grouped in single object. We can suspend, resume this group threads by single method call. </a:t>
-            </a:r>
-            <a:r>
-              <a:rPr lang="en-US" dirty="0" err="1" smtClean="0"/>
-              <a:t>ThreadGroup</a:t>
-            </a:r>
-            <a:r>
-              <a:rPr lang="en-US" dirty="0" smtClean="0"/>
-              <a:t>(String) is used to create group. Then we can Thread(</a:t>
-            </a:r>
-            <a:r>
-              <a:rPr lang="en-US" dirty="0" err="1" smtClean="0"/>
-              <a:t>ThreadGroup</a:t>
-            </a:r>
-            <a:r>
-              <a:rPr lang="en-US" dirty="0" smtClean="0"/>
-              <a:t>, </a:t>
-            </a:r>
-            <a:r>
-              <a:rPr lang="en-US" dirty="0" err="1" smtClean="0"/>
-              <a:t>Runnable</a:t>
-            </a:r>
-            <a:r>
-              <a:rPr lang="en-US" dirty="0" smtClean="0"/>
-              <a:t>, String name) to create thread, it will add it to group.</a:t>
-            </a:r>
-          </a:p>
-          <a:p>
-            <a:r>
-              <a:rPr lang="en-US" dirty="0" smtClean="0"/>
-              <a:t>Synchronization – Mechanism to control access of multiple threads to a specific resources like shared memory. It prevents consistency problem. </a:t>
-            </a:r>
-            <a:r>
-              <a:rPr lang="en-US" dirty="0" err="1" smtClean="0"/>
-              <a:t>Mutex</a:t>
-            </a:r>
-            <a:r>
-              <a:rPr lang="en-US" dirty="0" smtClean="0"/>
-              <a:t> lock is used in java. Object that needs to access resource acquires lock, once used it releases resources 7 lock as well.</a:t>
-            </a:r>
-          </a:p>
-          <a:p>
-            <a:r>
-              <a:rPr lang="en-US" dirty="0" smtClean="0"/>
-              <a:t>synchronized method – method with keyword synchronized. Object calling this method acquires lock for this method. Once thread execution is done, this it releases the lock.</a:t>
-            </a:r>
+              <a:t>Serialization – mechanism to write object to the byte-stream. </a:t>
+            </a:r>
+            <a:r>
+              <a:rPr lang="en-US" dirty="0" err="1" smtClean="0"/>
+              <a:t>writeObject</a:t>
+            </a:r>
+            <a:r>
+              <a:rPr lang="en-US" dirty="0" smtClean="0"/>
+              <a:t>() of </a:t>
+            </a:r>
+            <a:r>
+              <a:rPr lang="en-US" dirty="0" err="1" smtClean="0"/>
+              <a:t>ObjectOutputStream</a:t>
+            </a:r>
+            <a:r>
+              <a:rPr lang="en-US" dirty="0" smtClean="0"/>
+              <a:t>  is used to perform serialization.</a:t>
+            </a:r>
+          </a:p>
+          <a:p>
+            <a:r>
+              <a:rPr lang="en-US" dirty="0" err="1" smtClean="0"/>
+              <a:t>Deserialization</a:t>
+            </a:r>
+            <a:r>
+              <a:rPr lang="en-US" dirty="0" smtClean="0"/>
+              <a:t> – mechanism to convert byte-stream into object. </a:t>
+            </a:r>
+            <a:r>
+              <a:rPr lang="en-US" dirty="0" err="1" smtClean="0"/>
+              <a:t>readObject</a:t>
+            </a:r>
+            <a:r>
+              <a:rPr lang="en-US" dirty="0" smtClean="0"/>
+              <a:t>() of </a:t>
+            </a:r>
+            <a:r>
+              <a:rPr lang="en-US" dirty="0" err="1" smtClean="0"/>
+              <a:t>ObjectInoutstream</a:t>
+            </a:r>
+            <a:r>
+              <a:rPr lang="en-US" dirty="0" smtClean="0"/>
+              <a:t> is used to perform </a:t>
+            </a:r>
+            <a:r>
+              <a:rPr lang="en-US" dirty="0" err="1" smtClean="0"/>
+              <a:t>deserializatrion</a:t>
+            </a:r>
+            <a:r>
+              <a:rPr lang="en-US" dirty="0" smtClean="0"/>
+              <a:t>.</a:t>
+            </a:r>
+          </a:p>
+          <a:p>
+            <a:r>
+              <a:rPr lang="en-US" dirty="0" err="1" smtClean="0"/>
+              <a:t>Serializable</a:t>
+            </a:r>
+            <a:r>
+              <a:rPr lang="en-US" dirty="0" smtClean="0"/>
+              <a:t> – marker interface(no members) that needs to be implemented by class whose object you want to persist.</a:t>
+            </a:r>
+          </a:p>
+          <a:p>
+            <a:r>
+              <a:rPr lang="en-US" dirty="0" smtClean="0"/>
+              <a:t>Serialization of static members can’t be done. If class having another class member which is not serialized then current class also won’t be serialized.</a:t>
+            </a:r>
+          </a:p>
+          <a:p>
+            <a:r>
+              <a:rPr lang="en-US" dirty="0" smtClean="0"/>
+              <a:t>transient keyword – if we don’t want to perform serialization of specific member then its preceded with transient keyword. It will give default value for such members.</a:t>
+            </a:r>
+          </a:p>
+          <a:p>
+            <a:r>
+              <a:rPr lang="en-US" dirty="0" err="1" smtClean="0"/>
+              <a:t>serialVersonUID</a:t>
+            </a:r>
+            <a:r>
+              <a:rPr lang="en-US" dirty="0" smtClean="0"/>
+              <a:t> – serialization process associates this id to each class it serializes.  Its used for verification. Sender &amp; receiver should be same. If its not same then </a:t>
+            </a:r>
+            <a:r>
+              <a:rPr lang="en-US" dirty="0" err="1" smtClean="0"/>
+              <a:t>InvalidClassException</a:t>
+            </a:r>
+            <a:r>
+              <a:rPr lang="en-US" dirty="0" smtClean="0"/>
+              <a:t> is thrown.</a:t>
+            </a:r>
+            <a:endParaRPr lang="en-US" dirty="0"/>
           </a:p>
         </p:txBody>
       </p:sp>
@@ -12927,17 +13584,10 @@
   <p:clrMapOvr>
     <a:masterClrMapping/>
   </p:clrMapOvr>
-  <p:timing>
-    <p:tnLst>
-      <p:par>
-        <p:cTn id="1" dur="indefinite" restart="never" nodeType="tmRoot"/>
-      </p:par>
-    </p:tnLst>
-  </p:timing>
 </p:sld>
 </file>
 
-<file path=ppt/slides/slide41.xml><?xml version="1.0" encoding="utf-8"?>
+<file path=ppt/slides/slide44.xml><?xml version="1.0" encoding="utf-8"?>
 <p:sld xmlns:a="http://schemas.openxmlformats.org/drawingml/2006/main" xmlns:r="http://schemas.openxmlformats.org/officeDocument/2006/relationships" xmlns:p="http://schemas.openxmlformats.org/presentationml/2006/main">
   <p:cSld>
     <p:spTree>
@@ -12976,7 +13626,7 @@
           <a:p>
             <a:r>
               <a:rPr lang="en-US" dirty="0" smtClean="0"/>
-              <a:t>Multithreading (Cont.)</a:t>
+              <a:t>Java AWT (Abstract Window Toolkit)</a:t>
             </a:r>
             <a:endParaRPr lang="en-US" dirty="0"/>
           </a:p>
@@ -12994,8 +13644,8 @@
         </p:nvSpPr>
         <p:spPr>
           <a:xfrm>
-            <a:off x="729450" y="1750101"/>
-            <a:ext cx="7688700" cy="3393399"/>
+            <a:off x="739723" y="1698730"/>
+            <a:ext cx="7931665" cy="3444769"/>
           </a:xfrm>
         </p:spPr>
         <p:txBody>
@@ -13004,71 +13654,213 @@
           <a:p>
             <a:r>
               <a:rPr lang="en-US" dirty="0" smtClean="0"/>
-              <a:t>synchronized block – synchronization on specific resource (E.g. 5 line of code from method). It’s same as synchronized method, the only difference is of scope. If all code of method is put into synchronized block, its same as synchronized method. Object to be locked is passed as parameter to this block (E.g. class reference this).</a:t>
-            </a:r>
-          </a:p>
-          <a:p>
-            <a:r>
-              <a:rPr lang="en-US" dirty="0" smtClean="0"/>
-              <a:t>static synchronization – If static method of class is synchronized, the lock is on class &amp; not on object (like synchronized method). So, multiple threads trying to access synchronized static method of class will have to wait until thread which has locked it executes completely.</a:t>
-            </a:r>
-          </a:p>
-          <a:p>
-            <a:r>
-              <a:rPr lang="en-US" dirty="0" smtClean="0"/>
-              <a:t>Inter-thread communication - mechanism in which a thread is paused running in its critical section and another thread is allowed to enter (or lock) in the same critical section to be executed. It is implemented by following methods -</a:t>
-            </a:r>
-          </a:p>
-          <a:p>
-            <a:pPr lvl="1">
-              <a:spcBef>
-                <a:spcPts val="0"/>
-              </a:spcBef>
-              <a:buFont typeface="+mj-lt"/>
-              <a:buAutoNum type="arabicPeriod"/>
-            </a:pPr>
-            <a:r>
-              <a:rPr lang="en-US" dirty="0" smtClean="0"/>
-              <a:t>wait() - Causes current thread to release the lock and wait until either another thread invokes the notify() or </a:t>
-            </a:r>
-            <a:r>
-              <a:rPr lang="en-US" dirty="0" err="1" smtClean="0"/>
-              <a:t>notifyAll</a:t>
-            </a:r>
-            <a:r>
-              <a:rPr lang="en-US" dirty="0" smtClean="0"/>
-              <a:t>() for this object, or a specified amount of time has elapsed.</a:t>
-            </a:r>
-          </a:p>
-          <a:p>
-            <a:pPr lvl="1">
-              <a:spcBef>
-                <a:spcPts val="0"/>
-              </a:spcBef>
-              <a:buFont typeface="+mj-lt"/>
-              <a:buAutoNum type="arabicPeriod"/>
-            </a:pPr>
-            <a:r>
-              <a:rPr lang="en-US" dirty="0" smtClean="0"/>
-              <a:t>notify() - Wakes up a single thread that is waiting on this object's monitor.</a:t>
-            </a:r>
-          </a:p>
-          <a:p>
-            <a:pPr lvl="1">
-              <a:spcBef>
-                <a:spcPts val="0"/>
-              </a:spcBef>
-              <a:buFont typeface="+mj-lt"/>
-              <a:buAutoNum type="arabicPeriod"/>
-            </a:pPr>
-            <a:r>
-              <a:rPr lang="en-US" dirty="0" err="1" smtClean="0"/>
-              <a:t>notifyAll</a:t>
-            </a:r>
-            <a:r>
-              <a:rPr lang="en-US" dirty="0" smtClean="0"/>
-              <a:t>() - Wakes up all threads that are waiting on this object's monitor</a:t>
-            </a:r>
+              <a:t>Java AWT is API to develop GUI/window based apps. AWT is heavyweight &amp; components are platform dependent. Package java.awt contains all the classes like </a:t>
+            </a:r>
+            <a:r>
+              <a:rPr lang="en-US" dirty="0" err="1" smtClean="0"/>
+              <a:t>TextField</a:t>
+            </a:r>
+            <a:r>
+              <a:rPr lang="en-US" dirty="0" smtClean="0"/>
+              <a:t>, </a:t>
+            </a:r>
+            <a:r>
+              <a:rPr lang="en-US" dirty="0" err="1" smtClean="0"/>
+              <a:t>TextArea</a:t>
+            </a:r>
+            <a:r>
+              <a:rPr lang="en-US" dirty="0" smtClean="0"/>
+              <a:t>, Button, Checkbox, </a:t>
+            </a:r>
+            <a:r>
+              <a:rPr lang="en-US" dirty="0" err="1" smtClean="0"/>
+              <a:t>CheckboxGroup</a:t>
+            </a:r>
+            <a:r>
+              <a:rPr lang="en-US" dirty="0" smtClean="0"/>
+              <a:t>, Choice, Menu, </a:t>
+            </a:r>
+            <a:r>
+              <a:rPr lang="en-US" dirty="0" err="1" smtClean="0"/>
+              <a:t>MenuItem</a:t>
+            </a:r>
+            <a:r>
+              <a:rPr lang="en-US" dirty="0" smtClean="0"/>
+              <a:t>, List, Frame, Window, Label, Container, Panel, Dialog, Canvas, Scrollbar. And also listener interfaces &amp; Event classes like </a:t>
+            </a:r>
+            <a:r>
+              <a:rPr lang="en-US" dirty="0" err="1" smtClean="0"/>
+              <a:t>ActionListener</a:t>
+            </a:r>
+            <a:r>
+              <a:rPr lang="en-US" dirty="0" smtClean="0"/>
+              <a:t> (</a:t>
+            </a:r>
+            <a:r>
+              <a:rPr lang="en-US" dirty="0" err="1" smtClean="0"/>
+              <a:t>ActionEvent</a:t>
+            </a:r>
+            <a:r>
+              <a:rPr lang="en-US" dirty="0" smtClean="0"/>
+              <a:t>), </a:t>
+            </a:r>
+            <a:r>
+              <a:rPr lang="en-US" dirty="0" err="1" smtClean="0"/>
+              <a:t>ItemListener</a:t>
+            </a:r>
+            <a:r>
+              <a:rPr lang="en-US" dirty="0" smtClean="0"/>
+              <a:t> (</a:t>
+            </a:r>
+            <a:r>
+              <a:rPr lang="en-US" dirty="0" err="1" smtClean="0"/>
+              <a:t>ItemEvent</a:t>
+            </a:r>
+            <a:r>
+              <a:rPr lang="en-US" dirty="0" smtClean="0"/>
+              <a:t>), </a:t>
+            </a:r>
+            <a:r>
+              <a:rPr lang="en-US" dirty="0" err="1" smtClean="0"/>
+              <a:t>MouseListener</a:t>
+            </a:r>
+            <a:r>
+              <a:rPr lang="en-US" dirty="0" smtClean="0"/>
+              <a:t> (</a:t>
+            </a:r>
+            <a:r>
+              <a:rPr lang="en-US" dirty="0" err="1" smtClean="0"/>
+              <a:t>MouseEvent</a:t>
+            </a:r>
+            <a:r>
+              <a:rPr lang="en-US" dirty="0" smtClean="0"/>
+              <a:t>), </a:t>
+            </a:r>
+            <a:r>
+              <a:rPr lang="en-US" dirty="0" err="1" smtClean="0"/>
+              <a:t>WindowListener</a:t>
+            </a:r>
+            <a:r>
+              <a:rPr lang="en-US" dirty="0" smtClean="0"/>
+              <a:t> (</a:t>
+            </a:r>
+            <a:r>
+              <a:rPr lang="en-US" dirty="0" err="1" smtClean="0"/>
+              <a:t>WindowEvent</a:t>
+            </a:r>
+            <a:r>
+              <a:rPr lang="en-US" dirty="0" smtClean="0"/>
+              <a:t>), </a:t>
+            </a:r>
+            <a:r>
+              <a:rPr lang="en-US" dirty="0" err="1" smtClean="0"/>
+              <a:t>MouseMotionListener</a:t>
+            </a:r>
+            <a:r>
+              <a:rPr lang="en-US" dirty="0" smtClean="0"/>
+              <a:t> (</a:t>
+            </a:r>
+            <a:r>
+              <a:rPr lang="en-US" dirty="0" err="1" smtClean="0"/>
+              <a:t>MouseEvent</a:t>
+            </a:r>
+            <a:r>
+              <a:rPr lang="en-US" dirty="0" smtClean="0"/>
+              <a:t>), </a:t>
+            </a:r>
+            <a:r>
+              <a:rPr lang="en-US" dirty="0" err="1" smtClean="0"/>
+              <a:t>KeyListener</a:t>
+            </a:r>
+            <a:r>
+              <a:rPr lang="en-US" dirty="0" smtClean="0"/>
+              <a:t> (</a:t>
+            </a:r>
+            <a:r>
+              <a:rPr lang="en-US" dirty="0" err="1" smtClean="0"/>
+              <a:t>KeyEvent</a:t>
+            </a:r>
+            <a:r>
+              <a:rPr lang="en-US" dirty="0" smtClean="0"/>
+              <a:t>), etc.</a:t>
+            </a:r>
+          </a:p>
+          <a:p>
+            <a:r>
+              <a:rPr lang="en-US" dirty="0" smtClean="0"/>
+              <a:t>Class Hierarchy Big Picture: </a:t>
+            </a:r>
+            <a:r>
+              <a:rPr lang="en-US" dirty="0" smtClean="0">
+                <a:hlinkClick r:id="rId2"/>
+              </a:rPr>
+              <a:t>AWT Hierarchy</a:t>
+            </a:r>
+            <a:r>
+              <a:rPr lang="en-US" dirty="0" smtClean="0"/>
+              <a:t> </a:t>
+            </a:r>
+          </a:p>
+          <a:p>
+            <a:r>
+              <a:rPr lang="en-US" dirty="0" smtClean="0"/>
+              <a:t>Event handling – Changing state of an object is event. Handling event involves registering event with methods like </a:t>
+            </a:r>
+            <a:r>
+              <a:rPr lang="en-US" dirty="0" err="1" smtClean="0"/>
+              <a:t>addActionListener</a:t>
+            </a:r>
+            <a:r>
+              <a:rPr lang="en-US" dirty="0" smtClean="0"/>
+              <a:t>(), </a:t>
+            </a:r>
+            <a:r>
+              <a:rPr lang="en-US" dirty="0" err="1" smtClean="0"/>
+              <a:t>addItemListener</a:t>
+            </a:r>
+            <a:r>
+              <a:rPr lang="en-US" dirty="0" smtClean="0"/>
+              <a:t>(), etc. The event is handled by methods of listener interface methods like </a:t>
+            </a:r>
+            <a:r>
+              <a:rPr lang="en-US" dirty="0" err="1" smtClean="0"/>
+              <a:t>actionPerformed</a:t>
+            </a:r>
+            <a:r>
+              <a:rPr lang="en-US" dirty="0" smtClean="0"/>
+              <a:t>(), </a:t>
+            </a:r>
+            <a:r>
+              <a:rPr lang="en-US" dirty="0" err="1" smtClean="0"/>
+              <a:t>mouseEntered</a:t>
+            </a:r>
+            <a:r>
+              <a:rPr lang="en-US" dirty="0" smtClean="0"/>
+              <a:t>(), </a:t>
+            </a:r>
+            <a:r>
+              <a:rPr lang="en-US" dirty="0" err="1" smtClean="0"/>
+              <a:t>mouseClicked</a:t>
+            </a:r>
+            <a:r>
+              <a:rPr lang="en-US" dirty="0" smtClean="0"/>
+              <a:t>(), </a:t>
+            </a:r>
+            <a:r>
+              <a:rPr lang="en-US" dirty="0" err="1" smtClean="0"/>
+              <a:t>keyPressed</a:t>
+            </a:r>
+            <a:r>
+              <a:rPr lang="en-US" dirty="0" smtClean="0"/>
+              <a:t>(), etc.</a:t>
+            </a:r>
+          </a:p>
+          <a:p>
+            <a:r>
+              <a:rPr lang="en-US" dirty="0" smtClean="0"/>
+              <a:t>Every component has its unique methods &amp; members that form the component &amp; its behavior. All components are subclasses of Component class.</a:t>
+            </a:r>
+            <a:endParaRPr lang="en-US" dirty="0"/>
           </a:p>
         </p:txBody>
       </p:sp>
@@ -13077,17 +13869,10 @@
   <p:clrMapOvr>
     <a:masterClrMapping/>
   </p:clrMapOvr>
-  <p:timing>
-    <p:tnLst>
-      <p:par>
-        <p:cTn id="1" dur="indefinite" restart="never" nodeType="tmRoot"/>
-      </p:par>
-    </p:tnLst>
-  </p:timing>
 </p:sld>
 </file>
 
-<file path=ppt/slides/slide42.xml><?xml version="1.0" encoding="utf-8"?>
+<file path=ppt/slides/slide45.xml><?xml version="1.0" encoding="utf-8"?>
 <p:sld xmlns:a="http://schemas.openxmlformats.org/drawingml/2006/main" xmlns:r="http://schemas.openxmlformats.org/officeDocument/2006/relationships" xmlns:p="http://schemas.openxmlformats.org/presentationml/2006/main">
   <p:cSld>
     <p:spTree>
@@ -13126,7 +13911,7 @@
           <a:p>
             <a:r>
               <a:rPr lang="en-US" dirty="0" smtClean="0"/>
-              <a:t>Java I/O</a:t>
+              <a:t>Java Swing &amp; Layout Manager</a:t>
             </a:r>
             <a:endParaRPr lang="en-US" dirty="0"/>
           </a:p>
@@ -13144,8 +13929,8 @@
         </p:nvSpPr>
         <p:spPr>
           <a:xfrm>
-            <a:off x="708902" y="1719278"/>
-            <a:ext cx="7952213" cy="3424222"/>
+            <a:off x="739723" y="1698730"/>
+            <a:ext cx="8096052" cy="3444769"/>
           </a:xfrm>
         </p:spPr>
         <p:txBody>
@@ -13154,126 +13939,280 @@
           <a:p>
             <a:r>
               <a:rPr lang="en-US" dirty="0" smtClean="0"/>
-              <a:t>Java I/O is used to process input &amp; produce output. Java uses concept of stream to make I/O operations fast. java.io package contains classes for I/O operations. Stream is sequence of data (byte). There are 3 main streams i.e. </a:t>
-            </a:r>
-            <a:r>
-              <a:rPr lang="en-US" dirty="0" err="1" smtClean="0"/>
-              <a:t>System.out</a:t>
-            </a:r>
-            <a:r>
-              <a:rPr lang="en-US" dirty="0" smtClean="0"/>
-              <a:t> (standard output stream), </a:t>
-            </a:r>
-            <a:r>
-              <a:rPr lang="en-US" dirty="0" err="1" smtClean="0"/>
-              <a:t>System.in</a:t>
-            </a:r>
-            <a:r>
-              <a:rPr lang="en-US" dirty="0" smtClean="0"/>
-              <a:t> (standard input stream), System.err (standard error stream). </a:t>
-            </a:r>
-          </a:p>
-          <a:p>
-            <a:r>
-              <a:rPr lang="en-US" dirty="0" err="1" smtClean="0"/>
-              <a:t>OutputStream</a:t>
-            </a:r>
-            <a:r>
-              <a:rPr lang="en-US" dirty="0" smtClean="0"/>
-              <a:t> is used to write byte stream data to destination (file, console, socket) from program. It’s an abstract class that works as </a:t>
-            </a:r>
-            <a:r>
-              <a:rPr lang="en-US" dirty="0" err="1" smtClean="0"/>
-              <a:t>superclass</a:t>
-            </a:r>
-            <a:r>
-              <a:rPr lang="en-US" dirty="0" smtClean="0"/>
-              <a:t> for all classes representing output stream of bytes. It has methods like write(), flush(), close(). Hierarchy - </a:t>
+              <a:t>Java Swing is part of JFC (java Foundation Classes) used to develop GUI/window based apps. Swing is lightweight &amp; components are platform independent. Package </a:t>
+            </a:r>
+            <a:r>
+              <a:rPr lang="en-US" dirty="0" err="1" smtClean="0"/>
+              <a:t>javax.swing</a:t>
+            </a:r>
+            <a:r>
+              <a:rPr lang="en-US" dirty="0" smtClean="0"/>
+              <a:t> contains all the classes like </a:t>
+            </a:r>
+            <a:r>
+              <a:rPr lang="en-US" dirty="0" err="1" smtClean="0"/>
+              <a:t>JTextField</a:t>
+            </a:r>
+            <a:r>
+              <a:rPr lang="en-US" dirty="0" smtClean="0"/>
+              <a:t>, </a:t>
+            </a:r>
+            <a:r>
+              <a:rPr lang="en-US" dirty="0" err="1" smtClean="0"/>
+              <a:t>JTextArea</a:t>
+            </a:r>
+            <a:r>
+              <a:rPr lang="en-US" dirty="0" smtClean="0"/>
+              <a:t>, </a:t>
+            </a:r>
+            <a:r>
+              <a:rPr lang="en-US" dirty="0" err="1" smtClean="0"/>
+              <a:t>JPasswordField</a:t>
+            </a:r>
+            <a:r>
+              <a:rPr lang="en-US" dirty="0" smtClean="0"/>
+              <a:t>, </a:t>
+            </a:r>
+            <a:r>
+              <a:rPr lang="en-US" dirty="0" err="1" smtClean="0"/>
+              <a:t>JButton</a:t>
+            </a:r>
+            <a:r>
+              <a:rPr lang="en-US" dirty="0" smtClean="0"/>
+              <a:t>, </a:t>
+            </a:r>
+            <a:r>
+              <a:rPr lang="en-US" dirty="0" err="1" smtClean="0"/>
+              <a:t>JCheckBox</a:t>
+            </a:r>
+            <a:r>
+              <a:rPr lang="en-US" dirty="0" smtClean="0"/>
+              <a:t>, </a:t>
+            </a:r>
+            <a:r>
+              <a:rPr lang="en-US" dirty="0" err="1" smtClean="0"/>
+              <a:t>JRadioButton</a:t>
+            </a:r>
+            <a:r>
+              <a:rPr lang="en-US" dirty="0" smtClean="0"/>
+              <a:t>, </a:t>
+            </a:r>
+            <a:r>
+              <a:rPr lang="en-US" dirty="0" err="1" smtClean="0"/>
+              <a:t>JComboBox</a:t>
+            </a:r>
+            <a:r>
+              <a:rPr lang="en-US" dirty="0" smtClean="0"/>
+              <a:t>, </a:t>
+            </a:r>
+            <a:r>
+              <a:rPr lang="en-US" dirty="0" err="1" smtClean="0"/>
+              <a:t>Jmenu</a:t>
+            </a:r>
+            <a:r>
+              <a:rPr lang="en-US" dirty="0" smtClean="0"/>
+              <a:t>, </a:t>
+            </a:r>
+            <a:r>
+              <a:rPr lang="en-US" dirty="0" err="1" smtClean="0"/>
+              <a:t>JMenubar</a:t>
+            </a:r>
+            <a:r>
+              <a:rPr lang="en-US" dirty="0" smtClean="0"/>
+              <a:t>, </a:t>
+            </a:r>
+            <a:r>
+              <a:rPr lang="en-US" dirty="0" err="1" smtClean="0"/>
+              <a:t>JMenuItem</a:t>
+            </a:r>
+            <a:r>
+              <a:rPr lang="en-US" dirty="0" smtClean="0"/>
+              <a:t>, </a:t>
+            </a:r>
+            <a:r>
+              <a:rPr lang="en-US" dirty="0" err="1" smtClean="0"/>
+              <a:t>JList</a:t>
+            </a:r>
+            <a:r>
+              <a:rPr lang="en-US" dirty="0" smtClean="0"/>
+              <a:t>, </a:t>
+            </a:r>
+            <a:r>
+              <a:rPr lang="en-US" dirty="0" err="1" smtClean="0"/>
+              <a:t>JFrame</a:t>
+            </a:r>
+            <a:r>
+              <a:rPr lang="en-US" dirty="0" smtClean="0"/>
+              <a:t>, </a:t>
+            </a:r>
+            <a:r>
+              <a:rPr lang="en-US" dirty="0" err="1" smtClean="0"/>
+              <a:t>JFileChooser</a:t>
+            </a:r>
+            <a:r>
+              <a:rPr lang="en-US" dirty="0" smtClean="0"/>
+              <a:t>, </a:t>
+            </a:r>
+            <a:r>
+              <a:rPr lang="en-US" dirty="0" err="1" smtClean="0"/>
+              <a:t>JLabel</a:t>
+            </a:r>
+            <a:r>
+              <a:rPr lang="en-US" dirty="0" smtClean="0"/>
+              <a:t>, </a:t>
+            </a:r>
+            <a:r>
+              <a:rPr lang="en-US" dirty="0" err="1" smtClean="0"/>
+              <a:t>JScrollPane</a:t>
+            </a:r>
+            <a:r>
+              <a:rPr lang="en-US" dirty="0" smtClean="0"/>
+              <a:t>, </a:t>
+            </a:r>
+            <a:r>
+              <a:rPr lang="en-US" dirty="0" err="1" smtClean="0"/>
+              <a:t>JPanel</a:t>
+            </a:r>
+            <a:r>
+              <a:rPr lang="en-US" dirty="0" smtClean="0"/>
+              <a:t>, </a:t>
+            </a:r>
+            <a:r>
+              <a:rPr lang="en-US" dirty="0" err="1" smtClean="0"/>
+              <a:t>JDialog</a:t>
+            </a:r>
+            <a:r>
+              <a:rPr lang="en-US" dirty="0" smtClean="0"/>
+              <a:t>, </a:t>
+            </a:r>
+            <a:r>
+              <a:rPr lang="en-US" dirty="0" err="1" smtClean="0"/>
+              <a:t>JTabbedPane</a:t>
+            </a:r>
+            <a:r>
+              <a:rPr lang="en-US" dirty="0" smtClean="0"/>
+              <a:t>, </a:t>
+            </a:r>
+            <a:r>
+              <a:rPr lang="en-US" dirty="0" err="1" smtClean="0"/>
+              <a:t>JSpinner</a:t>
+            </a:r>
+            <a:r>
+              <a:rPr lang="en-US" dirty="0" smtClean="0"/>
+              <a:t>, etc. All components are subclasses of </a:t>
+            </a:r>
+            <a:r>
+              <a:rPr lang="en-US" dirty="0" err="1" smtClean="0"/>
+              <a:t>JComponent</a:t>
+            </a:r>
+            <a:r>
+              <a:rPr lang="en-US" dirty="0" smtClean="0"/>
+              <a:t>.</a:t>
+            </a:r>
+          </a:p>
+          <a:p>
+            <a:r>
+              <a:rPr lang="en-US" dirty="0" smtClean="0"/>
+              <a:t>Java swing has better look and feel than AWT &amp; it is based on MVC, also it has more powerful components.</a:t>
+            </a:r>
+          </a:p>
+          <a:p>
+            <a:r>
+              <a:rPr lang="en-US" dirty="0" smtClean="0"/>
+              <a:t>Class Hierarchy Big Picture: </a:t>
             </a:r>
             <a:r>
               <a:rPr lang="en-US" dirty="0" smtClean="0">
                 <a:hlinkClick r:id="rId2"/>
               </a:rPr>
-              <a:t>Java </a:t>
-            </a:r>
-            <a:r>
-              <a:rPr lang="en-US" dirty="0" err="1" smtClean="0">
-                <a:hlinkClick r:id="rId2"/>
-              </a:rPr>
-              <a:t>OutputStream</a:t>
-            </a:r>
-            <a:r>
-              <a:rPr lang="en-US" dirty="0" smtClean="0">
-                <a:hlinkClick r:id="rId2"/>
-              </a:rPr>
-              <a:t> Hierarchy</a:t>
+              <a:t>Swing Hierarchy</a:t>
             </a:r>
             <a:endParaRPr lang="en-US" dirty="0" smtClean="0"/>
           </a:p>
           <a:p>
             <a:r>
-              <a:rPr lang="en-US" dirty="0" err="1" smtClean="0"/>
-              <a:t>InputStream</a:t>
-            </a:r>
-            <a:r>
-              <a:rPr lang="en-US" dirty="0" smtClean="0"/>
-              <a:t> is used to read byte stream data from source (source, console, socket) to the program. It’s an abstract class that works as </a:t>
-            </a:r>
-            <a:r>
-              <a:rPr lang="en-US" dirty="0" err="1" smtClean="0"/>
-              <a:t>superclass</a:t>
-            </a:r>
-            <a:r>
-              <a:rPr lang="en-US" dirty="0" smtClean="0"/>
-              <a:t> for all classes representing input stream of bytes. It has methods like read(), available(), close(). Hierarchy - </a:t>
-            </a:r>
-            <a:r>
-              <a:rPr lang="en-US" dirty="0" smtClean="0">
-                <a:hlinkClick r:id="rId3"/>
-              </a:rPr>
-              <a:t>Java </a:t>
-            </a:r>
-            <a:r>
-              <a:rPr lang="en-US" dirty="0" err="1" smtClean="0">
-                <a:hlinkClick r:id="rId3"/>
-              </a:rPr>
-              <a:t>InputStream</a:t>
-            </a:r>
-            <a:r>
-              <a:rPr lang="en-US" dirty="0" smtClean="0">
-                <a:hlinkClick r:id="rId3"/>
-              </a:rPr>
-              <a:t> Hierarchy</a:t>
-            </a:r>
-            <a:endParaRPr lang="en-US" dirty="0" smtClean="0"/>
-          </a:p>
-          <a:p>
-            <a:r>
-              <a:rPr lang="en-US" dirty="0" smtClean="0"/>
-              <a:t>Writer is used to write character data to char streams. It’s abstract class that works as </a:t>
-            </a:r>
-            <a:r>
-              <a:rPr lang="en-US" dirty="0" err="1" smtClean="0"/>
-              <a:t>superclass</a:t>
-            </a:r>
-            <a:r>
-              <a:rPr lang="en-US" dirty="0" smtClean="0"/>
-              <a:t> for various writer classes. It has methods like write(), append(), flush(), close(), etc. </a:t>
-            </a:r>
-          </a:p>
-          <a:p>
-            <a:r>
-              <a:rPr lang="en-US" dirty="0" smtClean="0"/>
-              <a:t>Reader is used to read character data from char streams. It’s abstract class that works as </a:t>
-            </a:r>
-            <a:r>
-              <a:rPr lang="en-US" dirty="0" err="1" smtClean="0"/>
-              <a:t>superclass</a:t>
-            </a:r>
-            <a:r>
-              <a:rPr lang="en-US" dirty="0" smtClean="0"/>
-              <a:t> for various reader classes. It has methods like read(), close(), mark(), skip(), etc.</a:t>
-            </a:r>
+              <a:rPr lang="en-US" dirty="0" smtClean="0"/>
+              <a:t>Every component has its unique methods &amp; members that form the component &amp; its behavior.</a:t>
+            </a:r>
+          </a:p>
+          <a:p>
+            <a:r>
+              <a:rPr lang="en-US" dirty="0" smtClean="0"/>
+              <a:t>Layout managers are used to place various components inside containers. All layout managers implement </a:t>
+            </a:r>
+            <a:r>
+              <a:rPr lang="en-US" dirty="0" err="1" smtClean="0"/>
+              <a:t>LayoutManager</a:t>
+            </a:r>
+            <a:r>
+              <a:rPr lang="en-US" dirty="0" smtClean="0"/>
+              <a:t> interface. Layout managers are available in both packages. Some of the layout managers are </a:t>
+            </a:r>
+            <a:r>
+              <a:rPr lang="en-US" dirty="0" err="1" smtClean="0"/>
+              <a:t>BorderLayout</a:t>
+            </a:r>
+            <a:r>
+              <a:rPr lang="en-US" dirty="0" smtClean="0"/>
+              <a:t>, </a:t>
+            </a:r>
+            <a:r>
+              <a:rPr lang="en-US" dirty="0" err="1" smtClean="0"/>
+              <a:t>FlowLayout</a:t>
+            </a:r>
+            <a:r>
+              <a:rPr lang="en-US" dirty="0" smtClean="0"/>
+              <a:t>, </a:t>
+            </a:r>
+            <a:r>
+              <a:rPr lang="en-US" dirty="0" err="1" smtClean="0"/>
+              <a:t>GridLayout</a:t>
+            </a:r>
+            <a:r>
+              <a:rPr lang="en-US" dirty="0" smtClean="0"/>
+              <a:t>, </a:t>
+            </a:r>
+            <a:r>
+              <a:rPr lang="en-US" dirty="0" err="1" smtClean="0"/>
+              <a:t>BoxLayout</a:t>
+            </a:r>
+            <a:r>
+              <a:rPr lang="en-US" dirty="0" smtClean="0"/>
+              <a:t>, </a:t>
+            </a:r>
+            <a:r>
+              <a:rPr lang="en-US" dirty="0" err="1" smtClean="0"/>
+              <a:t>Cardlayout</a:t>
+            </a:r>
+            <a:r>
+              <a:rPr lang="en-US" dirty="0" smtClean="0"/>
+              <a:t>, </a:t>
+            </a:r>
+            <a:r>
+              <a:rPr lang="en-US" dirty="0" err="1" smtClean="0"/>
+              <a:t>GridBagLayout</a:t>
+            </a:r>
+            <a:r>
+              <a:rPr lang="en-US" dirty="0" smtClean="0"/>
+              <a:t>, </a:t>
+            </a:r>
+            <a:r>
+              <a:rPr lang="en-US" dirty="0" err="1" smtClean="0"/>
+              <a:t>GroupLayout</a:t>
+            </a:r>
+            <a:r>
+              <a:rPr lang="en-US" dirty="0" smtClean="0"/>
+              <a:t>, </a:t>
+            </a:r>
+            <a:r>
+              <a:rPr lang="en-US" dirty="0" err="1" smtClean="0"/>
+              <a:t>ScrollPaneLayout</a:t>
+            </a:r>
+            <a:r>
+              <a:rPr lang="en-US" dirty="0" smtClean="0"/>
+              <a:t>, etc.</a:t>
+            </a:r>
+            <a:endParaRPr lang="en-US" dirty="0"/>
           </a:p>
         </p:txBody>
       </p:sp>
@@ -13289,640 +14228,6 @@
       </p:par>
     </p:tnLst>
   </p:timing>
-</p:sld>
-</file>
-
-<file path=ppt/slides/slide43.xml><?xml version="1.0" encoding="utf-8"?>
-<p:sld xmlns:a="http://schemas.openxmlformats.org/drawingml/2006/main" xmlns:r="http://schemas.openxmlformats.org/officeDocument/2006/relationships" xmlns:p="http://schemas.openxmlformats.org/presentationml/2006/main">
-  <p:cSld>
-    <p:spTree>
-      <p:nvGrpSpPr>
-        <p:cNvPr id="1" name=""/>
-        <p:cNvGrpSpPr/>
-        <p:nvPr/>
-      </p:nvGrpSpPr>
-      <p:grpSpPr>
-        <a:xfrm>
-          <a:off x="0" y="0"/>
-          <a:ext cx="0" cy="0"/>
-          <a:chOff x="0" y="0"/>
-          <a:chExt cx="0" cy="0"/>
-        </a:xfrm>
-      </p:grpSpPr>
-      <p:sp>
-        <p:nvSpPr>
-          <p:cNvPr id="2" name="Title 1"/>
-          <p:cNvSpPr>
-            <a:spLocks noGrp="1"/>
-          </p:cNvSpPr>
-          <p:nvPr>
-            <p:ph type="title"/>
-          </p:nvPr>
-        </p:nvSpPr>
-        <p:spPr/>
-        <p:txBody>
-          <a:bodyPr/>
-          <a:lstStyle/>
-          <a:p>
-            <a:r>
-              <a:rPr lang="en-US" dirty="0" smtClean="0"/>
-              <a:t>Java I/O – </a:t>
-            </a:r>
-            <a:r>
-              <a:rPr lang="en-US" dirty="0" err="1" smtClean="0"/>
-              <a:t>OutputStream</a:t>
-            </a:r>
-            <a:r>
-              <a:rPr lang="en-US" dirty="0" smtClean="0"/>
-              <a:t> Hierarchy</a:t>
-            </a:r>
-            <a:endParaRPr lang="en-US" dirty="0"/>
-          </a:p>
-        </p:txBody>
-      </p:sp>
-      <p:sp>
-        <p:nvSpPr>
-          <p:cNvPr id="3" name="Text Placeholder 2"/>
-          <p:cNvSpPr>
-            <a:spLocks noGrp="1"/>
-          </p:cNvSpPr>
-          <p:nvPr>
-            <p:ph type="body" idx="1"/>
-          </p:nvPr>
-        </p:nvSpPr>
-        <p:spPr>
-          <a:xfrm>
-            <a:off x="729450" y="2078874"/>
-            <a:ext cx="7688700" cy="3064625"/>
-          </a:xfrm>
-        </p:spPr>
-        <p:txBody>
-          <a:bodyPr/>
-          <a:lstStyle/>
-          <a:p>
-            <a:r>
-              <a:rPr lang="en-US" dirty="0" smtClean="0"/>
-              <a:t>All subclasses have methods from </a:t>
-            </a:r>
-            <a:r>
-              <a:rPr lang="en-US" dirty="0" err="1" smtClean="0"/>
-              <a:t>OutputStream</a:t>
-            </a:r>
-            <a:r>
-              <a:rPr lang="en-US" dirty="0" smtClean="0"/>
-              <a:t> class, as its parent abstract class. Methods - write(), flush(), close().</a:t>
-            </a:r>
-          </a:p>
-          <a:p>
-            <a:r>
-              <a:rPr lang="en-US" dirty="0" err="1" smtClean="0"/>
-              <a:t>FileOutputStream</a:t>
-            </a:r>
-            <a:r>
-              <a:rPr lang="en-US" dirty="0" smtClean="0"/>
-              <a:t> – output stream used to write to files (byte data). It provides methods like finalize(), </a:t>
-            </a:r>
-            <a:r>
-              <a:rPr lang="en-US" dirty="0" err="1" smtClean="0"/>
-              <a:t>getFD</a:t>
-            </a:r>
-            <a:r>
-              <a:rPr lang="en-US" dirty="0" smtClean="0"/>
-              <a:t>, etc. The constructor takes filename(with path) as parameter.</a:t>
-            </a:r>
-          </a:p>
-          <a:p>
-            <a:r>
-              <a:rPr lang="en-US" dirty="0" err="1" smtClean="0"/>
-              <a:t>BufferedOutputStream</a:t>
-            </a:r>
-            <a:r>
-              <a:rPr lang="en-US" dirty="0" smtClean="0"/>
-              <a:t> – provides buffering facility for output stream. It uses buffers &amp; so performance is fast. Its constructor takes relevant </a:t>
-            </a:r>
-            <a:r>
-              <a:rPr lang="en-US" dirty="0" err="1" smtClean="0"/>
-              <a:t>OutputStream</a:t>
-            </a:r>
-            <a:r>
-              <a:rPr lang="en-US" dirty="0" smtClean="0"/>
-              <a:t> object as parameter.</a:t>
-            </a:r>
-          </a:p>
-          <a:p>
-            <a:r>
-              <a:rPr lang="en-US" dirty="0" err="1" smtClean="0"/>
-              <a:t>ByteArrayOutputStream</a:t>
-            </a:r>
-            <a:r>
-              <a:rPr lang="en-US" dirty="0" smtClean="0"/>
-              <a:t> – used to write common data to multiple files. It holds copy of byte array data with write() &amp; passes it to various output streams with </a:t>
-            </a:r>
-            <a:r>
-              <a:rPr lang="en-US" dirty="0" err="1" smtClean="0"/>
-              <a:t>writeTo</a:t>
-            </a:r>
-            <a:r>
-              <a:rPr lang="en-US" dirty="0" smtClean="0"/>
-              <a:t>().It also uses buffer.</a:t>
-            </a:r>
-          </a:p>
-          <a:p>
-            <a:r>
-              <a:rPr lang="en-US" dirty="0" err="1" smtClean="0"/>
-              <a:t>DataOutputStream</a:t>
-            </a:r>
-            <a:r>
-              <a:rPr lang="en-US" dirty="0" smtClean="0"/>
-              <a:t> – writes primitive java types to output stream. It has methods like </a:t>
-            </a:r>
-            <a:r>
-              <a:rPr lang="en-US" dirty="0" err="1" smtClean="0"/>
-              <a:t>writeChar</a:t>
-            </a:r>
-            <a:r>
-              <a:rPr lang="en-US" dirty="0" smtClean="0"/>
-              <a:t>(), </a:t>
-            </a:r>
-            <a:r>
-              <a:rPr lang="en-US" dirty="0" err="1" smtClean="0"/>
-              <a:t>writeInt</a:t>
-            </a:r>
-            <a:r>
-              <a:rPr lang="en-US" dirty="0" smtClean="0"/>
-              <a:t>(), </a:t>
-            </a:r>
-            <a:r>
-              <a:rPr lang="en-US" dirty="0" err="1" smtClean="0"/>
-              <a:t>writeLong</a:t>
-            </a:r>
-            <a:r>
-              <a:rPr lang="en-US" dirty="0" smtClean="0"/>
-              <a:t>(), etc for every primitive type. </a:t>
-            </a:r>
-          </a:p>
-          <a:p>
-            <a:r>
-              <a:rPr lang="en-US" dirty="0" err="1" smtClean="0"/>
-              <a:t>FilterOutputStream</a:t>
-            </a:r>
-            <a:r>
-              <a:rPr lang="en-US" dirty="0" smtClean="0"/>
-              <a:t> – same as </a:t>
-            </a:r>
-            <a:r>
-              <a:rPr lang="en-US" dirty="0" err="1" smtClean="0"/>
-              <a:t>OutputStream</a:t>
-            </a:r>
-            <a:r>
-              <a:rPr lang="en-US" dirty="0" smtClean="0"/>
-              <a:t> only difference is that its not abstract &amp; works as parent for </a:t>
-            </a:r>
-            <a:r>
-              <a:rPr lang="en-US" dirty="0" err="1" smtClean="0"/>
-              <a:t>BufferedOutputStream</a:t>
-            </a:r>
-            <a:r>
-              <a:rPr lang="en-US" dirty="0" smtClean="0"/>
-              <a:t> &amp; </a:t>
-            </a:r>
-            <a:r>
-              <a:rPr lang="en-US" dirty="0" err="1" smtClean="0"/>
-              <a:t>DataOutputStream</a:t>
-            </a:r>
-            <a:r>
-              <a:rPr lang="en-US" dirty="0" smtClean="0"/>
-              <a:t>. Less used individually.</a:t>
-            </a:r>
-            <a:endParaRPr lang="en-US" dirty="0"/>
-          </a:p>
-        </p:txBody>
-      </p:sp>
-    </p:spTree>
-  </p:cSld>
-  <p:clrMapOvr>
-    <a:masterClrMapping/>
-  </p:clrMapOvr>
-  <p:timing>
-    <p:tnLst>
-      <p:par>
-        <p:cTn id="1" dur="indefinite" restart="never" nodeType="tmRoot"/>
-      </p:par>
-    </p:tnLst>
-  </p:timing>
-</p:sld>
-</file>
-
-<file path=ppt/slides/slide44.xml><?xml version="1.0" encoding="utf-8"?>
-<p:sld xmlns:a="http://schemas.openxmlformats.org/drawingml/2006/main" xmlns:r="http://schemas.openxmlformats.org/officeDocument/2006/relationships" xmlns:p="http://schemas.openxmlformats.org/presentationml/2006/main">
-  <p:cSld>
-    <p:spTree>
-      <p:nvGrpSpPr>
-        <p:cNvPr id="1" name=""/>
-        <p:cNvGrpSpPr/>
-        <p:nvPr/>
-      </p:nvGrpSpPr>
-      <p:grpSpPr>
-        <a:xfrm>
-          <a:off x="0" y="0"/>
-          <a:ext cx="0" cy="0"/>
-          <a:chOff x="0" y="0"/>
-          <a:chExt cx="0" cy="0"/>
-        </a:xfrm>
-      </p:grpSpPr>
-      <p:sp>
-        <p:nvSpPr>
-          <p:cNvPr id="2" name="Title 1"/>
-          <p:cNvSpPr>
-            <a:spLocks noGrp="1"/>
-          </p:cNvSpPr>
-          <p:nvPr>
-            <p:ph type="title"/>
-          </p:nvPr>
-        </p:nvSpPr>
-        <p:spPr/>
-        <p:txBody>
-          <a:bodyPr/>
-          <a:lstStyle/>
-          <a:p>
-            <a:r>
-              <a:rPr lang="en-US" dirty="0" smtClean="0"/>
-              <a:t>Java I/O – </a:t>
-            </a:r>
-            <a:r>
-              <a:rPr lang="en-US" dirty="0" err="1" smtClean="0"/>
-              <a:t>InputStream</a:t>
-            </a:r>
-            <a:r>
-              <a:rPr lang="en-US" dirty="0" smtClean="0"/>
-              <a:t> Hierarchy</a:t>
-            </a:r>
-            <a:endParaRPr lang="en-US" dirty="0"/>
-          </a:p>
-        </p:txBody>
-      </p:sp>
-      <p:sp>
-        <p:nvSpPr>
-          <p:cNvPr id="3" name="Text Placeholder 2"/>
-          <p:cNvSpPr>
-            <a:spLocks noGrp="1"/>
-          </p:cNvSpPr>
-          <p:nvPr>
-            <p:ph type="body" idx="1"/>
-          </p:nvPr>
-        </p:nvSpPr>
-        <p:spPr>
-          <a:xfrm>
-            <a:off x="729450" y="2078874"/>
-            <a:ext cx="7688700" cy="3064625"/>
-          </a:xfrm>
-        </p:spPr>
-        <p:txBody>
-          <a:bodyPr/>
-          <a:lstStyle/>
-          <a:p>
-            <a:r>
-              <a:rPr lang="en-US" dirty="0" smtClean="0"/>
-              <a:t>All subclasses have methods from </a:t>
-            </a:r>
-            <a:r>
-              <a:rPr lang="en-US" dirty="0" err="1" smtClean="0"/>
-              <a:t>InputStream</a:t>
-            </a:r>
-            <a:r>
-              <a:rPr lang="en-US" dirty="0" smtClean="0"/>
-              <a:t> class, as it’s parent abstract class. Methods - read(), available(), close().</a:t>
-            </a:r>
-          </a:p>
-          <a:p>
-            <a:r>
-              <a:rPr lang="en-US" dirty="0" err="1" smtClean="0"/>
-              <a:t>FileInputStream</a:t>
-            </a:r>
-            <a:r>
-              <a:rPr lang="en-US" dirty="0" smtClean="0"/>
-              <a:t> – input stream used to read from files (byte data). It provides methods like finalize(), </a:t>
-            </a:r>
-            <a:r>
-              <a:rPr lang="en-US" dirty="0" err="1" smtClean="0"/>
-              <a:t>getFD</a:t>
-            </a:r>
-            <a:r>
-              <a:rPr lang="en-US" dirty="0" smtClean="0"/>
-              <a:t>, etc. The constructor takes filename(with path) as parameter.</a:t>
-            </a:r>
-          </a:p>
-          <a:p>
-            <a:r>
-              <a:rPr lang="en-US" dirty="0" err="1" smtClean="0"/>
-              <a:t>BufferedInputStream</a:t>
-            </a:r>
-            <a:r>
-              <a:rPr lang="en-US" dirty="0" smtClean="0"/>
-              <a:t> – provides buffering facility for input stream. It uses buffers &amp; so performance is fast. Its constructor takes relevant </a:t>
-            </a:r>
-            <a:r>
-              <a:rPr lang="en-US" dirty="0" err="1" smtClean="0"/>
-              <a:t>InputStream</a:t>
-            </a:r>
-            <a:r>
-              <a:rPr lang="en-US" dirty="0" smtClean="0"/>
-              <a:t> object as parameter.</a:t>
-            </a:r>
-          </a:p>
-          <a:p>
-            <a:r>
-              <a:rPr lang="en-US" dirty="0" err="1" smtClean="0"/>
-              <a:t>ByteArrayInputStream</a:t>
-            </a:r>
-            <a:r>
-              <a:rPr lang="en-US" dirty="0" smtClean="0"/>
-              <a:t> – reads byte array as input stream. It also uses buffers. Constructor takes a byte array as parameter from which data is read.</a:t>
-            </a:r>
-          </a:p>
-          <a:p>
-            <a:r>
-              <a:rPr lang="en-US" dirty="0" err="1" smtClean="0"/>
-              <a:t>DataInputStream</a:t>
-            </a:r>
-            <a:r>
-              <a:rPr lang="en-US" dirty="0" smtClean="0"/>
-              <a:t> – allows to read primitive data from input stream. Provides methods like </a:t>
-            </a:r>
-            <a:r>
-              <a:rPr lang="en-US" dirty="0" err="1" smtClean="0"/>
-              <a:t>readChar</a:t>
-            </a:r>
-            <a:r>
-              <a:rPr lang="en-US" dirty="0" smtClean="0"/>
-              <a:t>(), </a:t>
-            </a:r>
-            <a:r>
-              <a:rPr lang="en-US" dirty="0" err="1" smtClean="0"/>
-              <a:t>readInt</a:t>
-            </a:r>
-            <a:r>
-              <a:rPr lang="en-US" dirty="0" smtClean="0"/>
-              <a:t>(), etc. for all primitive types.</a:t>
-            </a:r>
-          </a:p>
-          <a:p>
-            <a:r>
-              <a:rPr lang="en-US" dirty="0" err="1" smtClean="0"/>
-              <a:t>FilterInputStream</a:t>
-            </a:r>
-            <a:r>
-              <a:rPr lang="en-US" dirty="0" smtClean="0"/>
-              <a:t> – same as </a:t>
-            </a:r>
-            <a:r>
-              <a:rPr lang="en-US" dirty="0" err="1" smtClean="0"/>
-              <a:t>InputStream</a:t>
-            </a:r>
-            <a:r>
-              <a:rPr lang="en-US" dirty="0" smtClean="0"/>
-              <a:t> only difference is that its not abstract &amp; works as parent for </a:t>
-            </a:r>
-            <a:r>
-              <a:rPr lang="en-US" dirty="0" err="1" smtClean="0"/>
-              <a:t>BufferedInputStream</a:t>
-            </a:r>
-            <a:r>
-              <a:rPr lang="en-US" dirty="0" smtClean="0"/>
-              <a:t> &amp; </a:t>
-            </a:r>
-            <a:r>
-              <a:rPr lang="en-US" dirty="0" err="1" smtClean="0"/>
-              <a:t>DataInputStream</a:t>
-            </a:r>
-            <a:r>
-              <a:rPr lang="en-US" dirty="0" smtClean="0"/>
-              <a:t>. Less used individually.</a:t>
-            </a:r>
-          </a:p>
-        </p:txBody>
-      </p:sp>
-    </p:spTree>
-  </p:cSld>
-  <p:clrMapOvr>
-    <a:masterClrMapping/>
-  </p:clrMapOvr>
-  <p:timing>
-    <p:tnLst>
-      <p:par>
-        <p:cTn id="1" dur="indefinite" restart="never" nodeType="tmRoot"/>
-      </p:par>
-    </p:tnLst>
-  </p:timing>
-</p:sld>
-</file>
-
-<file path=ppt/slides/slide45.xml><?xml version="1.0" encoding="utf-8"?>
-<p:sld xmlns:a="http://schemas.openxmlformats.org/drawingml/2006/main" xmlns:r="http://schemas.openxmlformats.org/officeDocument/2006/relationships" xmlns:p="http://schemas.openxmlformats.org/presentationml/2006/main">
-  <p:cSld>
-    <p:spTree>
-      <p:nvGrpSpPr>
-        <p:cNvPr id="1" name=""/>
-        <p:cNvGrpSpPr/>
-        <p:nvPr/>
-      </p:nvGrpSpPr>
-      <p:grpSpPr>
-        <a:xfrm>
-          <a:off x="0" y="0"/>
-          <a:ext cx="0" cy="0"/>
-          <a:chOff x="0" y="0"/>
-          <a:chExt cx="0" cy="0"/>
-        </a:xfrm>
-      </p:grpSpPr>
-      <p:sp>
-        <p:nvSpPr>
-          <p:cNvPr id="2" name="Title 1"/>
-          <p:cNvSpPr>
-            <a:spLocks noGrp="1"/>
-          </p:cNvSpPr>
-          <p:nvPr>
-            <p:ph type="title"/>
-          </p:nvPr>
-        </p:nvSpPr>
-        <p:spPr/>
-        <p:txBody>
-          <a:bodyPr/>
-          <a:lstStyle/>
-          <a:p>
-            <a:r>
-              <a:rPr lang="en-US" dirty="0" smtClean="0"/>
-              <a:t>Java I/O – Writer Hierarchy</a:t>
-            </a:r>
-            <a:endParaRPr lang="en-US" dirty="0"/>
-          </a:p>
-        </p:txBody>
-      </p:sp>
-      <p:sp>
-        <p:nvSpPr>
-          <p:cNvPr id="3" name="Text Placeholder 2"/>
-          <p:cNvSpPr>
-            <a:spLocks noGrp="1"/>
-          </p:cNvSpPr>
-          <p:nvPr>
-            <p:ph type="body" idx="1"/>
-          </p:nvPr>
-        </p:nvSpPr>
-        <p:spPr>
-          <a:xfrm>
-            <a:off x="708902" y="1822020"/>
-            <a:ext cx="7688700" cy="3064625"/>
-          </a:xfrm>
-        </p:spPr>
-        <p:txBody>
-          <a:bodyPr/>
-          <a:lstStyle/>
-          <a:p>
-            <a:r>
-              <a:rPr lang="en-US" dirty="0" smtClean="0"/>
-              <a:t>All subclasses of Writer hierarchy have method from Writer class. As its parent abstract class. Methods - write(), append(), flush(), close().</a:t>
-            </a:r>
-          </a:p>
-          <a:p>
-            <a:r>
-              <a:rPr lang="en-US" dirty="0" err="1" smtClean="0"/>
-              <a:t>FileWriter</a:t>
-            </a:r>
-            <a:r>
-              <a:rPr lang="en-US" dirty="0" smtClean="0"/>
-              <a:t> – used to write character data to file. A string can be written to file directly. The constructor can take path of file or File object as parameter.</a:t>
-            </a:r>
-          </a:p>
-          <a:p>
-            <a:r>
-              <a:rPr lang="en-US" dirty="0" err="1" smtClean="0"/>
-              <a:t>BufferedWriter</a:t>
-            </a:r>
-            <a:r>
-              <a:rPr lang="en-US" dirty="0" smtClean="0"/>
-              <a:t> – provides buffering functionality to Writer instances &amp; so improves performance. Its constructor takes Writer object as parameter. Method – </a:t>
-            </a:r>
-            <a:r>
-              <a:rPr lang="en-US" dirty="0" err="1" smtClean="0"/>
-              <a:t>newLine</a:t>
-            </a:r>
-            <a:r>
-              <a:rPr lang="en-US" dirty="0" smtClean="0"/>
-              <a:t>().</a:t>
-            </a:r>
-          </a:p>
-          <a:p>
-            <a:r>
-              <a:rPr lang="en-US" dirty="0" err="1" smtClean="0"/>
-              <a:t>CharArrayWriter</a:t>
-            </a:r>
-            <a:r>
-              <a:rPr lang="en-US" dirty="0" smtClean="0"/>
-              <a:t> – writes common data(char array) to multiple files. Its constructor takes char array as parameter. Stores char array with write() &amp; sends it to multiple files with </a:t>
-            </a:r>
-            <a:r>
-              <a:rPr lang="en-US" dirty="0" err="1" smtClean="0"/>
-              <a:t>writeTo</a:t>
-            </a:r>
-            <a:r>
-              <a:rPr lang="en-US" dirty="0" smtClean="0"/>
-              <a:t>(Writer). Method – </a:t>
-            </a:r>
-            <a:r>
-              <a:rPr lang="en-US" dirty="0" err="1" smtClean="0"/>
-              <a:t>toCharArray</a:t>
-            </a:r>
-            <a:r>
-              <a:rPr lang="en-US" dirty="0" smtClean="0"/>
-              <a:t>(), size(), </a:t>
-            </a:r>
-            <a:r>
-              <a:rPr lang="en-US" dirty="0" err="1" smtClean="0"/>
-              <a:t>writeTo</a:t>
-            </a:r>
-            <a:r>
-              <a:rPr lang="en-US" dirty="0" smtClean="0"/>
-              <a:t>().</a:t>
-            </a:r>
-          </a:p>
-          <a:p>
-            <a:r>
-              <a:rPr lang="en-US" dirty="0" err="1" smtClean="0"/>
-              <a:t>OutputStreamWriter</a:t>
-            </a:r>
-            <a:r>
-              <a:rPr lang="en-US" dirty="0" smtClean="0"/>
-              <a:t> – used to convert char stream to byte stream. The char to byte encoding is done using </a:t>
-            </a:r>
-            <a:r>
-              <a:rPr lang="en-US" dirty="0" err="1" smtClean="0"/>
-              <a:t>charset</a:t>
-            </a:r>
-            <a:r>
-              <a:rPr lang="en-US" dirty="0" smtClean="0"/>
-              <a:t>. Constructor takes </a:t>
-            </a:r>
-            <a:r>
-              <a:rPr lang="en-US" dirty="0" err="1" smtClean="0"/>
-              <a:t>OutputStream</a:t>
-            </a:r>
-            <a:r>
-              <a:rPr lang="en-US" dirty="0" smtClean="0"/>
-              <a:t> object &amp; optional </a:t>
-            </a:r>
-            <a:r>
-              <a:rPr lang="en-US" dirty="0" err="1" smtClean="0"/>
-              <a:t>Charset</a:t>
-            </a:r>
-            <a:r>
-              <a:rPr lang="en-US" dirty="0" smtClean="0"/>
-              <a:t> object as parameter. Method – </a:t>
-            </a:r>
-            <a:r>
-              <a:rPr lang="en-US" dirty="0" err="1" smtClean="0"/>
-              <a:t>getEncoding</a:t>
-            </a:r>
-            <a:r>
-              <a:rPr lang="en-US" dirty="0" smtClean="0"/>
-              <a:t>().</a:t>
-            </a:r>
-          </a:p>
-          <a:p>
-            <a:r>
-              <a:rPr lang="en-US" dirty="0" smtClean="0"/>
-              <a:t>Other Writer classes are </a:t>
-            </a:r>
-            <a:r>
-              <a:rPr lang="en-US" dirty="0" err="1" smtClean="0"/>
-              <a:t>StringWriter</a:t>
-            </a:r>
-            <a:r>
-              <a:rPr lang="en-US" dirty="0" smtClean="0"/>
-              <a:t>, </a:t>
-            </a:r>
-            <a:r>
-              <a:rPr lang="en-US" dirty="0" err="1" smtClean="0"/>
-              <a:t>PipedWriter</a:t>
-            </a:r>
-            <a:r>
-              <a:rPr lang="en-US" dirty="0" smtClean="0"/>
-              <a:t>, </a:t>
-            </a:r>
-            <a:r>
-              <a:rPr lang="en-US" dirty="0" err="1" smtClean="0"/>
-              <a:t>FilterWriter</a:t>
-            </a:r>
-            <a:r>
-              <a:rPr lang="en-US" dirty="0" smtClean="0"/>
-              <a:t>, etc.</a:t>
-            </a:r>
-          </a:p>
-        </p:txBody>
-      </p:sp>
-    </p:spTree>
-  </p:cSld>
-  <p:clrMapOvr>
-    <a:masterClrMapping/>
-  </p:clrMapOvr>
 </p:sld>
 </file>
 
@@ -13960,7 +14265,7 @@
           <a:p>
             <a:r>
               <a:rPr lang="en-US" dirty="0" smtClean="0"/>
-              <a:t>Java I/O – Reader Hierarchy</a:t>
+              <a:t>Applet</a:t>
             </a:r>
             <a:endParaRPr lang="en-US" dirty="0"/>
           </a:p>
@@ -13978,8 +14283,8 @@
         </p:nvSpPr>
         <p:spPr>
           <a:xfrm>
-            <a:off x="729449" y="2078874"/>
-            <a:ext cx="7808375" cy="3064625"/>
+            <a:off x="729450" y="2078874"/>
+            <a:ext cx="7688700" cy="3064625"/>
           </a:xfrm>
         </p:spPr>
         <p:txBody>
@@ -13988,126 +14293,139 @@
           <a:p>
             <a:r>
               <a:rPr lang="en-US" dirty="0" smtClean="0"/>
-              <a:t>All subclasses of Reader hierarchy have methods from Reader class. As its parent abstract class. Methods - read(), close(), mark(), skip(), reset(), ready(), mark(), </a:t>
-            </a:r>
-            <a:r>
-              <a:rPr lang="en-US" dirty="0" err="1" smtClean="0"/>
-              <a:t>markSupported</a:t>
+              <a:t>Java applet are classes that can be run in browser at client-side &amp; can serve dynamic content. We can run applet using html files or </a:t>
+            </a:r>
+            <a:r>
+              <a:rPr lang="en-US" dirty="0" err="1" smtClean="0"/>
+              <a:t>appletviewer</a:t>
+            </a:r>
+            <a:r>
+              <a:rPr lang="en-US" dirty="0" smtClean="0"/>
+              <a:t> tool. Applet is secured &amp; run within browser. We create applet class by extending to </a:t>
+            </a:r>
+            <a:r>
+              <a:rPr lang="en-US" dirty="0" err="1" smtClean="0"/>
+              <a:t>java.awt.Applet</a:t>
+            </a:r>
+            <a:r>
+              <a:rPr lang="en-US" dirty="0" smtClean="0"/>
+              <a:t> or </a:t>
+            </a:r>
+            <a:r>
+              <a:rPr lang="en-US" dirty="0" err="1" smtClean="0"/>
+              <a:t>javax.swing.JApplet</a:t>
+            </a:r>
+            <a:r>
+              <a:rPr lang="en-US" dirty="0" smtClean="0"/>
+              <a:t> class.</a:t>
+            </a:r>
+          </a:p>
+          <a:p>
+            <a:r>
+              <a:rPr lang="en-US" dirty="0" smtClean="0"/>
+              <a:t>The applet life cycle involves steps like init(), start(), paint(), stop(), destroy(). Java plug-in software is responsible for running applets.</a:t>
+            </a:r>
+          </a:p>
+          <a:p>
+            <a:r>
+              <a:rPr lang="en-US" dirty="0" smtClean="0"/>
+              <a:t>Graphics object is passed to paint() method of Component class. It has various methods to draw various shapes like </a:t>
+            </a:r>
+            <a:r>
+              <a:rPr lang="en-US" dirty="0" err="1" smtClean="0"/>
+              <a:t>drawString</a:t>
+            </a:r>
+            <a:r>
+              <a:rPr lang="en-US" dirty="0" smtClean="0"/>
+              <a:t>(), </a:t>
+            </a:r>
+            <a:r>
+              <a:rPr lang="en-US" dirty="0" err="1" smtClean="0"/>
+              <a:t>drawOval</a:t>
+            </a:r>
+            <a:r>
+              <a:rPr lang="en-US" dirty="0" smtClean="0"/>
+              <a:t>(), </a:t>
+            </a:r>
+            <a:r>
+              <a:rPr lang="en-US" dirty="0" err="1" smtClean="0"/>
+              <a:t>fillOval</a:t>
+            </a:r>
+            <a:r>
+              <a:rPr lang="en-US" dirty="0" smtClean="0"/>
+              <a:t>(), </a:t>
+            </a:r>
+            <a:r>
+              <a:rPr lang="en-US" dirty="0" err="1" smtClean="0"/>
+              <a:t>drawRect</a:t>
+            </a:r>
+            <a:r>
+              <a:rPr lang="en-US" dirty="0" smtClean="0"/>
+              <a:t>(), </a:t>
+            </a:r>
+            <a:r>
+              <a:rPr lang="en-US" dirty="0" err="1" smtClean="0"/>
+              <a:t>fillArc</a:t>
+            </a:r>
+            <a:r>
+              <a:rPr lang="en-US" dirty="0" smtClean="0"/>
+              <a:t>(), </a:t>
+            </a:r>
+            <a:r>
+              <a:rPr lang="en-US" dirty="0" err="1" smtClean="0"/>
+              <a:t>drawLine</a:t>
+            </a:r>
+            <a:r>
+              <a:rPr lang="en-US" dirty="0" smtClean="0"/>
+              <a:t>(), </a:t>
+            </a:r>
+            <a:r>
+              <a:rPr lang="en-US" dirty="0" err="1" smtClean="0"/>
+              <a:t>drawImage</a:t>
+            </a:r>
+            <a:r>
+              <a:rPr lang="en-US" dirty="0" smtClean="0"/>
+              <a:t>(), </a:t>
+            </a:r>
+            <a:r>
+              <a:rPr lang="en-US" dirty="0" err="1" smtClean="0"/>
+              <a:t>setColor</a:t>
+            </a:r>
+            <a:r>
+              <a:rPr lang="en-US" dirty="0" smtClean="0"/>
+              <a:t>(), </a:t>
+            </a:r>
+            <a:r>
+              <a:rPr lang="en-US" dirty="0" err="1" smtClean="0"/>
+              <a:t>setFont</a:t>
+            </a:r>
+            <a:r>
+              <a:rPr lang="en-US" dirty="0" smtClean="0"/>
+              <a:t>(), etc.</a:t>
+            </a:r>
+          </a:p>
+          <a:p>
+            <a:r>
+              <a:rPr lang="en-US" dirty="0" smtClean="0"/>
+              <a:t>Parameters can be passed to applet from html with &lt;</a:t>
+            </a:r>
+            <a:r>
+              <a:rPr lang="en-US" dirty="0" err="1" smtClean="0"/>
+              <a:t>param</a:t>
+            </a:r>
+            <a:r>
+              <a:rPr lang="en-US" dirty="0" smtClean="0"/>
+              <a:t>&gt; tag &amp; accessed in applet class using </a:t>
+            </a:r>
+            <a:r>
+              <a:rPr lang="en-US" dirty="0" err="1" smtClean="0"/>
+              <a:t>getParameter</a:t>
             </a:r>
             <a:r>
               <a:rPr lang="en-US" dirty="0" smtClean="0"/>
               <a:t>().</a:t>
             </a:r>
-          </a:p>
-          <a:p>
-            <a:r>
-              <a:rPr lang="en-US" dirty="0" err="1" smtClean="0"/>
-              <a:t>FileReader</a:t>
-            </a:r>
-            <a:r>
-              <a:rPr lang="en-US" dirty="0" smtClean="0"/>
-              <a:t>– used to read data from file, it returns data in byte format. It is character-oriented class. The constructor can take path of file or File object as parameter.</a:t>
-            </a:r>
-          </a:p>
-          <a:p>
-            <a:r>
-              <a:rPr lang="en-US" dirty="0" err="1" smtClean="0"/>
-              <a:t>BufferedReader</a:t>
-            </a:r>
-            <a:r>
-              <a:rPr lang="en-US" dirty="0" smtClean="0"/>
-              <a:t> – provides buffering functionality to read data from char-based input stream &amp; so improves performance. Its constructor takes Reader object as parameter. Method – </a:t>
-            </a:r>
-            <a:r>
-              <a:rPr lang="en-US" dirty="0" err="1" smtClean="0"/>
-              <a:t>readLine</a:t>
-            </a:r>
-            <a:r>
-              <a:rPr lang="en-US" dirty="0" smtClean="0"/>
-              <a:t>().</a:t>
-            </a:r>
-          </a:p>
-          <a:p>
-            <a:r>
-              <a:rPr lang="en-US" dirty="0" err="1" smtClean="0"/>
-              <a:t>CharArrayReader</a:t>
-            </a:r>
-            <a:r>
-              <a:rPr lang="en-US" dirty="0" smtClean="0"/>
-              <a:t> – reads char array as a reader. Its constructor takes char array as parameter.</a:t>
-            </a:r>
-          </a:p>
-          <a:p>
-            <a:r>
-              <a:rPr lang="en-US" dirty="0" err="1" smtClean="0"/>
-              <a:t>InputStreamReader</a:t>
-            </a:r>
-            <a:r>
-              <a:rPr lang="en-US" dirty="0" smtClean="0"/>
-              <a:t> – converts byte stream into char stream. It reads bytes &amp; decodes them into char using </a:t>
-            </a:r>
-            <a:r>
-              <a:rPr lang="en-US" dirty="0" err="1" smtClean="0"/>
-              <a:t>charset</a:t>
-            </a:r>
-            <a:r>
-              <a:rPr lang="en-US" dirty="0" smtClean="0"/>
-              <a:t>. Its constructor takes </a:t>
-            </a:r>
-            <a:r>
-              <a:rPr lang="en-US" dirty="0" err="1" smtClean="0"/>
-              <a:t>InputStream</a:t>
-            </a:r>
-            <a:r>
-              <a:rPr lang="en-US" dirty="0" smtClean="0"/>
-              <a:t> object &amp; optional </a:t>
-            </a:r>
-            <a:r>
-              <a:rPr lang="en-US" dirty="0" err="1" smtClean="0"/>
-              <a:t>Charset</a:t>
-            </a:r>
-            <a:r>
-              <a:rPr lang="en-US" dirty="0" smtClean="0"/>
-              <a:t> object as parameter. Method – </a:t>
-            </a:r>
-            <a:r>
-              <a:rPr lang="en-US" dirty="0" err="1" smtClean="0"/>
-              <a:t>getEncoding</a:t>
-            </a:r>
-            <a:r>
-              <a:rPr lang="en-US" dirty="0" smtClean="0"/>
-              <a:t>().</a:t>
-            </a:r>
-          </a:p>
-          <a:p>
-            <a:r>
-              <a:rPr lang="en-US" dirty="0" smtClean="0"/>
-              <a:t>Other Reader classes are </a:t>
-            </a:r>
-            <a:r>
-              <a:rPr lang="en-US" dirty="0" err="1" smtClean="0"/>
-              <a:t>StringReader</a:t>
-            </a:r>
-            <a:r>
-              <a:rPr lang="en-US" dirty="0" smtClean="0"/>
-              <a:t>, </a:t>
-            </a:r>
-            <a:r>
-              <a:rPr lang="en-US" dirty="0" err="1" smtClean="0"/>
-              <a:t>PipedReader</a:t>
-            </a:r>
-            <a:r>
-              <a:rPr lang="en-US" dirty="0" smtClean="0"/>
-              <a:t>, </a:t>
-            </a:r>
-            <a:r>
-              <a:rPr lang="en-US" dirty="0" err="1" smtClean="0"/>
-              <a:t>FilterReader</a:t>
-            </a:r>
-            <a:r>
-              <a:rPr lang="en-US" dirty="0" smtClean="0"/>
-              <a:t>, etc.</a:t>
-            </a:r>
+            <a:endParaRPr lang="en-US" dirty="0"/>
           </a:p>
         </p:txBody>
       </p:sp>
@@ -14153,7 +14471,7 @@
           <a:p>
             <a:r>
               <a:rPr lang="en-US" dirty="0" smtClean="0"/>
-              <a:t>Java I/O Misc.</a:t>
+              <a:t>Java Date, Time &amp; Calendar</a:t>
             </a:r>
             <a:endParaRPr lang="en-US" dirty="0"/>
           </a:p>
@@ -14171,8 +14489,8 @@
         </p:nvSpPr>
         <p:spPr>
           <a:xfrm>
-            <a:off x="719175" y="1883665"/>
-            <a:ext cx="7911117" cy="3064625"/>
+            <a:off x="729449" y="2078875"/>
+            <a:ext cx="7839197" cy="2261100"/>
           </a:xfrm>
         </p:spPr>
         <p:txBody>
@@ -14180,38 +14498,12 @@
           <a:lstStyle/>
           <a:p>
             <a:r>
-              <a:rPr lang="en-US" dirty="0" err="1" smtClean="0"/>
-              <a:t>SequenceInputStream</a:t>
-            </a:r>
-            <a:r>
-              <a:rPr lang="en-US" dirty="0" smtClean="0"/>
-              <a:t> – reads data from multiple streams sequentially. Its constructor takes objects of </a:t>
-            </a:r>
-            <a:r>
-              <a:rPr lang="en-US" dirty="0" err="1" smtClean="0"/>
-              <a:t>InputStream</a:t>
-            </a:r>
-            <a:r>
-              <a:rPr lang="en-US" dirty="0" smtClean="0"/>
-              <a:t> from which data is to be read.</a:t>
-            </a:r>
-          </a:p>
-          <a:p>
-            <a:r>
-              <a:rPr lang="en-US" dirty="0" smtClean="0"/>
-              <a:t>Console – used to get input from console. It can read texts &amp; passwords. Its object is obtained from </a:t>
-            </a:r>
-            <a:r>
-              <a:rPr lang="en-US" dirty="0" err="1" smtClean="0"/>
-              <a:t>System.console</a:t>
-            </a:r>
-            <a:r>
-              <a:rPr lang="en-US" dirty="0" smtClean="0"/>
-              <a:t>(). It has methods like </a:t>
-            </a:r>
-            <a:r>
-              <a:rPr lang="en-US" dirty="0" err="1" smtClean="0"/>
-              <a:t>readLine</a:t>
+              <a:rPr lang="en-US" dirty="0" smtClean="0"/>
+              <a:t>Date – represents date &amp; time in java. Provides constructor &amp; methods like Date(long ms), after(), before(), equals(), </a:t>
+            </a:r>
+            <a:r>
+              <a:rPr lang="en-US" dirty="0" err="1" smtClean="0"/>
+              <a:t>getTime</a:t>
             </a:r>
             <a:r>
               <a:rPr lang="en-US" dirty="0" smtClean="0"/>
@@ -14219,33 +14511,7 @@
             </a:r>
             <a:r>
               <a:rPr lang="en-US" dirty="0" err="1" smtClean="0"/>
-              <a:t>readPassword</a:t>
-            </a:r>
-            <a:r>
-              <a:rPr lang="en-US" dirty="0" smtClean="0"/>
-              <a:t>(), reader(), writer(), </a:t>
-            </a:r>
-            <a:r>
-              <a:rPr lang="en-US" dirty="0" err="1" smtClean="0"/>
-              <a:t>printf</a:t>
-            </a:r>
-            <a:r>
-              <a:rPr lang="en-US" dirty="0" smtClean="0"/>
-              <a:t>().</a:t>
-            </a:r>
-          </a:p>
-          <a:p>
-            <a:r>
-              <a:rPr lang="en-US" dirty="0" err="1" smtClean="0"/>
-              <a:t>PrintWriter</a:t>
-            </a:r>
-            <a:r>
-              <a:rPr lang="en-US" dirty="0" smtClean="0"/>
-              <a:t> – It comes under Writer hierarchy, used to print formatted objects. It has methods like print(), </a:t>
-            </a:r>
-            <a:r>
-              <a:rPr lang="en-US" dirty="0" err="1" smtClean="0"/>
-              <a:t>println</a:t>
+              <a:t>setTime</a:t>
             </a:r>
             <a:r>
               <a:rPr lang="en-US" dirty="0" smtClean="0"/>
@@ -14253,61 +14519,7 @@
             </a:r>
             <a:r>
               <a:rPr lang="en-US" dirty="0" err="1" smtClean="0"/>
-              <a:t>setError</a:t>
-            </a:r>
-            <a:r>
-              <a:rPr lang="en-US" dirty="0" smtClean="0"/>
-              <a:t>(), </a:t>
-            </a:r>
-            <a:r>
-              <a:rPr lang="en-US" dirty="0" err="1" smtClean="0"/>
-              <a:t>checkError</a:t>
-            </a:r>
-            <a:r>
-              <a:rPr lang="en-US" dirty="0" smtClean="0"/>
-              <a:t>(), format(), etc.</a:t>
-            </a:r>
-          </a:p>
-          <a:p>
-            <a:r>
-              <a:rPr lang="en-US" dirty="0" smtClean="0"/>
-              <a:t>File – Abstract representation of file &amp; pathname. Constructor takes pathname as parameter. Methods like </a:t>
-            </a:r>
-            <a:r>
-              <a:rPr lang="en-US" dirty="0" err="1" smtClean="0"/>
-              <a:t>createNewFile</a:t>
-            </a:r>
-            <a:r>
-              <a:rPr lang="en-US" dirty="0" smtClean="0"/>
-              <a:t>(), </a:t>
-            </a:r>
-            <a:r>
-              <a:rPr lang="en-US" dirty="0" err="1" smtClean="0"/>
-              <a:t>isFile</a:t>
-            </a:r>
-            <a:r>
-              <a:rPr lang="en-US" dirty="0" smtClean="0"/>
-              <a:t>(), </a:t>
-            </a:r>
-            <a:r>
-              <a:rPr lang="en-US" dirty="0" err="1" smtClean="0"/>
-              <a:t>mkdir</a:t>
-            </a:r>
-            <a:r>
-              <a:rPr lang="en-US" dirty="0" smtClean="0"/>
-              <a:t>(), </a:t>
-            </a:r>
-            <a:r>
-              <a:rPr lang="en-US" dirty="0" err="1" smtClean="0"/>
-              <a:t>getFreeSpace</a:t>
-            </a:r>
-            <a:r>
-              <a:rPr lang="en-US" dirty="0" smtClean="0"/>
-              <a:t>(), </a:t>
-            </a:r>
-            <a:r>
-              <a:rPr lang="en-US" dirty="0" err="1" smtClean="0"/>
-              <a:t>toPath</a:t>
+              <a:t>compareTo</a:t>
             </a:r>
             <a:r>
               <a:rPr lang="en-US" dirty="0" smtClean="0"/>
@@ -14316,92 +14528,93 @@
           </a:p>
           <a:p>
             <a:r>
-              <a:rPr lang="en-US" dirty="0" err="1" smtClean="0"/>
-              <a:t>RandomAccessFile</a:t>
-            </a:r>
-            <a:r>
-              <a:rPr lang="en-US" dirty="0" smtClean="0"/>
-              <a:t> – used to read/write to random access file. Constructor takes File/path &amp; mode as parameter. It has methods like seek(), </a:t>
-            </a:r>
-            <a:r>
-              <a:rPr lang="en-US" dirty="0" err="1" smtClean="0"/>
-              <a:t>readInt</a:t>
-            </a:r>
-            <a:r>
-              <a:rPr lang="en-US" dirty="0" smtClean="0"/>
-              <a:t>(), </a:t>
-            </a:r>
-            <a:r>
-              <a:rPr lang="en-US" dirty="0" err="1" smtClean="0"/>
-              <a:t>writeInt</a:t>
-            </a:r>
-            <a:r>
-              <a:rPr lang="en-US" dirty="0" smtClean="0"/>
-              <a:t>(), read(), write(), length(), etc.</a:t>
-            </a:r>
-          </a:p>
-          <a:p>
-            <a:r>
-              <a:rPr lang="en-US" dirty="0" smtClean="0"/>
-              <a:t>Scanner – </a:t>
-            </a:r>
-            <a:r>
-              <a:rPr lang="en-US" dirty="0" err="1" smtClean="0"/>
-              <a:t>java.util.Scanner</a:t>
-            </a:r>
-            <a:r>
-              <a:rPr lang="en-US" dirty="0" smtClean="0"/>
-              <a:t> used to read data from console. It extends Object &amp; implement </a:t>
-            </a:r>
-            <a:r>
-              <a:rPr lang="en-US" dirty="0" err="1" smtClean="0"/>
-              <a:t>Iterator</a:t>
-            </a:r>
-            <a:r>
-              <a:rPr lang="en-US" dirty="0" smtClean="0"/>
-              <a:t>, Closeable. Some stream need to be passed to its constructor (E.g. </a:t>
-            </a:r>
-            <a:r>
-              <a:rPr lang="en-US" dirty="0" err="1" smtClean="0"/>
-              <a:t>System.in</a:t>
-            </a:r>
-            <a:r>
-              <a:rPr lang="en-US" dirty="0" smtClean="0"/>
-              <a:t> or some file). It has methods like next(), </a:t>
-            </a:r>
-            <a:r>
-              <a:rPr lang="en-US" dirty="0" err="1" smtClean="0"/>
-              <a:t>nextXXX</a:t>
-            </a:r>
-            <a:r>
-              <a:rPr lang="en-US" dirty="0" smtClean="0"/>
-              <a:t>(), </a:t>
-            </a:r>
-            <a:r>
-              <a:rPr lang="en-US" dirty="0" err="1" smtClean="0"/>
-              <a:t>hasNext</a:t>
-            </a:r>
-            <a:r>
-              <a:rPr lang="en-US" dirty="0" smtClean="0"/>
-              <a:t>(), </a:t>
-            </a:r>
-            <a:r>
-              <a:rPr lang="en-US" dirty="0" err="1" smtClean="0"/>
-              <a:t>hasNextXXX</a:t>
-            </a:r>
-            <a:r>
-              <a:rPr lang="en-US" dirty="0" smtClean="0"/>
-              <a:t>(), match(), skip(), </a:t>
-            </a:r>
-            <a:r>
-              <a:rPr lang="en-US" dirty="0" err="1" smtClean="0"/>
-              <a:t>useDelimiter</a:t>
-            </a:r>
-            <a:r>
-              <a:rPr lang="en-US" dirty="0" smtClean="0"/>
-              <a:t>(), etc.</a:t>
-            </a:r>
-            <a:endParaRPr lang="en-US" dirty="0"/>
+              <a:rPr lang="en-US" dirty="0" smtClean="0"/>
+              <a:t>Calendar - an abstract class that provides methods for manipulating date and a set of calendar fields such as MONTH, YEAR, HOUR, etc.</a:t>
+            </a:r>
+          </a:p>
+          <a:p>
+            <a:r>
+              <a:rPr lang="en-US" dirty="0" smtClean="0"/>
+              <a:t>There are various packages like </a:t>
+            </a:r>
+            <a:r>
+              <a:rPr lang="en-US" dirty="0" err="1" smtClean="0"/>
+              <a:t>java.time</a:t>
+            </a:r>
+            <a:r>
+              <a:rPr lang="en-US" dirty="0" smtClean="0"/>
+              <a:t>, </a:t>
+            </a:r>
+            <a:r>
+              <a:rPr lang="en-US" dirty="0" err="1" smtClean="0"/>
+              <a:t>java.util</a:t>
+            </a:r>
+            <a:r>
+              <a:rPr lang="en-US" dirty="0" smtClean="0"/>
+              <a:t>, java.sql, </a:t>
+            </a:r>
+            <a:r>
+              <a:rPr lang="en-US" dirty="0" err="1" smtClean="0"/>
+              <a:t>java.text</a:t>
+            </a:r>
+            <a:r>
+              <a:rPr lang="en-US" dirty="0" smtClean="0"/>
+              <a:t> that provide classes for date manipulation. </a:t>
+            </a:r>
+            <a:r>
+              <a:rPr lang="en-US" dirty="0" err="1" smtClean="0"/>
+              <a:t>java.time</a:t>
+            </a:r>
+            <a:r>
+              <a:rPr lang="en-US" dirty="0" smtClean="0"/>
+              <a:t> is introduced with Java 8. It provides wide range of date related classes like </a:t>
+            </a:r>
+            <a:r>
+              <a:rPr lang="en-US" dirty="0" err="1" smtClean="0"/>
+              <a:t>LocalTIme</a:t>
+            </a:r>
+            <a:r>
+              <a:rPr lang="en-US" dirty="0" smtClean="0"/>
+              <a:t>, </a:t>
+            </a:r>
+            <a:r>
+              <a:rPr lang="en-US" dirty="0" err="1" smtClean="0"/>
+              <a:t>LocalDate</a:t>
+            </a:r>
+            <a:r>
+              <a:rPr lang="en-US" dirty="0" smtClean="0"/>
+              <a:t>, Year, </a:t>
+            </a:r>
+            <a:r>
+              <a:rPr lang="en-US" dirty="0" err="1" smtClean="0"/>
+              <a:t>MonthDay</a:t>
+            </a:r>
+            <a:r>
+              <a:rPr lang="en-US" dirty="0" smtClean="0"/>
+              <a:t>, Clock, Period, Duration, Instant, etc.</a:t>
+            </a:r>
+          </a:p>
+          <a:p>
+            <a:r>
+              <a:rPr lang="en-US" dirty="0" smtClean="0"/>
+              <a:t>Date formatting – </a:t>
+            </a:r>
+            <a:r>
+              <a:rPr lang="en-US" dirty="0" err="1" smtClean="0"/>
+              <a:t>DateFormat</a:t>
+            </a:r>
+            <a:r>
+              <a:rPr lang="en-US" dirty="0" smtClean="0"/>
+              <a:t> &amp; </a:t>
+            </a:r>
+            <a:r>
+              <a:rPr lang="en-US" dirty="0" err="1" smtClean="0"/>
+              <a:t>SimpleDateFormat</a:t>
+            </a:r>
+            <a:r>
+              <a:rPr lang="en-US" dirty="0" smtClean="0"/>
+              <a:t> provide methods to format date in java. It converts(date to string) &amp; parses(string to date) date.</a:t>
+            </a:r>
           </a:p>
         </p:txBody>
       </p:sp>
@@ -14447,466 +14660,7 @@
           <a:p>
             <a:r>
               <a:rPr lang="en-US" dirty="0" smtClean="0"/>
-              <a:t>Java I/O - Serialization</a:t>
-            </a:r>
-            <a:endParaRPr lang="en-US" dirty="0"/>
-          </a:p>
-        </p:txBody>
-      </p:sp>
-      <p:sp>
-        <p:nvSpPr>
-          <p:cNvPr id="3" name="Text Placeholder 2"/>
-          <p:cNvSpPr>
-            <a:spLocks noGrp="1"/>
-          </p:cNvSpPr>
-          <p:nvPr>
-            <p:ph type="body" idx="1"/>
-          </p:nvPr>
-        </p:nvSpPr>
-        <p:spPr>
-          <a:xfrm>
-            <a:off x="729450" y="2078874"/>
-            <a:ext cx="8003584" cy="3064625"/>
-          </a:xfrm>
-        </p:spPr>
-        <p:txBody>
-          <a:bodyPr/>
-          <a:lstStyle/>
-          <a:p>
-            <a:r>
-              <a:rPr lang="en-US" dirty="0" smtClean="0"/>
-              <a:t>Serialization – mechanism to write object to the byte-stream. </a:t>
-            </a:r>
-            <a:r>
-              <a:rPr lang="en-US" dirty="0" err="1" smtClean="0"/>
-              <a:t>writeObject</a:t>
-            </a:r>
-            <a:r>
-              <a:rPr lang="en-US" dirty="0" smtClean="0"/>
-              <a:t>() of </a:t>
-            </a:r>
-            <a:r>
-              <a:rPr lang="en-US" dirty="0" err="1" smtClean="0"/>
-              <a:t>ObjectOutputStream</a:t>
-            </a:r>
-            <a:r>
-              <a:rPr lang="en-US" dirty="0" smtClean="0"/>
-              <a:t>  is used to perform serialization.</a:t>
-            </a:r>
-          </a:p>
-          <a:p>
-            <a:r>
-              <a:rPr lang="en-US" dirty="0" err="1" smtClean="0"/>
-              <a:t>Deserialization</a:t>
-            </a:r>
-            <a:r>
-              <a:rPr lang="en-US" dirty="0" smtClean="0"/>
-              <a:t> – mechanism to convert byte-stream into object. </a:t>
-            </a:r>
-            <a:r>
-              <a:rPr lang="en-US" dirty="0" err="1" smtClean="0"/>
-              <a:t>readObject</a:t>
-            </a:r>
-            <a:r>
-              <a:rPr lang="en-US" dirty="0" smtClean="0"/>
-              <a:t>() of </a:t>
-            </a:r>
-            <a:r>
-              <a:rPr lang="en-US" dirty="0" err="1" smtClean="0"/>
-              <a:t>ObjectInoutstream</a:t>
-            </a:r>
-            <a:r>
-              <a:rPr lang="en-US" dirty="0" smtClean="0"/>
-              <a:t> is used to perform </a:t>
-            </a:r>
-            <a:r>
-              <a:rPr lang="en-US" dirty="0" err="1" smtClean="0"/>
-              <a:t>deserializatrion</a:t>
-            </a:r>
-            <a:r>
-              <a:rPr lang="en-US" dirty="0" smtClean="0"/>
-              <a:t>.</a:t>
-            </a:r>
-          </a:p>
-          <a:p>
-            <a:r>
-              <a:rPr lang="en-US" dirty="0" err="1" smtClean="0"/>
-              <a:t>Serializable</a:t>
-            </a:r>
-            <a:r>
-              <a:rPr lang="en-US" dirty="0" smtClean="0"/>
-              <a:t> – marker interface(no members) that needs to be implemented by class whose object you want to persist.</a:t>
-            </a:r>
-          </a:p>
-          <a:p>
-            <a:r>
-              <a:rPr lang="en-US" dirty="0" smtClean="0"/>
-              <a:t>Serialization of static members can’t be done. If class having another class member which is not serialized then current class also won’t be serialized.</a:t>
-            </a:r>
-          </a:p>
-          <a:p>
-            <a:r>
-              <a:rPr lang="en-US" dirty="0" smtClean="0"/>
-              <a:t>transient keyword – if we don’t want to perform serialization of specific member then its preceded with transient keyword. It will give default value for such members.</a:t>
-            </a:r>
-          </a:p>
-          <a:p>
-            <a:r>
-              <a:rPr lang="en-US" dirty="0" err="1" smtClean="0"/>
-              <a:t>serialVersonUID</a:t>
-            </a:r>
-            <a:r>
-              <a:rPr lang="en-US" dirty="0" smtClean="0"/>
-              <a:t> – serialization process associates this id to each class it serializes.  Its used for verification. Sender &amp; receiver should be same. If its not same then </a:t>
-            </a:r>
-            <a:r>
-              <a:rPr lang="en-US" dirty="0" err="1" smtClean="0"/>
-              <a:t>InvalidClassException</a:t>
-            </a:r>
-            <a:r>
-              <a:rPr lang="en-US" dirty="0" smtClean="0"/>
-              <a:t> is thrown.</a:t>
-            </a:r>
-            <a:endParaRPr lang="en-US" dirty="0"/>
-          </a:p>
-        </p:txBody>
-      </p:sp>
-    </p:spTree>
-  </p:cSld>
-  <p:clrMapOvr>
-    <a:masterClrMapping/>
-  </p:clrMapOvr>
-</p:sld>
-</file>
-
-<file path=ppt/slides/slide49.xml><?xml version="1.0" encoding="utf-8"?>
-<p:sld xmlns:a="http://schemas.openxmlformats.org/drawingml/2006/main" xmlns:r="http://schemas.openxmlformats.org/officeDocument/2006/relationships" xmlns:p="http://schemas.openxmlformats.org/presentationml/2006/main">
-  <p:cSld>
-    <p:spTree>
-      <p:nvGrpSpPr>
-        <p:cNvPr id="1" name=""/>
-        <p:cNvGrpSpPr/>
-        <p:nvPr/>
-      </p:nvGrpSpPr>
-      <p:grpSpPr>
-        <a:xfrm>
-          <a:off x="0" y="0"/>
-          <a:ext cx="0" cy="0"/>
-          <a:chOff x="0" y="0"/>
-          <a:chExt cx="0" cy="0"/>
-        </a:xfrm>
-      </p:grpSpPr>
-      <p:sp>
-        <p:nvSpPr>
-          <p:cNvPr id="2" name="Title 1"/>
-          <p:cNvSpPr>
-            <a:spLocks noGrp="1"/>
-          </p:cNvSpPr>
-          <p:nvPr>
-            <p:ph type="title"/>
-          </p:nvPr>
-        </p:nvSpPr>
-        <p:spPr>
-          <a:xfrm>
-            <a:off x="729450" y="1236457"/>
-            <a:ext cx="7688700" cy="535200"/>
-          </a:xfrm>
-        </p:spPr>
-        <p:txBody>
-          <a:bodyPr/>
-          <a:lstStyle/>
-          <a:p>
-            <a:r>
-              <a:rPr lang="en-US" dirty="0" smtClean="0"/>
-              <a:t>Java AWT (Abstract Window Toolkit)</a:t>
-            </a:r>
-            <a:endParaRPr lang="en-US" dirty="0"/>
-          </a:p>
-        </p:txBody>
-      </p:sp>
-      <p:sp>
-        <p:nvSpPr>
-          <p:cNvPr id="3" name="Text Placeholder 2"/>
-          <p:cNvSpPr>
-            <a:spLocks noGrp="1"/>
-          </p:cNvSpPr>
-          <p:nvPr>
-            <p:ph type="body" idx="1"/>
-          </p:nvPr>
-        </p:nvSpPr>
-        <p:spPr>
-          <a:xfrm>
-            <a:off x="739723" y="1698730"/>
-            <a:ext cx="7931665" cy="3444769"/>
-          </a:xfrm>
-        </p:spPr>
-        <p:txBody>
-          <a:bodyPr/>
-          <a:lstStyle/>
-          <a:p>
-            <a:r>
-              <a:rPr lang="en-US" dirty="0" smtClean="0"/>
-              <a:t>Java AWT is API to develop GUI/window based apps. AWT is heavyweight &amp; components are platform dependent. Package java.awt contains all the classes like </a:t>
-            </a:r>
-            <a:r>
-              <a:rPr lang="en-US" dirty="0" err="1" smtClean="0"/>
-              <a:t>TextField</a:t>
-            </a:r>
-            <a:r>
-              <a:rPr lang="en-US" dirty="0" smtClean="0"/>
-              <a:t>, </a:t>
-            </a:r>
-            <a:r>
-              <a:rPr lang="en-US" dirty="0" err="1" smtClean="0"/>
-              <a:t>TextArea</a:t>
-            </a:r>
-            <a:r>
-              <a:rPr lang="en-US" dirty="0" smtClean="0"/>
-              <a:t>, Button, Checkbox, </a:t>
-            </a:r>
-            <a:r>
-              <a:rPr lang="en-US" dirty="0" err="1" smtClean="0"/>
-              <a:t>CheckboxGroup</a:t>
-            </a:r>
-            <a:r>
-              <a:rPr lang="en-US" dirty="0" smtClean="0"/>
-              <a:t>, Choice, Menu, </a:t>
-            </a:r>
-            <a:r>
-              <a:rPr lang="en-US" dirty="0" err="1" smtClean="0"/>
-              <a:t>MenuItem</a:t>
-            </a:r>
-            <a:r>
-              <a:rPr lang="en-US" dirty="0" smtClean="0"/>
-              <a:t>, List, Frame, Window, Label, Container, Panel, Dialog, Canvas, Scrollbar. And also listener interfaces &amp; Event classes like </a:t>
-            </a:r>
-            <a:r>
-              <a:rPr lang="en-US" dirty="0" err="1" smtClean="0"/>
-              <a:t>ActionListener</a:t>
-            </a:r>
-            <a:r>
-              <a:rPr lang="en-US" dirty="0" smtClean="0"/>
-              <a:t> (</a:t>
-            </a:r>
-            <a:r>
-              <a:rPr lang="en-US" dirty="0" err="1" smtClean="0"/>
-              <a:t>ActionEvent</a:t>
-            </a:r>
-            <a:r>
-              <a:rPr lang="en-US" dirty="0" smtClean="0"/>
-              <a:t>), </a:t>
-            </a:r>
-            <a:r>
-              <a:rPr lang="en-US" dirty="0" err="1" smtClean="0"/>
-              <a:t>ItemListener</a:t>
-            </a:r>
-            <a:r>
-              <a:rPr lang="en-US" dirty="0" smtClean="0"/>
-              <a:t> (</a:t>
-            </a:r>
-            <a:r>
-              <a:rPr lang="en-US" dirty="0" err="1" smtClean="0"/>
-              <a:t>ItemEvent</a:t>
-            </a:r>
-            <a:r>
-              <a:rPr lang="en-US" dirty="0" smtClean="0"/>
-              <a:t>), </a:t>
-            </a:r>
-            <a:r>
-              <a:rPr lang="en-US" dirty="0" err="1" smtClean="0"/>
-              <a:t>MouseListener</a:t>
-            </a:r>
-            <a:r>
-              <a:rPr lang="en-US" dirty="0" smtClean="0"/>
-              <a:t> (</a:t>
-            </a:r>
-            <a:r>
-              <a:rPr lang="en-US" dirty="0" err="1" smtClean="0"/>
-              <a:t>MouseEvent</a:t>
-            </a:r>
-            <a:r>
-              <a:rPr lang="en-US" dirty="0" smtClean="0"/>
-              <a:t>), </a:t>
-            </a:r>
-            <a:r>
-              <a:rPr lang="en-US" dirty="0" err="1" smtClean="0"/>
-              <a:t>WindowListener</a:t>
-            </a:r>
-            <a:r>
-              <a:rPr lang="en-US" dirty="0" smtClean="0"/>
-              <a:t> (</a:t>
-            </a:r>
-            <a:r>
-              <a:rPr lang="en-US" dirty="0" err="1" smtClean="0"/>
-              <a:t>WindowEvent</a:t>
-            </a:r>
-            <a:r>
-              <a:rPr lang="en-US" dirty="0" smtClean="0"/>
-              <a:t>), </a:t>
-            </a:r>
-            <a:r>
-              <a:rPr lang="en-US" dirty="0" err="1" smtClean="0"/>
-              <a:t>MouseMotionListener</a:t>
-            </a:r>
-            <a:r>
-              <a:rPr lang="en-US" dirty="0" smtClean="0"/>
-              <a:t> (</a:t>
-            </a:r>
-            <a:r>
-              <a:rPr lang="en-US" dirty="0" err="1" smtClean="0"/>
-              <a:t>MouseEvent</a:t>
-            </a:r>
-            <a:r>
-              <a:rPr lang="en-US" dirty="0" smtClean="0"/>
-              <a:t>), </a:t>
-            </a:r>
-            <a:r>
-              <a:rPr lang="en-US" dirty="0" err="1" smtClean="0"/>
-              <a:t>KeyListener</a:t>
-            </a:r>
-            <a:r>
-              <a:rPr lang="en-US" dirty="0" smtClean="0"/>
-              <a:t> (</a:t>
-            </a:r>
-            <a:r>
-              <a:rPr lang="en-US" dirty="0" err="1" smtClean="0"/>
-              <a:t>KeyEvent</a:t>
-            </a:r>
-            <a:r>
-              <a:rPr lang="en-US" dirty="0" smtClean="0"/>
-              <a:t>), etc.</a:t>
-            </a:r>
-          </a:p>
-          <a:p>
-            <a:r>
-              <a:rPr lang="en-US" dirty="0" smtClean="0"/>
-              <a:t>Class Hierarchy Big Picture: </a:t>
-            </a:r>
-            <a:r>
-              <a:rPr lang="en-US" dirty="0" smtClean="0">
-                <a:hlinkClick r:id="rId2"/>
-              </a:rPr>
-              <a:t>AWT Hierarchy</a:t>
-            </a:r>
-            <a:r>
-              <a:rPr lang="en-US" dirty="0" smtClean="0"/>
-              <a:t> </a:t>
-            </a:r>
-          </a:p>
-          <a:p>
-            <a:r>
-              <a:rPr lang="en-US" dirty="0" smtClean="0"/>
-              <a:t>Event handling – Changing state of an object is event. Handling event involves registering event with methods like </a:t>
-            </a:r>
-            <a:r>
-              <a:rPr lang="en-US" dirty="0" err="1" smtClean="0"/>
-              <a:t>addActionListener</a:t>
-            </a:r>
-            <a:r>
-              <a:rPr lang="en-US" dirty="0" smtClean="0"/>
-              <a:t>(), </a:t>
-            </a:r>
-            <a:r>
-              <a:rPr lang="en-US" dirty="0" err="1" smtClean="0"/>
-              <a:t>addItemListener</a:t>
-            </a:r>
-            <a:r>
-              <a:rPr lang="en-US" dirty="0" smtClean="0"/>
-              <a:t>(), etc. The event is handled by methods of listener interface methods like </a:t>
-            </a:r>
-            <a:r>
-              <a:rPr lang="en-US" dirty="0" err="1" smtClean="0"/>
-              <a:t>actionPerformed</a:t>
-            </a:r>
-            <a:r>
-              <a:rPr lang="en-US" dirty="0" smtClean="0"/>
-              <a:t>(), </a:t>
-            </a:r>
-            <a:r>
-              <a:rPr lang="en-US" dirty="0" err="1" smtClean="0"/>
-              <a:t>mouseEntered</a:t>
-            </a:r>
-            <a:r>
-              <a:rPr lang="en-US" dirty="0" smtClean="0"/>
-              <a:t>(), </a:t>
-            </a:r>
-            <a:r>
-              <a:rPr lang="en-US" dirty="0" err="1" smtClean="0"/>
-              <a:t>mouseClicked</a:t>
-            </a:r>
-            <a:r>
-              <a:rPr lang="en-US" dirty="0" smtClean="0"/>
-              <a:t>(), </a:t>
-            </a:r>
-            <a:r>
-              <a:rPr lang="en-US" dirty="0" err="1" smtClean="0"/>
-              <a:t>keyPressed</a:t>
-            </a:r>
-            <a:r>
-              <a:rPr lang="en-US" dirty="0" smtClean="0"/>
-              <a:t>(), etc.</a:t>
-            </a:r>
-          </a:p>
-          <a:p>
-            <a:r>
-              <a:rPr lang="en-US" dirty="0" smtClean="0"/>
-              <a:t>Every component has its unique methods &amp; members that form the component &amp; its behavior. All components are subclasses of Component class.</a:t>
-            </a:r>
-            <a:endParaRPr lang="en-US" dirty="0"/>
-          </a:p>
-        </p:txBody>
-      </p:sp>
-    </p:spTree>
-  </p:cSld>
-  <p:clrMapOvr>
-    <a:masterClrMapping/>
-  </p:clrMapOvr>
-</p:sld>
-</file>
-
-<file path=ppt/slides/slide5.xml><?xml version="1.0" encoding="utf-8"?>
-<p:sld xmlns:a="http://schemas.openxmlformats.org/drawingml/2006/main" xmlns:r="http://schemas.openxmlformats.org/officeDocument/2006/relationships" xmlns:p="http://schemas.openxmlformats.org/presentationml/2006/main">
-  <p:cSld>
-    <p:spTree>
-      <p:nvGrpSpPr>
-        <p:cNvPr id="1" name=""/>
-        <p:cNvGrpSpPr/>
-        <p:nvPr/>
-      </p:nvGrpSpPr>
-      <p:grpSpPr>
-        <a:xfrm>
-          <a:off x="0" y="0"/>
-          <a:ext cx="0" cy="0"/>
-          <a:chOff x="0" y="0"/>
-          <a:chExt cx="0" cy="0"/>
-        </a:xfrm>
-      </p:grpSpPr>
-      <p:sp>
-        <p:nvSpPr>
-          <p:cNvPr id="2" name="Title 1"/>
-          <p:cNvSpPr>
-            <a:spLocks noGrp="1"/>
-          </p:cNvSpPr>
-          <p:nvPr>
-            <p:ph type="title"/>
-          </p:nvPr>
-        </p:nvSpPr>
-        <p:spPr/>
-        <p:txBody>
-          <a:bodyPr/>
-          <a:lstStyle/>
-          <a:p>
-            <a:r>
-              <a:rPr lang="en-US" dirty="0" smtClean="0"/>
-              <a:t>C++ </a:t>
-            </a:r>
-            <a:r>
-              <a:rPr lang="en-US" dirty="0" err="1" smtClean="0"/>
-              <a:t>vs</a:t>
-            </a:r>
-            <a:r>
-              <a:rPr lang="en-US" dirty="0" smtClean="0"/>
-              <a:t> Java</a:t>
+              <a:t>Java Conversions</a:t>
             </a:r>
             <a:endParaRPr lang="en-US" dirty="0"/>
           </a:p>
@@ -14929,638 +14683,182 @@
           <a:p>
             <a:r>
               <a:rPr lang="en-US" dirty="0" smtClean="0"/>
-              <a:t>Purely object-oriented (place of virtual method).</a:t>
-            </a:r>
-          </a:p>
-          <a:p>
-            <a:r>
-              <a:rPr lang="en-US" dirty="0" smtClean="0"/>
-              <a:t>Pointers and call by reference.</a:t>
-            </a:r>
-          </a:p>
-          <a:p>
-            <a:r>
-              <a:rPr lang="en-US" dirty="0" err="1" smtClean="0"/>
-              <a:t>Goto</a:t>
-            </a:r>
-            <a:r>
-              <a:rPr lang="en-US" dirty="0" smtClean="0"/>
-              <a:t> statement.</a:t>
-            </a:r>
-          </a:p>
-          <a:p>
-            <a:r>
-              <a:rPr lang="en-US" dirty="0" smtClean="0"/>
-              <a:t>Platform dependency.</a:t>
-            </a:r>
-          </a:p>
-          <a:p>
-            <a:r>
-              <a:rPr lang="en-US" dirty="0" smtClean="0"/>
-              <a:t>Compiled and Interpreted.</a:t>
-            </a:r>
-          </a:p>
-          <a:p>
-            <a:r>
-              <a:rPr lang="en-US" dirty="0" smtClean="0"/>
-              <a:t>Structure &amp; union.</a:t>
-            </a:r>
-          </a:p>
-          <a:p>
-            <a:r>
-              <a:rPr lang="en-US" dirty="0" smtClean="0"/>
-              <a:t>Operator overloading.</a:t>
-            </a:r>
-          </a:p>
-          <a:p>
-            <a:r>
-              <a:rPr lang="en-US" dirty="0" smtClean="0"/>
-              <a:t>Multiple inheritance.</a:t>
-            </a:r>
-          </a:p>
-          <a:p>
-            <a:r>
-              <a:rPr lang="en-US" dirty="0" smtClean="0"/>
-              <a:t>Multi-threading, virtual keyword.</a:t>
-            </a:r>
-          </a:p>
-          <a:p>
-            <a:r>
-              <a:rPr lang="en-US" dirty="0" smtClean="0"/>
-              <a:t>#include directive and import.</a:t>
-            </a:r>
-          </a:p>
-        </p:txBody>
-      </p:sp>
-    </p:spTree>
-  </p:cSld>
-  <p:clrMapOvr>
-    <a:masterClrMapping/>
-  </p:clrMapOvr>
-  <p:timing>
-    <p:tnLst>
-      <p:par>
-        <p:cTn id="1" dur="indefinite" restart="never" nodeType="tmRoot"/>
-      </p:par>
-    </p:tnLst>
-  </p:timing>
-</p:sld>
-</file>
-
-<file path=ppt/slides/slide50.xml><?xml version="1.0" encoding="utf-8"?>
-<p:sld xmlns:a="http://schemas.openxmlformats.org/drawingml/2006/main" xmlns:r="http://schemas.openxmlformats.org/officeDocument/2006/relationships" xmlns:p="http://schemas.openxmlformats.org/presentationml/2006/main">
-  <p:cSld>
-    <p:spTree>
-      <p:nvGrpSpPr>
-        <p:cNvPr id="1" name=""/>
-        <p:cNvGrpSpPr/>
-        <p:nvPr/>
-      </p:nvGrpSpPr>
-      <p:grpSpPr>
-        <a:xfrm>
-          <a:off x="0" y="0"/>
-          <a:ext cx="0" cy="0"/>
-          <a:chOff x="0" y="0"/>
-          <a:chExt cx="0" cy="0"/>
-        </a:xfrm>
-      </p:grpSpPr>
-      <p:sp>
-        <p:nvSpPr>
-          <p:cNvPr id="2" name="Title 1"/>
-          <p:cNvSpPr>
-            <a:spLocks noGrp="1"/>
-          </p:cNvSpPr>
-          <p:nvPr>
-            <p:ph type="title"/>
-          </p:nvPr>
-        </p:nvSpPr>
-        <p:spPr>
-          <a:xfrm>
-            <a:off x="729450" y="1236457"/>
-            <a:ext cx="7688700" cy="535200"/>
-          </a:xfrm>
-        </p:spPr>
-        <p:txBody>
-          <a:bodyPr/>
-          <a:lstStyle/>
-          <a:p>
-            <a:r>
-              <a:rPr lang="en-US" dirty="0" smtClean="0"/>
-              <a:t>Java Swing &amp; Layout Manager</a:t>
-            </a:r>
-            <a:endParaRPr lang="en-US" dirty="0"/>
-          </a:p>
-        </p:txBody>
-      </p:sp>
-      <p:sp>
-        <p:nvSpPr>
-          <p:cNvPr id="3" name="Text Placeholder 2"/>
-          <p:cNvSpPr>
-            <a:spLocks noGrp="1"/>
-          </p:cNvSpPr>
-          <p:nvPr>
-            <p:ph type="body" idx="1"/>
-          </p:nvPr>
-        </p:nvSpPr>
-        <p:spPr>
-          <a:xfrm>
-            <a:off x="739723" y="1698730"/>
-            <a:ext cx="8096052" cy="3444769"/>
-          </a:xfrm>
-        </p:spPr>
-        <p:txBody>
-          <a:bodyPr/>
-          <a:lstStyle/>
-          <a:p>
-            <a:r>
-              <a:rPr lang="en-US" dirty="0" smtClean="0"/>
-              <a:t>Java Swing is part of JFC (java Foundation Classes) used to develop GUI/window based apps. Swing is lightweight &amp; components are platform independent. Package </a:t>
-            </a:r>
-            <a:r>
-              <a:rPr lang="en-US" dirty="0" err="1" smtClean="0"/>
-              <a:t>javax.swing</a:t>
-            </a:r>
-            <a:r>
-              <a:rPr lang="en-US" dirty="0" smtClean="0"/>
-              <a:t> contains all the classes like </a:t>
-            </a:r>
-            <a:r>
-              <a:rPr lang="en-US" dirty="0" err="1" smtClean="0"/>
-              <a:t>JTextField</a:t>
-            </a:r>
-            <a:r>
-              <a:rPr lang="en-US" dirty="0" smtClean="0"/>
-              <a:t>, </a:t>
-            </a:r>
-            <a:r>
-              <a:rPr lang="en-US" dirty="0" err="1" smtClean="0"/>
-              <a:t>JTextArea</a:t>
-            </a:r>
-            <a:r>
-              <a:rPr lang="en-US" dirty="0" smtClean="0"/>
-              <a:t>, </a:t>
-            </a:r>
-            <a:r>
-              <a:rPr lang="en-US" dirty="0" err="1" smtClean="0"/>
-              <a:t>JPasswordField</a:t>
-            </a:r>
-            <a:r>
-              <a:rPr lang="en-US" dirty="0" smtClean="0"/>
-              <a:t>, </a:t>
-            </a:r>
-            <a:r>
-              <a:rPr lang="en-US" dirty="0" err="1" smtClean="0"/>
-              <a:t>JButton</a:t>
-            </a:r>
-            <a:r>
-              <a:rPr lang="en-US" dirty="0" smtClean="0"/>
-              <a:t>, </a:t>
-            </a:r>
-            <a:r>
-              <a:rPr lang="en-US" dirty="0" err="1" smtClean="0"/>
-              <a:t>JCheckBox</a:t>
-            </a:r>
-            <a:r>
-              <a:rPr lang="en-US" dirty="0" smtClean="0"/>
-              <a:t>, </a:t>
-            </a:r>
-            <a:r>
-              <a:rPr lang="en-US" dirty="0" err="1" smtClean="0"/>
-              <a:t>JRadioButton</a:t>
-            </a:r>
-            <a:r>
-              <a:rPr lang="en-US" dirty="0" smtClean="0"/>
-              <a:t>, </a:t>
-            </a:r>
-            <a:r>
-              <a:rPr lang="en-US" dirty="0" err="1" smtClean="0"/>
-              <a:t>JComboBox</a:t>
-            </a:r>
-            <a:r>
-              <a:rPr lang="en-US" dirty="0" smtClean="0"/>
-              <a:t>, </a:t>
-            </a:r>
-            <a:r>
-              <a:rPr lang="en-US" dirty="0" err="1" smtClean="0"/>
-              <a:t>Jmenu</a:t>
-            </a:r>
-            <a:r>
-              <a:rPr lang="en-US" dirty="0" smtClean="0"/>
-              <a:t>, </a:t>
-            </a:r>
-            <a:r>
-              <a:rPr lang="en-US" dirty="0" err="1" smtClean="0"/>
-              <a:t>JMenubar</a:t>
-            </a:r>
-            <a:r>
-              <a:rPr lang="en-US" dirty="0" smtClean="0"/>
-              <a:t>, </a:t>
-            </a:r>
-            <a:r>
-              <a:rPr lang="en-US" dirty="0" err="1" smtClean="0"/>
-              <a:t>JMenuItem</a:t>
-            </a:r>
-            <a:r>
-              <a:rPr lang="en-US" dirty="0" smtClean="0"/>
-              <a:t>, </a:t>
-            </a:r>
-            <a:r>
-              <a:rPr lang="en-US" dirty="0" err="1" smtClean="0"/>
-              <a:t>JList</a:t>
-            </a:r>
-            <a:r>
-              <a:rPr lang="en-US" dirty="0" smtClean="0"/>
-              <a:t>, </a:t>
-            </a:r>
-            <a:r>
-              <a:rPr lang="en-US" dirty="0" err="1" smtClean="0"/>
-              <a:t>JFrame</a:t>
-            </a:r>
-            <a:r>
-              <a:rPr lang="en-US" dirty="0" smtClean="0"/>
-              <a:t>, </a:t>
-            </a:r>
-            <a:r>
-              <a:rPr lang="en-US" dirty="0" err="1" smtClean="0"/>
-              <a:t>JFileChooser</a:t>
-            </a:r>
-            <a:r>
-              <a:rPr lang="en-US" dirty="0" smtClean="0"/>
-              <a:t>, </a:t>
-            </a:r>
-            <a:r>
-              <a:rPr lang="en-US" dirty="0" err="1" smtClean="0"/>
-              <a:t>JLabel</a:t>
-            </a:r>
-            <a:r>
-              <a:rPr lang="en-US" dirty="0" smtClean="0"/>
-              <a:t>, </a:t>
-            </a:r>
-            <a:r>
-              <a:rPr lang="en-US" dirty="0" err="1" smtClean="0"/>
-              <a:t>JScrollPane</a:t>
-            </a:r>
-            <a:r>
-              <a:rPr lang="en-US" dirty="0" smtClean="0"/>
-              <a:t>, </a:t>
-            </a:r>
-            <a:r>
-              <a:rPr lang="en-US" dirty="0" err="1" smtClean="0"/>
-              <a:t>JPanel</a:t>
-            </a:r>
-            <a:r>
-              <a:rPr lang="en-US" dirty="0" smtClean="0"/>
-              <a:t>, </a:t>
-            </a:r>
-            <a:r>
-              <a:rPr lang="en-US" dirty="0" err="1" smtClean="0"/>
-              <a:t>JDialog</a:t>
-            </a:r>
-            <a:r>
-              <a:rPr lang="en-US" dirty="0" smtClean="0"/>
-              <a:t>, </a:t>
-            </a:r>
-            <a:r>
-              <a:rPr lang="en-US" dirty="0" err="1" smtClean="0"/>
-              <a:t>JTabbedPane</a:t>
-            </a:r>
-            <a:r>
-              <a:rPr lang="en-US" dirty="0" smtClean="0"/>
-              <a:t>, </a:t>
-            </a:r>
-            <a:r>
-              <a:rPr lang="en-US" dirty="0" err="1" smtClean="0"/>
-              <a:t>JSpinner</a:t>
-            </a:r>
-            <a:r>
-              <a:rPr lang="en-US" dirty="0" smtClean="0"/>
-              <a:t>, etc. All components are subclasses of </a:t>
-            </a:r>
-            <a:r>
-              <a:rPr lang="en-US" dirty="0" err="1" smtClean="0"/>
-              <a:t>JComponent</a:t>
-            </a:r>
-            <a:r>
-              <a:rPr lang="en-US" dirty="0" smtClean="0"/>
-              <a:t>.</a:t>
-            </a:r>
-          </a:p>
-          <a:p>
-            <a:r>
-              <a:rPr lang="en-US" dirty="0" smtClean="0"/>
-              <a:t>Java swing has better look and feel than AWT &amp; it is based on MVC, also it has more powerful components.</a:t>
-            </a:r>
-          </a:p>
-          <a:p>
-            <a:r>
-              <a:rPr lang="en-US" dirty="0" smtClean="0"/>
-              <a:t>Class Hierarchy Big Picture: </a:t>
-            </a:r>
-            <a:r>
-              <a:rPr lang="en-US" dirty="0" smtClean="0">
-                <a:hlinkClick r:id="rId2"/>
-              </a:rPr>
-              <a:t>Swing Hierarchy</a:t>
-            </a:r>
+              <a:t>Primary to Primary (upward) – direct assignment. E.g. </a:t>
+            </a:r>
+            <a:r>
+              <a:rPr lang="en-US" dirty="0" err="1" smtClean="0"/>
+              <a:t>int</a:t>
+            </a:r>
+            <a:r>
+              <a:rPr lang="en-US" dirty="0" smtClean="0"/>
+              <a:t> to float.</a:t>
+            </a:r>
+          </a:p>
+          <a:p>
+            <a:r>
+              <a:rPr lang="en-US" dirty="0" smtClean="0"/>
+              <a:t>Primary to Primary (downward) – typecasting. E.g. float to int.</a:t>
+            </a:r>
+          </a:p>
+          <a:p>
+            <a:r>
+              <a:rPr lang="en-US" dirty="0" smtClean="0"/>
+              <a:t>Primary to String – </a:t>
+            </a:r>
+            <a:r>
+              <a:rPr lang="en-US" dirty="0" err="1" smtClean="0"/>
+              <a:t>String.valueOf</a:t>
+            </a:r>
+            <a:r>
+              <a:rPr lang="en-US" dirty="0" smtClean="0"/>
+              <a:t>(value), </a:t>
+            </a:r>
+            <a:r>
+              <a:rPr lang="en-US" dirty="0" err="1" smtClean="0"/>
+              <a:t>WrapperClass.toString</a:t>
+            </a:r>
+            <a:r>
+              <a:rPr lang="en-US" dirty="0" smtClean="0"/>
+              <a:t>(value).</a:t>
+            </a:r>
+          </a:p>
+          <a:p>
+            <a:r>
+              <a:rPr lang="en-US" dirty="0" smtClean="0"/>
+              <a:t>String to Primary – </a:t>
+            </a:r>
+            <a:r>
+              <a:rPr lang="en-US" dirty="0" err="1" smtClean="0"/>
+              <a:t>WrapperClass.parseType</a:t>
+            </a:r>
+            <a:r>
+              <a:rPr lang="en-US" dirty="0" smtClean="0"/>
+              <a:t>(String).</a:t>
+            </a:r>
+          </a:p>
+          <a:p>
+            <a:r>
+              <a:rPr lang="en-US" dirty="0" smtClean="0"/>
+              <a:t>String to Date &amp; vice-versa – </a:t>
+            </a:r>
+            <a:r>
+              <a:rPr lang="en-US" dirty="0" err="1" smtClean="0"/>
+              <a:t>SimpleDateFormat</a:t>
+            </a:r>
+            <a:r>
+              <a:rPr lang="en-US" dirty="0" smtClean="0"/>
+              <a:t> methods - parse() &amp; format().</a:t>
+            </a:r>
+          </a:p>
+          <a:p>
+            <a:r>
+              <a:rPr lang="en-US" dirty="0" smtClean="0"/>
+              <a:t>String to Object &amp; vice-versa – direct assignment &amp; </a:t>
+            </a:r>
+            <a:r>
+              <a:rPr lang="en-US" dirty="0" err="1" smtClean="0"/>
+              <a:t>Object.toString</a:t>
+            </a:r>
+            <a:r>
+              <a:rPr lang="en-US" dirty="0" smtClean="0"/>
+              <a:t>().</a:t>
+            </a:r>
+          </a:p>
+          <a:p>
+            <a:r>
+              <a:rPr lang="en-US" dirty="0" smtClean="0"/>
+              <a:t>Binary to Decimal &amp; vice-versa – </a:t>
+            </a:r>
+            <a:r>
+              <a:rPr lang="en-US" dirty="0" err="1" smtClean="0"/>
+              <a:t>Integer.parseInt</a:t>
+            </a:r>
+            <a:r>
+              <a:rPr lang="en-US" dirty="0" smtClean="0"/>
+              <a:t>(</a:t>
+            </a:r>
+            <a:r>
+              <a:rPr lang="en-US" dirty="0" err="1" smtClean="0"/>
+              <a:t>str</a:t>
+            </a:r>
+            <a:r>
+              <a:rPr lang="en-US" dirty="0" smtClean="0"/>
+              <a:t>, 2) &amp; </a:t>
+            </a:r>
+            <a:r>
+              <a:rPr lang="en-US" dirty="0" err="1" smtClean="0"/>
+              <a:t>Integer.toBinaryString</a:t>
+            </a:r>
+            <a:r>
+              <a:rPr lang="en-US" dirty="0" smtClean="0"/>
+              <a:t>().</a:t>
+            </a:r>
+          </a:p>
+          <a:p>
+            <a:r>
+              <a:rPr lang="en-US" dirty="0" smtClean="0"/>
+              <a:t>Hex to Decimal &amp; vice-versa – </a:t>
+            </a:r>
+            <a:r>
+              <a:rPr lang="en-US" dirty="0" err="1" smtClean="0"/>
+              <a:t>Integer.parseInt</a:t>
+            </a:r>
+            <a:r>
+              <a:rPr lang="en-US" dirty="0" smtClean="0"/>
+              <a:t>(</a:t>
+            </a:r>
+            <a:r>
+              <a:rPr lang="en-US" dirty="0" err="1" smtClean="0"/>
+              <a:t>str</a:t>
+            </a:r>
+            <a:r>
+              <a:rPr lang="en-US" dirty="0" smtClean="0"/>
+              <a:t>, 16) &amp; </a:t>
+            </a:r>
+            <a:r>
+              <a:rPr lang="en-US" dirty="0" err="1" smtClean="0"/>
+              <a:t>Integer.toHexString</a:t>
+            </a:r>
+            <a:r>
+              <a:rPr lang="en-US" dirty="0" smtClean="0"/>
+              <a:t>().</a:t>
+            </a:r>
+          </a:p>
+          <a:p>
+            <a:r>
+              <a:rPr lang="en-US" dirty="0" smtClean="0"/>
+              <a:t>Octal to Decimal &amp; vice-versa – </a:t>
+            </a:r>
+            <a:r>
+              <a:rPr lang="en-US" dirty="0" err="1" smtClean="0"/>
+              <a:t>Integer.parseInt</a:t>
+            </a:r>
+            <a:r>
+              <a:rPr lang="en-US" dirty="0" smtClean="0"/>
+              <a:t>(</a:t>
+            </a:r>
+            <a:r>
+              <a:rPr lang="en-US" dirty="0" err="1" smtClean="0"/>
+              <a:t>str</a:t>
+            </a:r>
+            <a:r>
+              <a:rPr lang="en-US" dirty="0" smtClean="0"/>
+              <a:t>, 8) &amp; </a:t>
+            </a:r>
+            <a:r>
+              <a:rPr lang="en-US" dirty="0" err="1" smtClean="0"/>
+              <a:t>Integer.toOctalString</a:t>
+            </a:r>
+            <a:r>
+              <a:rPr lang="en-US" dirty="0" smtClean="0"/>
+              <a:t>().</a:t>
+            </a:r>
+          </a:p>
+          <a:p>
+            <a:pPr>
+              <a:buNone/>
+            </a:pPr>
             <a:endParaRPr lang="en-US" dirty="0" smtClean="0"/>
-          </a:p>
-          <a:p>
-            <a:r>
-              <a:rPr lang="en-US" dirty="0" smtClean="0"/>
-              <a:t>Every component has its unique methods &amp; members that form the component &amp; its behavior.</a:t>
-            </a:r>
-          </a:p>
-          <a:p>
-            <a:r>
-              <a:rPr lang="en-US" dirty="0" smtClean="0"/>
-              <a:t>Layout managers are used to place various components inside containers. All layout managers implement </a:t>
-            </a:r>
-            <a:r>
-              <a:rPr lang="en-US" dirty="0" err="1" smtClean="0"/>
-              <a:t>LayoutManager</a:t>
-            </a:r>
-            <a:r>
-              <a:rPr lang="en-US" dirty="0" smtClean="0"/>
-              <a:t> interface. Layout managers are available in both packages. Some of the layout managers are </a:t>
-            </a:r>
-            <a:r>
-              <a:rPr lang="en-US" dirty="0" err="1" smtClean="0"/>
-              <a:t>BorderLayout</a:t>
-            </a:r>
-            <a:r>
-              <a:rPr lang="en-US" dirty="0" smtClean="0"/>
-              <a:t>, </a:t>
-            </a:r>
-            <a:r>
-              <a:rPr lang="en-US" dirty="0" err="1" smtClean="0"/>
-              <a:t>FlowLayout</a:t>
-            </a:r>
-            <a:r>
-              <a:rPr lang="en-US" dirty="0" smtClean="0"/>
-              <a:t>, </a:t>
-            </a:r>
-            <a:r>
-              <a:rPr lang="en-US" dirty="0" err="1" smtClean="0"/>
-              <a:t>GridLayout</a:t>
-            </a:r>
-            <a:r>
-              <a:rPr lang="en-US" dirty="0" smtClean="0"/>
-              <a:t>, </a:t>
-            </a:r>
-            <a:r>
-              <a:rPr lang="en-US" dirty="0" err="1" smtClean="0"/>
-              <a:t>BoxLayout</a:t>
-            </a:r>
-            <a:r>
-              <a:rPr lang="en-US" dirty="0" smtClean="0"/>
-              <a:t>, </a:t>
-            </a:r>
-            <a:r>
-              <a:rPr lang="en-US" dirty="0" err="1" smtClean="0"/>
-              <a:t>Cardlayout</a:t>
-            </a:r>
-            <a:r>
-              <a:rPr lang="en-US" dirty="0" smtClean="0"/>
-              <a:t>, </a:t>
-            </a:r>
-            <a:r>
-              <a:rPr lang="en-US" dirty="0" err="1" smtClean="0"/>
-              <a:t>GridBagLayout</a:t>
-            </a:r>
-            <a:r>
-              <a:rPr lang="en-US" dirty="0" smtClean="0"/>
-              <a:t>, </a:t>
-            </a:r>
-            <a:r>
-              <a:rPr lang="en-US" dirty="0" err="1" smtClean="0"/>
-              <a:t>GroupLayout</a:t>
-            </a:r>
-            <a:r>
-              <a:rPr lang="en-US" dirty="0" smtClean="0"/>
-              <a:t>, </a:t>
-            </a:r>
-            <a:r>
-              <a:rPr lang="en-US" dirty="0" err="1" smtClean="0"/>
-              <a:t>ScrollPaneLayout</a:t>
-            </a:r>
-            <a:r>
-              <a:rPr lang="en-US" dirty="0" smtClean="0"/>
-              <a:t>, etc.</a:t>
-            </a:r>
-            <a:endParaRPr lang="en-US" dirty="0"/>
-          </a:p>
-        </p:txBody>
-      </p:sp>
-    </p:spTree>
-  </p:cSld>
-  <p:clrMapOvr>
-    <a:masterClrMapping/>
-  </p:clrMapOvr>
-  <p:timing>
-    <p:tnLst>
-      <p:par>
-        <p:cTn id="1" dur="indefinite" restart="never" nodeType="tmRoot"/>
-      </p:par>
-    </p:tnLst>
-  </p:timing>
-</p:sld>
-</file>
-
-<file path=ppt/slides/slide51.xml><?xml version="1.0" encoding="utf-8"?>
-<p:sld xmlns:a="http://schemas.openxmlformats.org/drawingml/2006/main" xmlns:r="http://schemas.openxmlformats.org/officeDocument/2006/relationships" xmlns:p="http://schemas.openxmlformats.org/presentationml/2006/main">
-  <p:cSld>
-    <p:spTree>
-      <p:nvGrpSpPr>
-        <p:cNvPr id="1" name=""/>
-        <p:cNvGrpSpPr/>
-        <p:nvPr/>
-      </p:nvGrpSpPr>
-      <p:grpSpPr>
-        <a:xfrm>
-          <a:off x="0" y="0"/>
-          <a:ext cx="0" cy="0"/>
-          <a:chOff x="0" y="0"/>
-          <a:chExt cx="0" cy="0"/>
-        </a:xfrm>
-      </p:grpSpPr>
-      <p:sp>
-        <p:nvSpPr>
-          <p:cNvPr id="2" name="Title 1"/>
-          <p:cNvSpPr>
-            <a:spLocks noGrp="1"/>
-          </p:cNvSpPr>
-          <p:nvPr>
-            <p:ph type="title"/>
-          </p:nvPr>
-        </p:nvSpPr>
-        <p:spPr/>
-        <p:txBody>
-          <a:bodyPr/>
-          <a:lstStyle/>
-          <a:p>
-            <a:r>
-              <a:rPr lang="en-US" dirty="0" smtClean="0"/>
-              <a:t>Applet</a:t>
-            </a:r>
-            <a:endParaRPr lang="en-US" dirty="0"/>
-          </a:p>
-        </p:txBody>
-      </p:sp>
-      <p:sp>
-        <p:nvSpPr>
-          <p:cNvPr id="3" name="Text Placeholder 2"/>
-          <p:cNvSpPr>
-            <a:spLocks noGrp="1"/>
-          </p:cNvSpPr>
-          <p:nvPr>
-            <p:ph type="body" idx="1"/>
-          </p:nvPr>
-        </p:nvSpPr>
-        <p:spPr>
-          <a:xfrm>
-            <a:off x="729450" y="2078874"/>
-            <a:ext cx="7688700" cy="3064625"/>
-          </a:xfrm>
-        </p:spPr>
-        <p:txBody>
-          <a:bodyPr/>
-          <a:lstStyle/>
-          <a:p>
-            <a:r>
-              <a:rPr lang="en-US" dirty="0" smtClean="0"/>
-              <a:t>Java applet are classes that can be run in browser at client-side &amp; can serve dynamic content. We can run applet using html files or </a:t>
-            </a:r>
-            <a:r>
-              <a:rPr lang="en-US" dirty="0" err="1" smtClean="0"/>
-              <a:t>appletviewer</a:t>
-            </a:r>
-            <a:r>
-              <a:rPr lang="en-US" dirty="0" smtClean="0"/>
-              <a:t> tool. Applet is secured &amp; run within browser. We create applet class by extending to </a:t>
-            </a:r>
-            <a:r>
-              <a:rPr lang="en-US" dirty="0" err="1" smtClean="0"/>
-              <a:t>java.awt.Applet</a:t>
-            </a:r>
-            <a:r>
-              <a:rPr lang="en-US" dirty="0" smtClean="0"/>
-              <a:t> or </a:t>
-            </a:r>
-            <a:r>
-              <a:rPr lang="en-US" dirty="0" err="1" smtClean="0"/>
-              <a:t>javax.swing.JApplet</a:t>
-            </a:r>
-            <a:r>
-              <a:rPr lang="en-US" dirty="0" smtClean="0"/>
-              <a:t> class.</a:t>
-            </a:r>
-          </a:p>
-          <a:p>
-            <a:r>
-              <a:rPr lang="en-US" dirty="0" smtClean="0"/>
-              <a:t>The applet life cycle involves steps like init(), start(), paint(), stop(), destroy(). Java plug-in software is responsible for running applets.</a:t>
-            </a:r>
-          </a:p>
-          <a:p>
-            <a:r>
-              <a:rPr lang="en-US" dirty="0" smtClean="0"/>
-              <a:t>Graphics object is passed to paint() method of Component class. It has various methods to draw various shapes like </a:t>
-            </a:r>
-            <a:r>
-              <a:rPr lang="en-US" dirty="0" err="1" smtClean="0"/>
-              <a:t>drawString</a:t>
-            </a:r>
-            <a:r>
-              <a:rPr lang="en-US" dirty="0" smtClean="0"/>
-              <a:t>(), </a:t>
-            </a:r>
-            <a:r>
-              <a:rPr lang="en-US" dirty="0" err="1" smtClean="0"/>
-              <a:t>drawOval</a:t>
-            </a:r>
-            <a:r>
-              <a:rPr lang="en-US" dirty="0" smtClean="0"/>
-              <a:t>(), </a:t>
-            </a:r>
-            <a:r>
-              <a:rPr lang="en-US" dirty="0" err="1" smtClean="0"/>
-              <a:t>fillOval</a:t>
-            </a:r>
-            <a:r>
-              <a:rPr lang="en-US" dirty="0" smtClean="0"/>
-              <a:t>(), </a:t>
-            </a:r>
-            <a:r>
-              <a:rPr lang="en-US" dirty="0" err="1" smtClean="0"/>
-              <a:t>drawRect</a:t>
-            </a:r>
-            <a:r>
-              <a:rPr lang="en-US" dirty="0" smtClean="0"/>
-              <a:t>(), </a:t>
-            </a:r>
-            <a:r>
-              <a:rPr lang="en-US" dirty="0" err="1" smtClean="0"/>
-              <a:t>fillArc</a:t>
-            </a:r>
-            <a:r>
-              <a:rPr lang="en-US" dirty="0" smtClean="0"/>
-              <a:t>(), </a:t>
-            </a:r>
-            <a:r>
-              <a:rPr lang="en-US" dirty="0" err="1" smtClean="0"/>
-              <a:t>drawLine</a:t>
-            </a:r>
-            <a:r>
-              <a:rPr lang="en-US" dirty="0" smtClean="0"/>
-              <a:t>(), </a:t>
-            </a:r>
-            <a:r>
-              <a:rPr lang="en-US" dirty="0" err="1" smtClean="0"/>
-              <a:t>drawImage</a:t>
-            </a:r>
-            <a:r>
-              <a:rPr lang="en-US" dirty="0" smtClean="0"/>
-              <a:t>(), </a:t>
-            </a:r>
-            <a:r>
-              <a:rPr lang="en-US" dirty="0" err="1" smtClean="0"/>
-              <a:t>setColor</a:t>
-            </a:r>
-            <a:r>
-              <a:rPr lang="en-US" dirty="0" smtClean="0"/>
-              <a:t>(), </a:t>
-            </a:r>
-            <a:r>
-              <a:rPr lang="en-US" dirty="0" err="1" smtClean="0"/>
-              <a:t>setFont</a:t>
-            </a:r>
-            <a:r>
-              <a:rPr lang="en-US" dirty="0" smtClean="0"/>
-              <a:t>(), etc.</a:t>
-            </a:r>
-          </a:p>
-          <a:p>
-            <a:r>
-              <a:rPr lang="en-US" dirty="0" smtClean="0"/>
-              <a:t>Parameters can be passed to applet from html with &lt;</a:t>
-            </a:r>
-            <a:r>
-              <a:rPr lang="en-US" dirty="0" err="1" smtClean="0"/>
-              <a:t>param</a:t>
-            </a:r>
-            <a:r>
-              <a:rPr lang="en-US" dirty="0" smtClean="0"/>
-              <a:t>&gt; tag &amp; accessed in applet class using </a:t>
-            </a:r>
-            <a:r>
-              <a:rPr lang="en-US" dirty="0" err="1" smtClean="0"/>
-              <a:t>getParameter</a:t>
-            </a:r>
-            <a:r>
-              <a:rPr lang="en-US" dirty="0" smtClean="0"/>
-              <a:t>().</a:t>
-            </a:r>
-            <a:endParaRPr lang="en-US" dirty="0"/>
           </a:p>
         </p:txBody>
       </p:sp>
@@ -15572,484 +14870,7 @@
 </p:sld>
 </file>
 
-<file path=ppt/slides/slide52.xml><?xml version="1.0" encoding="utf-8"?>
-<p:sld xmlns:a="http://schemas.openxmlformats.org/drawingml/2006/main" xmlns:r="http://schemas.openxmlformats.org/officeDocument/2006/relationships" xmlns:p="http://schemas.openxmlformats.org/presentationml/2006/main">
-  <p:cSld>
-    <p:spTree>
-      <p:nvGrpSpPr>
-        <p:cNvPr id="1" name=""/>
-        <p:cNvGrpSpPr/>
-        <p:nvPr/>
-      </p:nvGrpSpPr>
-      <p:grpSpPr>
-        <a:xfrm>
-          <a:off x="0" y="0"/>
-          <a:ext cx="0" cy="0"/>
-          <a:chOff x="0" y="0"/>
-          <a:chExt cx="0" cy="0"/>
-        </a:xfrm>
-      </p:grpSpPr>
-      <p:sp>
-        <p:nvSpPr>
-          <p:cNvPr id="2" name="Title 1"/>
-          <p:cNvSpPr>
-            <a:spLocks noGrp="1"/>
-          </p:cNvSpPr>
-          <p:nvPr>
-            <p:ph type="title"/>
-          </p:nvPr>
-        </p:nvSpPr>
-        <p:spPr/>
-        <p:txBody>
-          <a:bodyPr/>
-          <a:lstStyle/>
-          <a:p>
-            <a:r>
-              <a:rPr lang="en-US" dirty="0" smtClean="0"/>
-              <a:t>Java Date, Time &amp; Calendar</a:t>
-            </a:r>
-            <a:endParaRPr lang="en-US" dirty="0"/>
-          </a:p>
-        </p:txBody>
-      </p:sp>
-      <p:sp>
-        <p:nvSpPr>
-          <p:cNvPr id="3" name="Text Placeholder 2"/>
-          <p:cNvSpPr>
-            <a:spLocks noGrp="1"/>
-          </p:cNvSpPr>
-          <p:nvPr>
-            <p:ph type="body" idx="1"/>
-          </p:nvPr>
-        </p:nvSpPr>
-        <p:spPr>
-          <a:xfrm>
-            <a:off x="729449" y="2078875"/>
-            <a:ext cx="7839197" cy="2261100"/>
-          </a:xfrm>
-        </p:spPr>
-        <p:txBody>
-          <a:bodyPr/>
-          <a:lstStyle/>
-          <a:p>
-            <a:r>
-              <a:rPr lang="en-US" dirty="0" smtClean="0"/>
-              <a:t>Date – represents date &amp; time in java. Provides constructor &amp; methods like Date(long ms), after(), before(), equals(), </a:t>
-            </a:r>
-            <a:r>
-              <a:rPr lang="en-US" dirty="0" err="1" smtClean="0"/>
-              <a:t>getTime</a:t>
-            </a:r>
-            <a:r>
-              <a:rPr lang="en-US" dirty="0" smtClean="0"/>
-              <a:t>(), </a:t>
-            </a:r>
-            <a:r>
-              <a:rPr lang="en-US" dirty="0" err="1" smtClean="0"/>
-              <a:t>setTime</a:t>
-            </a:r>
-            <a:r>
-              <a:rPr lang="en-US" dirty="0" smtClean="0"/>
-              <a:t>(), </a:t>
-            </a:r>
-            <a:r>
-              <a:rPr lang="en-US" dirty="0" err="1" smtClean="0"/>
-              <a:t>compareTo</a:t>
-            </a:r>
-            <a:r>
-              <a:rPr lang="en-US" dirty="0" smtClean="0"/>
-              <a:t>(), etc.</a:t>
-            </a:r>
-          </a:p>
-          <a:p>
-            <a:r>
-              <a:rPr lang="en-US" dirty="0" smtClean="0"/>
-              <a:t>Calendar - </a:t>
-            </a:r>
-            <a:r>
-              <a:rPr lang="en-US" dirty="0" smtClean="0"/>
-              <a:t>an abstract class that provides methods for </a:t>
-            </a:r>
-            <a:r>
-              <a:rPr lang="en-US" dirty="0" smtClean="0"/>
-              <a:t>manipulating date and </a:t>
-            </a:r>
-            <a:r>
-              <a:rPr lang="en-US" dirty="0" smtClean="0"/>
-              <a:t>a set of calendar fields such as MONTH, YEAR, HOUR, etc</a:t>
-            </a:r>
-            <a:r>
-              <a:rPr lang="en-US" dirty="0" smtClean="0"/>
-              <a:t>.</a:t>
-            </a:r>
-          </a:p>
-          <a:p>
-            <a:r>
-              <a:rPr lang="en-US" dirty="0" smtClean="0"/>
-              <a:t>There are various packages like </a:t>
-            </a:r>
-            <a:r>
-              <a:rPr lang="en-US" dirty="0" err="1" smtClean="0"/>
-              <a:t>java.time</a:t>
-            </a:r>
-            <a:r>
-              <a:rPr lang="en-US" dirty="0" smtClean="0"/>
-              <a:t>, </a:t>
-            </a:r>
-            <a:r>
-              <a:rPr lang="en-US" dirty="0" err="1" smtClean="0"/>
-              <a:t>java.util</a:t>
-            </a:r>
-            <a:r>
-              <a:rPr lang="en-US" dirty="0" smtClean="0"/>
-              <a:t>, java.sql, </a:t>
-            </a:r>
-            <a:r>
-              <a:rPr lang="en-US" dirty="0" err="1" smtClean="0"/>
-              <a:t>java.text</a:t>
-            </a:r>
-            <a:r>
-              <a:rPr lang="en-US" dirty="0" smtClean="0"/>
-              <a:t> that provide classes for date manipulation. </a:t>
-            </a:r>
-            <a:r>
-              <a:rPr lang="en-US" dirty="0" err="1" smtClean="0"/>
-              <a:t>j</a:t>
-            </a:r>
-            <a:r>
-              <a:rPr lang="en-US" dirty="0" err="1" smtClean="0"/>
-              <a:t>ava.time</a:t>
-            </a:r>
-            <a:r>
-              <a:rPr lang="en-US" dirty="0" smtClean="0"/>
-              <a:t> is introduced with Java 8. It provides wide range of date related classes like </a:t>
-            </a:r>
-            <a:r>
-              <a:rPr lang="en-US" dirty="0" err="1" smtClean="0"/>
-              <a:t>LocalTIme</a:t>
-            </a:r>
-            <a:r>
-              <a:rPr lang="en-US" dirty="0" smtClean="0"/>
-              <a:t>, </a:t>
-            </a:r>
-            <a:r>
-              <a:rPr lang="en-US" dirty="0" err="1" smtClean="0"/>
-              <a:t>LocalDate</a:t>
-            </a:r>
-            <a:r>
-              <a:rPr lang="en-US" dirty="0" smtClean="0"/>
-              <a:t>, Year, </a:t>
-            </a:r>
-            <a:r>
-              <a:rPr lang="en-US" dirty="0" err="1" smtClean="0"/>
-              <a:t>MonthDay</a:t>
-            </a:r>
-            <a:r>
-              <a:rPr lang="en-US" dirty="0" smtClean="0"/>
-              <a:t>, Clock, Period, Duration, Instant, etc.</a:t>
-            </a:r>
-          </a:p>
-          <a:p>
-            <a:r>
-              <a:rPr lang="en-US" dirty="0" smtClean="0"/>
-              <a:t>Date formatting – </a:t>
-            </a:r>
-            <a:r>
-              <a:rPr lang="en-US" dirty="0" err="1" smtClean="0"/>
-              <a:t>DateFormat</a:t>
-            </a:r>
-            <a:r>
-              <a:rPr lang="en-US" dirty="0" smtClean="0"/>
-              <a:t> &amp; </a:t>
-            </a:r>
-            <a:r>
-              <a:rPr lang="en-US" dirty="0" err="1" smtClean="0"/>
-              <a:t>SimpleDateFormat</a:t>
-            </a:r>
-            <a:r>
-              <a:rPr lang="en-US" dirty="0" smtClean="0"/>
-              <a:t> provide methods to format date in java. It converts(date to string) &amp; parses(string to date) date.</a:t>
-            </a:r>
-          </a:p>
-        </p:txBody>
-      </p:sp>
-    </p:spTree>
-  </p:cSld>
-  <p:clrMapOvr>
-    <a:masterClrMapping/>
-  </p:clrMapOvr>
-</p:sld>
-</file>
-
-<file path=ppt/slides/slide53.xml><?xml version="1.0" encoding="utf-8"?>
-<p:sld xmlns:a="http://schemas.openxmlformats.org/drawingml/2006/main" xmlns:r="http://schemas.openxmlformats.org/officeDocument/2006/relationships" xmlns:p="http://schemas.openxmlformats.org/presentationml/2006/main">
-  <p:cSld>
-    <p:spTree>
-      <p:nvGrpSpPr>
-        <p:cNvPr id="1" name=""/>
-        <p:cNvGrpSpPr/>
-        <p:nvPr/>
-      </p:nvGrpSpPr>
-      <p:grpSpPr>
-        <a:xfrm>
-          <a:off x="0" y="0"/>
-          <a:ext cx="0" cy="0"/>
-          <a:chOff x="0" y="0"/>
-          <a:chExt cx="0" cy="0"/>
-        </a:xfrm>
-      </p:grpSpPr>
-      <p:sp>
-        <p:nvSpPr>
-          <p:cNvPr id="2" name="Title 1"/>
-          <p:cNvSpPr>
-            <a:spLocks noGrp="1"/>
-          </p:cNvSpPr>
-          <p:nvPr>
-            <p:ph type="title"/>
-          </p:nvPr>
-        </p:nvSpPr>
-        <p:spPr/>
-        <p:txBody>
-          <a:bodyPr/>
-          <a:lstStyle/>
-          <a:p>
-            <a:r>
-              <a:rPr lang="en-US" dirty="0" smtClean="0"/>
-              <a:t>Java Conversions</a:t>
-            </a:r>
-            <a:endParaRPr lang="en-US" dirty="0"/>
-          </a:p>
-        </p:txBody>
-      </p:sp>
-      <p:sp>
-        <p:nvSpPr>
-          <p:cNvPr id="3" name="Text Placeholder 2"/>
-          <p:cNvSpPr>
-            <a:spLocks noGrp="1"/>
-          </p:cNvSpPr>
-          <p:nvPr>
-            <p:ph type="body" idx="1"/>
-          </p:nvPr>
-        </p:nvSpPr>
-        <p:spPr/>
-        <p:txBody>
-          <a:bodyPr/>
-          <a:lstStyle/>
-          <a:p>
-            <a:r>
-              <a:rPr lang="en-US" dirty="0" smtClean="0"/>
-              <a:t>Primary to Primary (upward) – direct assignment. E.g. </a:t>
-            </a:r>
-            <a:r>
-              <a:rPr lang="en-US" dirty="0" err="1" smtClean="0"/>
-              <a:t>int</a:t>
-            </a:r>
-            <a:r>
-              <a:rPr lang="en-US" dirty="0" smtClean="0"/>
-              <a:t> to float.</a:t>
-            </a:r>
-          </a:p>
-          <a:p>
-            <a:r>
-              <a:rPr lang="en-US" dirty="0" smtClean="0"/>
-              <a:t>Primary to Primary (downward) – typecasting. E.g. float to int.</a:t>
-            </a:r>
-          </a:p>
-          <a:p>
-            <a:r>
-              <a:rPr lang="en-US" dirty="0" smtClean="0"/>
-              <a:t>Primary to String – </a:t>
-            </a:r>
-            <a:r>
-              <a:rPr lang="en-US" dirty="0" err="1" smtClean="0"/>
-              <a:t>String.valueOf</a:t>
-            </a:r>
-            <a:r>
-              <a:rPr lang="en-US" dirty="0" smtClean="0"/>
-              <a:t>(value), </a:t>
-            </a:r>
-            <a:r>
-              <a:rPr lang="en-US" dirty="0" err="1" smtClean="0"/>
-              <a:t>WrapperClass.toString</a:t>
-            </a:r>
-            <a:r>
-              <a:rPr lang="en-US" dirty="0" smtClean="0"/>
-              <a:t>(value).</a:t>
-            </a:r>
-          </a:p>
-          <a:p>
-            <a:r>
-              <a:rPr lang="en-US" dirty="0" smtClean="0"/>
-              <a:t>String to Primary – </a:t>
-            </a:r>
-            <a:r>
-              <a:rPr lang="en-US" dirty="0" err="1" smtClean="0"/>
-              <a:t>WrapperClass.parseType</a:t>
-            </a:r>
-            <a:r>
-              <a:rPr lang="en-US" dirty="0" smtClean="0"/>
-              <a:t>(String).</a:t>
-            </a:r>
-          </a:p>
-          <a:p>
-            <a:r>
-              <a:rPr lang="en-US" dirty="0" smtClean="0"/>
-              <a:t>String to Date &amp; vice-versa – </a:t>
-            </a:r>
-            <a:r>
-              <a:rPr lang="en-US" dirty="0" err="1" smtClean="0"/>
-              <a:t>SimpleDateFormat</a:t>
-            </a:r>
-            <a:r>
-              <a:rPr lang="en-US" dirty="0" smtClean="0"/>
-              <a:t> methods - parse() &amp; format().</a:t>
-            </a:r>
-          </a:p>
-          <a:p>
-            <a:r>
-              <a:rPr lang="en-US" dirty="0" smtClean="0"/>
-              <a:t>String to Object &amp; vice-versa – direct assignment &amp; </a:t>
-            </a:r>
-            <a:r>
-              <a:rPr lang="en-US" dirty="0" err="1" smtClean="0"/>
-              <a:t>Object.toString</a:t>
-            </a:r>
-            <a:r>
-              <a:rPr lang="en-US" dirty="0" smtClean="0"/>
-              <a:t>().</a:t>
-            </a:r>
-          </a:p>
-          <a:p>
-            <a:r>
-              <a:rPr lang="en-US" dirty="0" smtClean="0"/>
-              <a:t>Binary to Decimal &amp; vice-versa – </a:t>
-            </a:r>
-            <a:r>
-              <a:rPr lang="en-US" dirty="0" err="1" smtClean="0"/>
-              <a:t>Integer.parseInt</a:t>
-            </a:r>
-            <a:r>
-              <a:rPr lang="en-US" dirty="0" smtClean="0"/>
-              <a:t>(</a:t>
-            </a:r>
-            <a:r>
-              <a:rPr lang="en-US" dirty="0" err="1" smtClean="0"/>
-              <a:t>str</a:t>
-            </a:r>
-            <a:r>
-              <a:rPr lang="en-US" dirty="0" smtClean="0"/>
-              <a:t>, 2) &amp; </a:t>
-            </a:r>
-            <a:r>
-              <a:rPr lang="en-US" dirty="0" err="1" smtClean="0"/>
-              <a:t>Integer.toBinaryString</a:t>
-            </a:r>
-            <a:r>
-              <a:rPr lang="en-US" dirty="0" smtClean="0"/>
-              <a:t>().</a:t>
-            </a:r>
-          </a:p>
-          <a:p>
-            <a:r>
-              <a:rPr lang="en-US" dirty="0" smtClean="0"/>
-              <a:t>Hex to </a:t>
-            </a:r>
-            <a:r>
-              <a:rPr lang="en-US" dirty="0" smtClean="0"/>
-              <a:t>Decimal &amp; vice-versa – </a:t>
-            </a:r>
-            <a:r>
-              <a:rPr lang="en-US" dirty="0" err="1" smtClean="0"/>
-              <a:t>Integer.parseInt</a:t>
-            </a:r>
-            <a:r>
-              <a:rPr lang="en-US" dirty="0" smtClean="0"/>
-              <a:t>(</a:t>
-            </a:r>
-            <a:r>
-              <a:rPr lang="en-US" dirty="0" err="1" smtClean="0"/>
-              <a:t>str</a:t>
-            </a:r>
-            <a:r>
-              <a:rPr lang="en-US" dirty="0" smtClean="0"/>
-              <a:t>, </a:t>
-            </a:r>
-            <a:r>
-              <a:rPr lang="en-US" dirty="0" smtClean="0"/>
-              <a:t>16) </a:t>
-            </a:r>
-            <a:r>
-              <a:rPr lang="en-US" dirty="0" smtClean="0"/>
-              <a:t>&amp; </a:t>
-            </a:r>
-            <a:r>
-              <a:rPr lang="en-US" dirty="0" err="1" smtClean="0"/>
-              <a:t>Integer.toHexString</a:t>
-            </a:r>
-            <a:r>
-              <a:rPr lang="en-US" dirty="0" smtClean="0"/>
-              <a:t>().</a:t>
-            </a:r>
-          </a:p>
-          <a:p>
-            <a:r>
-              <a:rPr lang="en-US" dirty="0" smtClean="0"/>
-              <a:t>Octal </a:t>
-            </a:r>
-            <a:r>
-              <a:rPr lang="en-US" dirty="0" smtClean="0"/>
-              <a:t>to Decimal &amp; vice-versa – </a:t>
-            </a:r>
-            <a:r>
-              <a:rPr lang="en-US" dirty="0" err="1" smtClean="0"/>
-              <a:t>Integer.parseInt</a:t>
-            </a:r>
-            <a:r>
-              <a:rPr lang="en-US" dirty="0" smtClean="0"/>
-              <a:t>(</a:t>
-            </a:r>
-            <a:r>
-              <a:rPr lang="en-US" dirty="0" err="1" smtClean="0"/>
-              <a:t>str</a:t>
-            </a:r>
-            <a:r>
-              <a:rPr lang="en-US" dirty="0" smtClean="0"/>
-              <a:t>, </a:t>
-            </a:r>
-            <a:r>
-              <a:rPr lang="en-US" dirty="0" smtClean="0"/>
-              <a:t>8) </a:t>
-            </a:r>
-            <a:r>
-              <a:rPr lang="en-US" dirty="0" smtClean="0"/>
-              <a:t>&amp; </a:t>
-            </a:r>
-            <a:r>
-              <a:rPr lang="en-US" dirty="0" err="1" smtClean="0"/>
-              <a:t>Integer.toOctalString</a:t>
-            </a:r>
-            <a:r>
-              <a:rPr lang="en-US" dirty="0" smtClean="0"/>
-              <a:t>().</a:t>
-            </a:r>
-          </a:p>
-          <a:p>
-            <a:pPr>
-              <a:buNone/>
-            </a:pPr>
-            <a:endParaRPr lang="en-US" dirty="0" smtClean="0"/>
-          </a:p>
-        </p:txBody>
-      </p:sp>
-    </p:spTree>
-  </p:cSld>
-  <p:clrMapOvr>
-    <a:masterClrMapping/>
-  </p:clrMapOvr>
-</p:sld>
-</file>
-
-<file path=ppt/slides/slide54.xml><?xml version="1.0" encoding="utf-8"?>
+<file path=ppt/slides/slide49.xml><?xml version="1.0" encoding="utf-8"?>
 <p:sld xmlns:a="http://schemas.openxmlformats.org/drawingml/2006/main" xmlns:r="http://schemas.openxmlformats.org/officeDocument/2006/relationships" xmlns:p="http://schemas.openxmlformats.org/presentationml/2006/main">
   <p:cSld>
     <p:spTree>
@@ -16090,6 +14911,149 @@
           </a:prstGeom>
         </p:spPr>
       </p:pic>
+    </p:spTree>
+  </p:cSld>
+  <p:clrMapOvr>
+    <a:masterClrMapping/>
+  </p:clrMapOvr>
+  <p:timing>
+    <p:tnLst>
+      <p:par>
+        <p:cTn id="1" dur="indefinite" restart="never" nodeType="tmRoot"/>
+      </p:par>
+    </p:tnLst>
+  </p:timing>
+</p:sld>
+</file>
+
+<file path=ppt/slides/slide5.xml><?xml version="1.0" encoding="utf-8"?>
+<p:sld xmlns:a="http://schemas.openxmlformats.org/drawingml/2006/main" xmlns:r="http://schemas.openxmlformats.org/officeDocument/2006/relationships" xmlns:p="http://schemas.openxmlformats.org/presentationml/2006/main">
+  <p:cSld>
+    <p:spTree>
+      <p:nvGrpSpPr>
+        <p:cNvPr id="1" name=""/>
+        <p:cNvGrpSpPr/>
+        <p:nvPr/>
+      </p:nvGrpSpPr>
+      <p:grpSpPr>
+        <a:xfrm>
+          <a:off x="0" y="0"/>
+          <a:ext cx="0" cy="0"/>
+          <a:chOff x="0" y="0"/>
+          <a:chExt cx="0" cy="0"/>
+        </a:xfrm>
+      </p:grpSpPr>
+      <p:sp>
+        <p:nvSpPr>
+          <p:cNvPr id="2" name="Title 1"/>
+          <p:cNvSpPr>
+            <a:spLocks noGrp="1"/>
+          </p:cNvSpPr>
+          <p:nvPr>
+            <p:ph type="title"/>
+          </p:nvPr>
+        </p:nvSpPr>
+        <p:spPr/>
+        <p:txBody>
+          <a:bodyPr/>
+          <a:lstStyle/>
+          <a:p>
+            <a:r>
+              <a:rPr lang="en-US" dirty="0" smtClean="0"/>
+              <a:t>C++ </a:t>
+            </a:r>
+            <a:r>
+              <a:rPr lang="en-US" dirty="0" err="1" smtClean="0"/>
+              <a:t>vs</a:t>
+            </a:r>
+            <a:r>
+              <a:rPr lang="en-US" dirty="0" smtClean="0"/>
+              <a:t> Java</a:t>
+            </a:r>
+            <a:endParaRPr lang="en-US" dirty="0"/>
+          </a:p>
+        </p:txBody>
+      </p:sp>
+      <p:sp>
+        <p:nvSpPr>
+          <p:cNvPr id="3" name="Text Placeholder 2"/>
+          <p:cNvSpPr>
+            <a:spLocks noGrp="1"/>
+          </p:cNvSpPr>
+          <p:nvPr>
+            <p:ph type="body" idx="1"/>
+          </p:nvPr>
+        </p:nvSpPr>
+        <p:spPr/>
+        <p:txBody>
+          <a:bodyPr/>
+          <a:lstStyle/>
+          <a:p>
+            <a:r>
+              <a:rPr lang="en-US" dirty="0" smtClean="0"/>
+              <a:t>Purely object-oriented (place of virtual method).</a:t>
+            </a:r>
+          </a:p>
+          <a:p>
+            <a:r>
+              <a:rPr lang="en-US" dirty="0" smtClean="0"/>
+              <a:t>Pointers and call by reference.</a:t>
+            </a:r>
+          </a:p>
+          <a:p>
+            <a:r>
+              <a:rPr lang="en-US" dirty="0" err="1" smtClean="0"/>
+              <a:t>Goto</a:t>
+            </a:r>
+            <a:r>
+              <a:rPr lang="en-US" dirty="0" smtClean="0"/>
+              <a:t> statement.</a:t>
+            </a:r>
+          </a:p>
+          <a:p>
+            <a:r>
+              <a:rPr lang="en-US" dirty="0" smtClean="0"/>
+              <a:t>Platform dependency.</a:t>
+            </a:r>
+          </a:p>
+          <a:p>
+            <a:r>
+              <a:rPr lang="en-US" dirty="0" smtClean="0"/>
+              <a:t>Compiled and Interpreted.</a:t>
+            </a:r>
+          </a:p>
+          <a:p>
+            <a:r>
+              <a:rPr lang="en-US" dirty="0" smtClean="0"/>
+              <a:t>Structure &amp; union.</a:t>
+            </a:r>
+          </a:p>
+          <a:p>
+            <a:r>
+              <a:rPr lang="en-US" dirty="0" smtClean="0"/>
+              <a:t>Operator overloading.</a:t>
+            </a:r>
+          </a:p>
+          <a:p>
+            <a:r>
+              <a:rPr lang="en-US" dirty="0" smtClean="0"/>
+              <a:t>Multiple inheritance.</a:t>
+            </a:r>
+          </a:p>
+          <a:p>
+            <a:r>
+              <a:rPr lang="en-US" dirty="0" smtClean="0"/>
+              <a:t>Multi-threading, virtual keyword.</a:t>
+            </a:r>
+          </a:p>
+          <a:p>
+            <a:r>
+              <a:rPr lang="en-US" dirty="0" smtClean="0"/>
+              <a:t>#include directive and import.</a:t>
+            </a:r>
+          </a:p>
+        </p:txBody>
+      </p:sp>
     </p:spTree>
   </p:cSld>
   <p:clrMapOvr>
